--- a/docs/Dev/Contributing/library_evaluation/Library_Evaluation.pptx
+++ b/docs/Dev/Contributing/library_evaluation/Library_Evaluation.pptx
@@ -222,7 +222,7 @@
           <a:p>
             <a:fld id="{6E579743-166E-AD40-B7AD-E3560620A21A}" type="datetimeFigureOut">
               <a:rPr lang="de-DE" smtClean="0"/>
-              <a:t>26.05.2021</a:t>
+              <a:t>20.08.2025</a:t>
             </a:fld>
             <a:endParaRPr lang="de-DE"/>
           </a:p>
@@ -388,7 +388,7 @@
           <a:p>
             <a:fld id="{3D0B21EE-8622-2045-8225-59C8F268CE0C}" type="datetimeFigureOut">
               <a:rPr lang="de-DE" smtClean="0"/>
-              <a:t>26.05.2021</a:t>
+              <a:t>20.08.2025</a:t>
             </a:fld>
             <a:endParaRPr lang="de-DE"/>
           </a:p>
@@ -452,38 +452,37 @@
           <a:p>
             <a:pPr lvl="0"/>
             <a:r>
-              <a:rPr lang="de-DE" smtClean="0"/>
+              <a:rPr lang="de-DE"/>
               <a:t>Mastertextformat bearbeiten</a:t>
             </a:r>
           </a:p>
           <a:p>
             <a:pPr lvl="1"/>
             <a:r>
-              <a:rPr lang="de-DE" smtClean="0"/>
+              <a:rPr lang="de-DE"/>
               <a:t>Zweite Ebene</a:t>
             </a:r>
           </a:p>
           <a:p>
             <a:pPr lvl="2"/>
             <a:r>
-              <a:rPr lang="de-DE" smtClean="0"/>
+              <a:rPr lang="de-DE"/>
               <a:t>Dritte Ebene</a:t>
             </a:r>
           </a:p>
           <a:p>
             <a:pPr lvl="3"/>
             <a:r>
-              <a:rPr lang="de-DE" smtClean="0"/>
+              <a:rPr lang="de-DE"/>
               <a:t>Vierte Ebene</a:t>
             </a:r>
           </a:p>
           <a:p>
             <a:pPr lvl="4"/>
             <a:r>
-              <a:rPr lang="de-DE" smtClean="0"/>
+              <a:rPr lang="de-DE"/>
               <a:t>Fünfte Ebene</a:t>
             </a:r>
-            <a:endParaRPr lang="de-DE"/>
           </a:p>
         </p:txBody>
       </p:sp>
@@ -744,7 +743,7 @@
           <a:p>
             <a:pPr lvl="0"/>
             <a:r>
-              <a:rPr lang="de-DE" smtClean="0"/>
+              <a:rPr lang="de-DE"/>
               <a:t>Textmasterformat bearbeiten</a:t>
             </a:r>
           </a:p>
@@ -787,7 +786,7 @@
           <a:p>
             <a:pPr lvl="0"/>
             <a:r>
-              <a:rPr lang="de-DE" smtClean="0"/>
+              <a:rPr lang="de-DE"/>
               <a:t>Textmasterformat bearbeiten</a:t>
             </a:r>
           </a:p>
@@ -809,7 +808,7 @@
           <a:lstStyle/>
           <a:p>
             <a:r>
-              <a:rPr lang="de-DE" smtClean="0"/>
+              <a:rPr lang="de-DE"/>
               <a:t>Titelmasterformat durch Klicken bearbeiten</a:t>
             </a:r>
             <a:endParaRPr lang="de-DE" dirty="0"/>
@@ -905,7 +904,7 @@
           <a:p>
             <a:pPr lvl="0"/>
             <a:r>
-              <a:rPr lang="de-DE" smtClean="0"/>
+              <a:rPr lang="de-DE"/>
               <a:t>Textmasterformat bearbeiten</a:t>
             </a:r>
           </a:p>
@@ -921,13 +920,6 @@
   <p:clrMapOvr>
     <a:masterClrMapping/>
   </p:clrMapOvr>
-  <p:timing>
-    <p:tnLst>
-      <p:par>
-        <p:cTn id="1" dur="indefinite" restart="never" nodeType="tmRoot"/>
-      </p:par>
-    </p:tnLst>
-  </p:timing>
 </p:sldLayout>
 </file>
 
@@ -1061,7 +1053,7 @@
           <a:p>
             <a:pPr lvl="0"/>
             <a:r>
-              <a:rPr lang="de-DE" smtClean="0"/>
+              <a:rPr lang="de-DE"/>
               <a:t>Textmasterformat bearbeiten</a:t>
             </a:r>
           </a:p>
@@ -1091,7 +1083,7 @@
           </a:lstStyle>
           <a:p>
             <a:r>
-              <a:rPr lang="de-DE" smtClean="0"/>
+              <a:rPr lang="de-DE"/>
               <a:t>Titelmasterformat durch Klicken bearbeiten</a:t>
             </a:r>
             <a:endParaRPr lang="de-DE" dirty="0"/>
@@ -1219,447 +1211,447 @@
           <a:p>
             <a:pPr lvl="0"/>
             <a:r>
-              <a:rPr lang="de-DE" dirty="0" err="1" smtClean="0"/>
+              <a:rPr lang="de-DE" dirty="0" err="1"/>
               <a:t>Harum</a:t>
             </a:r>
             <a:r>
-              <a:rPr lang="de-DE" dirty="0" smtClean="0"/>
+              <a:rPr lang="de-DE" dirty="0"/>
               <a:t> </a:t>
             </a:r>
             <a:r>
-              <a:rPr lang="de-DE" dirty="0" err="1" smtClean="0"/>
+              <a:rPr lang="de-DE" dirty="0" err="1"/>
               <a:t>volorpo</a:t>
             </a:r>
             <a:r>
-              <a:rPr lang="de-DE" dirty="0" smtClean="0"/>
+              <a:rPr lang="de-DE" dirty="0"/>
               <a:t> </a:t>
             </a:r>
             <a:r>
-              <a:rPr lang="de-DE" dirty="0" err="1" smtClean="0"/>
+              <a:rPr lang="de-DE" dirty="0" err="1"/>
               <a:t>ssitatiunt</a:t>
             </a:r>
             <a:r>
-              <a:rPr lang="de-DE" dirty="0" smtClean="0"/>
+              <a:rPr lang="de-DE" dirty="0"/>
               <a:t> </a:t>
             </a:r>
             <a:r>
-              <a:rPr lang="de-DE" dirty="0" err="1" smtClean="0"/>
+              <a:rPr lang="de-DE" dirty="0" err="1"/>
               <a:t>pa</a:t>
             </a:r>
             <a:r>
-              <a:rPr lang="de-DE" dirty="0" smtClean="0"/>
+              <a:rPr lang="de-DE" dirty="0"/>
               <a:t> </a:t>
             </a:r>
             <a:r>
-              <a:rPr lang="de-DE" dirty="0" err="1" smtClean="0"/>
+              <a:rPr lang="de-DE" dirty="0" err="1"/>
               <a:t>aut</a:t>
             </a:r>
             <a:r>
-              <a:rPr lang="de-DE" dirty="0" smtClean="0"/>
+              <a:rPr lang="de-DE" dirty="0"/>
               <a:t> </a:t>
             </a:r>
             <a:r>
-              <a:rPr lang="de-DE" dirty="0" err="1" smtClean="0"/>
+              <a:rPr lang="de-DE" dirty="0" err="1"/>
               <a:t>estrumquam</a:t>
             </a:r>
             <a:r>
-              <a:rPr lang="de-DE" dirty="0" smtClean="0"/>
+              <a:rPr lang="de-DE" dirty="0"/>
               <a:t> </a:t>
             </a:r>
             <a:r>
-              <a:rPr lang="de-DE" dirty="0" err="1" smtClean="0"/>
+              <a:rPr lang="de-DE" dirty="0" err="1"/>
               <a:t>aspidellis</a:t>
             </a:r>
             <a:r>
-              <a:rPr lang="de-DE" dirty="0" smtClean="0"/>
+              <a:rPr lang="de-DE" dirty="0"/>
               <a:t>.</a:t>
             </a:r>
           </a:p>
           <a:p>
             <a:pPr lvl="0"/>
             <a:r>
-              <a:rPr lang="de-DE" dirty="0" err="1" smtClean="0"/>
+              <a:rPr lang="de-DE" dirty="0" err="1"/>
               <a:t>Excero</a:t>
             </a:r>
             <a:r>
-              <a:rPr lang="de-DE" dirty="0" smtClean="0"/>
+              <a:rPr lang="de-DE" dirty="0"/>
               <a:t> </a:t>
             </a:r>
             <a:r>
-              <a:rPr lang="de-DE" dirty="0" err="1" smtClean="0"/>
+              <a:rPr lang="de-DE" dirty="0" err="1"/>
               <a:t>esto</a:t>
             </a:r>
             <a:r>
-              <a:rPr lang="de-DE" dirty="0" smtClean="0"/>
+              <a:rPr lang="de-DE" dirty="0"/>
               <a:t> </a:t>
             </a:r>
             <a:r>
-              <a:rPr lang="de-DE" dirty="0" err="1" smtClean="0"/>
+              <a:rPr lang="de-DE" dirty="0" err="1"/>
               <a:t>dolorib</a:t>
             </a:r>
             <a:r>
-              <a:rPr lang="de-DE" dirty="0" smtClean="0"/>
+              <a:rPr lang="de-DE" dirty="0"/>
               <a:t> </a:t>
             </a:r>
             <a:r>
-              <a:rPr lang="de-DE" dirty="0" err="1" smtClean="0"/>
+              <a:rPr lang="de-DE" dirty="0" err="1"/>
               <a:t>usandis</a:t>
             </a:r>
             <a:r>
-              <a:rPr lang="de-DE" dirty="0" smtClean="0"/>
+              <a:rPr lang="de-DE" dirty="0"/>
               <a:t> </a:t>
             </a:r>
             <a:r>
-              <a:rPr lang="de-DE" dirty="0" err="1" smtClean="0"/>
+              <a:rPr lang="de-DE" dirty="0" err="1"/>
               <a:t>restiis</a:t>
             </a:r>
             <a:r>
-              <a:rPr lang="de-DE" dirty="0" smtClean="0"/>
+              <a:rPr lang="de-DE" dirty="0"/>
               <a:t> </a:t>
             </a:r>
             <a:r>
-              <a:rPr lang="de-DE" dirty="0" err="1" smtClean="0"/>
+              <a:rPr lang="de-DE" dirty="0" err="1"/>
               <a:t>cietur</a:t>
             </a:r>
             <a:r>
-              <a:rPr lang="de-DE" dirty="0" smtClean="0"/>
+              <a:rPr lang="de-DE" dirty="0"/>
               <a:t>, </a:t>
             </a:r>
             <a:r>
-              <a:rPr lang="de-DE" dirty="0" err="1" smtClean="0"/>
+              <a:rPr lang="de-DE" dirty="0" err="1"/>
               <a:t>sedigen</a:t>
             </a:r>
             <a:r>
-              <a:rPr lang="de-DE" dirty="0" smtClean="0"/>
+              <a:rPr lang="de-DE" dirty="0"/>
               <a:t> </a:t>
             </a:r>
             <a:r>
-              <a:rPr lang="de-DE" dirty="0" err="1" smtClean="0"/>
+              <a:rPr lang="de-DE" dirty="0" err="1"/>
               <a:t>issimaximin</a:t>
             </a:r>
             <a:r>
-              <a:rPr lang="de-DE" dirty="0" smtClean="0"/>
+              <a:rPr lang="de-DE" dirty="0"/>
               <a:t> </a:t>
             </a:r>
             <a:r>
-              <a:rPr lang="de-DE" dirty="0" err="1" smtClean="0"/>
+              <a:rPr lang="de-DE" dirty="0" err="1"/>
               <a:t>pa</a:t>
             </a:r>
             <a:r>
-              <a:rPr lang="de-DE" dirty="0" smtClean="0"/>
+              <a:rPr lang="de-DE" dirty="0"/>
               <a:t> </a:t>
             </a:r>
             <a:r>
-              <a:rPr lang="de-DE" dirty="0" err="1" smtClean="0"/>
+              <a:rPr lang="de-DE" dirty="0" err="1"/>
               <a:t>voloreped</a:t>
             </a:r>
             <a:r>
-              <a:rPr lang="de-DE" dirty="0" smtClean="0"/>
+              <a:rPr lang="de-DE" dirty="0"/>
               <a:t> </a:t>
             </a:r>
             <a:r>
-              <a:rPr lang="de-DE" dirty="0" err="1" smtClean="0"/>
+              <a:rPr lang="de-DE" dirty="0" err="1"/>
               <a:t>mo</a:t>
             </a:r>
             <a:r>
-              <a:rPr lang="de-DE" dirty="0" smtClean="0"/>
+              <a:rPr lang="de-DE" dirty="0"/>
               <a:t> </a:t>
             </a:r>
             <a:r>
-              <a:rPr lang="de-DE" dirty="0" err="1" smtClean="0"/>
+              <a:rPr lang="de-DE" dirty="0" err="1"/>
               <a:t>inis</a:t>
             </a:r>
             <a:r>
-              <a:rPr lang="de-DE" dirty="0" smtClean="0"/>
+              <a:rPr lang="de-DE" dirty="0"/>
               <a:t> </a:t>
             </a:r>
             <a:r>
-              <a:rPr lang="de-DE" dirty="0" err="1" smtClean="0"/>
+              <a:rPr lang="de-DE" dirty="0" err="1"/>
               <a:t>quibus</a:t>
             </a:r>
             <a:r>
-              <a:rPr lang="de-DE" dirty="0" smtClean="0"/>
+              <a:rPr lang="de-DE" dirty="0"/>
               <a:t>.</a:t>
             </a:r>
           </a:p>
           <a:p>
             <a:pPr lvl="0"/>
             <a:r>
-              <a:rPr lang="de-DE" dirty="0" err="1" smtClean="0"/>
+              <a:rPr lang="de-DE" dirty="0" err="1"/>
               <a:t>Nequia</a:t>
             </a:r>
             <a:r>
-              <a:rPr lang="de-DE" dirty="0" smtClean="0"/>
+              <a:rPr lang="de-DE" dirty="0"/>
               <a:t> </a:t>
             </a:r>
             <a:r>
-              <a:rPr lang="de-DE" dirty="0" err="1" smtClean="0"/>
+              <a:rPr lang="de-DE" dirty="0" err="1"/>
               <a:t>dolest</a:t>
             </a:r>
             <a:r>
-              <a:rPr lang="de-DE" dirty="0" smtClean="0"/>
+              <a:rPr lang="de-DE" dirty="0"/>
               <a:t>, </a:t>
             </a:r>
             <a:r>
-              <a:rPr lang="de-DE" dirty="0" err="1" smtClean="0"/>
+              <a:rPr lang="de-DE" dirty="0" err="1"/>
               <a:t>que</a:t>
             </a:r>
             <a:r>
-              <a:rPr lang="de-DE" dirty="0" smtClean="0"/>
+              <a:rPr lang="de-DE" dirty="0"/>
               <a:t> </a:t>
             </a:r>
             <a:r>
-              <a:rPr lang="de-DE" dirty="0" err="1" smtClean="0"/>
+              <a:rPr lang="de-DE" dirty="0" err="1"/>
               <a:t>denit</a:t>
             </a:r>
             <a:r>
-              <a:rPr lang="de-DE" dirty="0" smtClean="0"/>
+              <a:rPr lang="de-DE" dirty="0"/>
               <a:t> </a:t>
             </a:r>
             <a:r>
-              <a:rPr lang="de-DE" dirty="0" err="1" smtClean="0"/>
+              <a:rPr lang="de-DE" dirty="0" err="1"/>
               <a:t>apist</a:t>
             </a:r>
             <a:r>
-              <a:rPr lang="de-DE" dirty="0" smtClean="0"/>
+              <a:rPr lang="de-DE" dirty="0"/>
               <a:t> </a:t>
             </a:r>
             <a:r>
-              <a:rPr lang="de-DE" dirty="0" err="1" smtClean="0"/>
+              <a:rPr lang="de-DE" dirty="0" err="1"/>
               <a:t>verum</a:t>
             </a:r>
             <a:r>
-              <a:rPr lang="de-DE" dirty="0" smtClean="0"/>
+              <a:rPr lang="de-DE" dirty="0"/>
               <a:t> </a:t>
             </a:r>
             <a:r>
-              <a:rPr lang="de-DE" dirty="0" err="1" smtClean="0"/>
+              <a:rPr lang="de-DE" dirty="0" err="1"/>
               <a:t>harum</a:t>
             </a:r>
             <a:r>
-              <a:rPr lang="de-DE" dirty="0" smtClean="0"/>
+              <a:rPr lang="de-DE" dirty="0"/>
               <a:t> </a:t>
             </a:r>
             <a:r>
-              <a:rPr lang="de-DE" dirty="0" err="1" smtClean="0"/>
+              <a:rPr lang="de-DE" dirty="0" err="1"/>
               <a:t>andenem</a:t>
             </a:r>
             <a:r>
-              <a:rPr lang="de-DE" dirty="0" smtClean="0"/>
+              <a:rPr lang="de-DE" dirty="0"/>
               <a:t> quo.</a:t>
             </a:r>
           </a:p>
           <a:p>
             <a:pPr lvl="0"/>
             <a:r>
-              <a:rPr lang="de-DE" dirty="0" err="1" smtClean="0"/>
+              <a:rPr lang="de-DE" dirty="0" err="1"/>
               <a:t>Lur</a:t>
             </a:r>
             <a:r>
-              <a:rPr lang="de-DE" dirty="0" smtClean="0"/>
+              <a:rPr lang="de-DE" dirty="0"/>
               <a:t> </a:t>
             </a:r>
             <a:r>
-              <a:rPr lang="de-DE" dirty="0" err="1" smtClean="0"/>
+              <a:rPr lang="de-DE" dirty="0" err="1"/>
               <a:t>sitam</a:t>
             </a:r>
             <a:r>
-              <a:rPr lang="de-DE" dirty="0" smtClean="0"/>
+              <a:rPr lang="de-DE" dirty="0"/>
               <a:t> rat </a:t>
             </a:r>
             <a:r>
-              <a:rPr lang="de-DE" dirty="0" err="1" smtClean="0"/>
+              <a:rPr lang="de-DE" dirty="0" err="1"/>
               <a:t>verum</a:t>
             </a:r>
             <a:r>
-              <a:rPr lang="de-DE" dirty="0" smtClean="0"/>
+              <a:rPr lang="de-DE" dirty="0"/>
               <a:t> </a:t>
             </a:r>
             <a:r>
-              <a:rPr lang="de-DE" dirty="0" err="1" smtClean="0"/>
+              <a:rPr lang="de-DE" dirty="0" err="1"/>
               <a:t>acepe</a:t>
             </a:r>
             <a:r>
-              <a:rPr lang="de-DE" dirty="0" smtClean="0"/>
+              <a:rPr lang="de-DE" dirty="0"/>
               <a:t> cum </a:t>
             </a:r>
             <a:r>
-              <a:rPr lang="de-DE" dirty="0" err="1" smtClean="0"/>
+              <a:rPr lang="de-DE" dirty="0" err="1"/>
               <a:t>esequos</a:t>
             </a:r>
             <a:r>
-              <a:rPr lang="de-DE" dirty="0" smtClean="0"/>
+              <a:rPr lang="de-DE" dirty="0"/>
               <a:t> ex et </a:t>
             </a:r>
             <a:r>
-              <a:rPr lang="de-DE" dirty="0" err="1" smtClean="0"/>
+              <a:rPr lang="de-DE" dirty="0" err="1"/>
               <a:t>litatem</a:t>
             </a:r>
             <a:r>
-              <a:rPr lang="de-DE" dirty="0" smtClean="0"/>
+              <a:rPr lang="de-DE" dirty="0"/>
               <a:t> </a:t>
             </a:r>
             <a:r>
-              <a:rPr lang="de-DE" dirty="0" err="1" smtClean="0"/>
+              <a:rPr lang="de-DE" dirty="0" err="1"/>
               <a:t>sum</a:t>
             </a:r>
             <a:r>
-              <a:rPr lang="de-DE" dirty="0" smtClean="0"/>
+              <a:rPr lang="de-DE" dirty="0"/>
               <a:t> </a:t>
             </a:r>
             <a:r>
-              <a:rPr lang="de-DE" dirty="0" err="1" smtClean="0"/>
+              <a:rPr lang="de-DE" dirty="0" err="1"/>
               <a:t>doloreperum</a:t>
             </a:r>
             <a:r>
-              <a:rPr lang="de-DE" dirty="0" smtClean="0"/>
+              <a:rPr lang="de-DE" dirty="0"/>
               <a:t> </a:t>
             </a:r>
             <a:r>
-              <a:rPr lang="de-DE" dirty="0" err="1" smtClean="0"/>
+              <a:rPr lang="de-DE" dirty="0" err="1"/>
               <a:t>ipsam</a:t>
             </a:r>
             <a:r>
-              <a:rPr lang="de-DE" dirty="0" smtClean="0"/>
+              <a:rPr lang="de-DE" dirty="0"/>
               <a:t>, </a:t>
             </a:r>
             <a:r>
-              <a:rPr lang="de-DE" dirty="0" err="1" smtClean="0"/>
+              <a:rPr lang="de-DE" dirty="0" err="1"/>
               <a:t>comniaepra</a:t>
             </a:r>
             <a:r>
-              <a:rPr lang="de-DE" dirty="0" smtClean="0"/>
+              <a:rPr lang="de-DE" dirty="0"/>
               <a:t> </a:t>
             </a:r>
             <a:r>
-              <a:rPr lang="de-DE" dirty="0" err="1" smtClean="0"/>
+              <a:rPr lang="de-DE" dirty="0" err="1"/>
               <a:t>volorenit</a:t>
             </a:r>
             <a:r>
-              <a:rPr lang="de-DE" dirty="0" smtClean="0"/>
+              <a:rPr lang="de-DE" dirty="0"/>
               <a:t>.</a:t>
             </a:r>
           </a:p>
           <a:p>
             <a:pPr lvl="0"/>
             <a:r>
-              <a:rPr lang="de-DE" dirty="0" err="1" smtClean="0"/>
+              <a:rPr lang="de-DE" dirty="0" err="1"/>
               <a:t>Consedis</a:t>
             </a:r>
             <a:r>
-              <a:rPr lang="de-DE" dirty="0" smtClean="0"/>
+              <a:rPr lang="de-DE" dirty="0"/>
               <a:t> </a:t>
             </a:r>
             <a:r>
-              <a:rPr lang="de-DE" dirty="0" err="1" smtClean="0"/>
+              <a:rPr lang="de-DE" dirty="0" err="1"/>
               <a:t>conseque</a:t>
             </a:r>
             <a:r>
-              <a:rPr lang="de-DE" dirty="0" smtClean="0"/>
+              <a:rPr lang="de-DE" dirty="0"/>
               <a:t> </a:t>
             </a:r>
             <a:r>
-              <a:rPr lang="de-DE" dirty="0" err="1" smtClean="0"/>
+              <a:rPr lang="de-DE" dirty="0" err="1"/>
               <a:t>deliquis</a:t>
             </a:r>
             <a:r>
-              <a:rPr lang="de-DE" dirty="0" smtClean="0"/>
+              <a:rPr lang="de-DE" dirty="0"/>
               <a:t> </a:t>
             </a:r>
             <a:r>
-              <a:rPr lang="de-DE" dirty="0" err="1" smtClean="0"/>
+              <a:rPr lang="de-DE" dirty="0" err="1"/>
               <a:t>eos</a:t>
             </a:r>
             <a:r>
-              <a:rPr lang="de-DE" dirty="0" smtClean="0"/>
+              <a:rPr lang="de-DE" dirty="0"/>
               <a:t> </a:t>
             </a:r>
             <a:r>
-              <a:rPr lang="de-DE" dirty="0" err="1" smtClean="0"/>
+              <a:rPr lang="de-DE" dirty="0" err="1"/>
               <a:t>ius</a:t>
             </a:r>
             <a:r>
-              <a:rPr lang="de-DE" dirty="0" smtClean="0"/>
+              <a:rPr lang="de-DE" dirty="0"/>
               <a:t>, </a:t>
             </a:r>
             <a:r>
-              <a:rPr lang="de-DE" dirty="0" err="1" smtClean="0"/>
+              <a:rPr lang="de-DE" dirty="0" err="1"/>
               <a:t>con</a:t>
             </a:r>
             <a:r>
-              <a:rPr lang="de-DE" dirty="0" smtClean="0"/>
+              <a:rPr lang="de-DE" dirty="0"/>
               <a:t> </a:t>
             </a:r>
             <a:r>
-              <a:rPr lang="de-DE" dirty="0" err="1" smtClean="0"/>
+              <a:rPr lang="de-DE" dirty="0" err="1"/>
               <a:t>pra</a:t>
             </a:r>
             <a:r>
-              <a:rPr lang="de-DE" dirty="0" smtClean="0"/>
+              <a:rPr lang="de-DE" dirty="0"/>
               <a:t> </a:t>
             </a:r>
             <a:r>
-              <a:rPr lang="de-DE" dirty="0" err="1" smtClean="0"/>
+              <a:rPr lang="de-DE" dirty="0" err="1"/>
               <a:t>quam</a:t>
             </a:r>
             <a:r>
-              <a:rPr lang="de-DE" dirty="0" smtClean="0"/>
+              <a:rPr lang="de-DE" dirty="0"/>
               <a:t>, </a:t>
             </a:r>
             <a:r>
-              <a:rPr lang="de-DE" dirty="0" err="1" smtClean="0"/>
+              <a:rPr lang="de-DE" dirty="0" err="1"/>
               <a:t>odit</a:t>
             </a:r>
             <a:r>
-              <a:rPr lang="de-DE" dirty="0" smtClean="0"/>
+              <a:rPr lang="de-DE" dirty="0"/>
               <a:t> </a:t>
             </a:r>
             <a:r>
-              <a:rPr lang="de-DE" dirty="0" err="1" smtClean="0"/>
+              <a:rPr lang="de-DE" dirty="0" err="1"/>
               <a:t>est</a:t>
             </a:r>
             <a:r>
-              <a:rPr lang="de-DE" dirty="0" smtClean="0"/>
+              <a:rPr lang="de-DE" dirty="0"/>
               <a:t> </a:t>
             </a:r>
             <a:r>
-              <a:rPr lang="de-DE" dirty="0" err="1" smtClean="0"/>
+              <a:rPr lang="de-DE" dirty="0" err="1"/>
               <a:t>velignient</a:t>
             </a:r>
             <a:r>
-              <a:rPr lang="de-DE" dirty="0" smtClean="0"/>
+              <a:rPr lang="de-DE" dirty="0"/>
               <a:t> et </a:t>
             </a:r>
             <a:r>
-              <a:rPr lang="de-DE" dirty="0" err="1" smtClean="0"/>
+              <a:rPr lang="de-DE" dirty="0" err="1"/>
               <a:t>hita</a:t>
             </a:r>
             <a:r>
-              <a:rPr lang="de-DE" dirty="0" smtClean="0"/>
+              <a:rPr lang="de-DE" dirty="0"/>
               <a:t> </a:t>
             </a:r>
             <a:r>
-              <a:rPr lang="de-DE" dirty="0" err="1" smtClean="0"/>
+              <a:rPr lang="de-DE" dirty="0" err="1"/>
               <a:t>solora</a:t>
             </a:r>
             <a:r>
-              <a:rPr lang="de-DE" dirty="0" smtClean="0"/>
+              <a:rPr lang="de-DE" dirty="0"/>
               <a:t> </a:t>
             </a:r>
             <a:r>
-              <a:rPr lang="de-DE" dirty="0" err="1" smtClean="0"/>
+              <a:rPr lang="de-DE" dirty="0" err="1"/>
               <a:t>imin</a:t>
             </a:r>
             <a:r>
-              <a:rPr lang="de-DE" dirty="0" smtClean="0"/>
+              <a:rPr lang="de-DE" dirty="0"/>
               <a:t> </a:t>
             </a:r>
             <a:r>
-              <a:rPr lang="de-DE" dirty="0" err="1" smtClean="0"/>
+              <a:rPr lang="de-DE" dirty="0" err="1"/>
               <a:t>ea</a:t>
             </a:r>
             <a:r>
-              <a:rPr lang="de-DE" dirty="0" smtClean="0"/>
+              <a:rPr lang="de-DE" dirty="0"/>
               <a:t>.</a:t>
             </a:r>
           </a:p>
@@ -1710,7 +1702,7 @@
           <a:p>
             <a:pPr lvl="0"/>
             <a:r>
-              <a:rPr lang="de-DE" smtClean="0"/>
+              <a:rPr lang="de-DE"/>
               <a:t>Textmasterformat bearbeiten</a:t>
             </a:r>
           </a:p>
@@ -1805,7 +1797,7 @@
           <a:p>
             <a:pPr lvl="0"/>
             <a:r>
-              <a:rPr lang="de-DE" smtClean="0"/>
+              <a:rPr lang="de-DE"/>
               <a:t>Textmasterformat bearbeiten</a:t>
             </a:r>
           </a:p>
@@ -1865,7 +1857,7 @@
           </a:lstStyle>
           <a:p>
             <a:r>
-              <a:rPr lang="de-DE" smtClean="0"/>
+              <a:rPr lang="de-DE"/>
               <a:t>Titelmasterformat durch Klicken bearbeiten</a:t>
             </a:r>
             <a:endParaRPr lang="de-DE" dirty="0"/>
@@ -1909,7 +1901,7 @@
           <a:p>
             <a:pPr lvl="0"/>
             <a:r>
-              <a:rPr lang="de-DE" smtClean="0"/>
+              <a:rPr lang="de-DE"/>
               <a:t>Textmasterformat bearbeiten</a:t>
             </a:r>
           </a:p>
@@ -1952,7 +1944,7 @@
           <a:p>
             <a:pPr lvl="0"/>
             <a:r>
-              <a:rPr lang="de-DE" smtClean="0"/>
+              <a:rPr lang="de-DE"/>
               <a:t>Textmasterformat bearbeiten</a:t>
             </a:r>
           </a:p>
@@ -2047,7 +2039,7 @@
           <a:p>
             <a:pPr lvl="0"/>
             <a:r>
-              <a:rPr lang="de-DE" smtClean="0"/>
+              <a:rPr lang="de-DE"/>
               <a:t>Textmasterformat bearbeiten</a:t>
             </a:r>
           </a:p>
@@ -2107,7 +2099,7 @@
           </a:lstStyle>
           <a:p>
             <a:r>
-              <a:rPr lang="de-DE" smtClean="0"/>
+              <a:rPr lang="de-DE"/>
               <a:t>Titelmasterformat durch Klicken bearbeiten</a:t>
             </a:r>
             <a:endParaRPr lang="de-DE" dirty="0"/>
@@ -2151,7 +2143,7 @@
           <a:p>
             <a:pPr lvl="0"/>
             <a:r>
-              <a:rPr lang="de-DE" smtClean="0"/>
+              <a:rPr lang="de-DE"/>
               <a:t>Textmasterformat bearbeiten</a:t>
             </a:r>
           </a:p>
@@ -2246,7 +2238,7 @@
           <a:p>
             <a:pPr lvl="0"/>
             <a:r>
-              <a:rPr lang="de-DE" smtClean="0"/>
+              <a:rPr lang="de-DE"/>
               <a:t>Textmasterformat bearbeiten</a:t>
             </a:r>
           </a:p>
@@ -2314,10 +2306,9 @@
           </a:lstStyle>
           <a:p>
             <a:r>
-              <a:rPr lang="de-DE" dirty="0" smtClean="0"/>
+              <a:rPr lang="de-DE" dirty="0"/>
               <a:t>Titel 1-zeilig</a:t>
             </a:r>
-            <a:endParaRPr lang="de-DE" dirty="0"/>
           </a:p>
         </p:txBody>
       </p:sp>
@@ -2412,18 +2403,17 @@
           <a:p>
             <a:pPr lvl="0"/>
             <a:r>
-              <a:rPr lang="de-DE" dirty="0" err="1" smtClean="0"/>
+              <a:rPr lang="de-DE" dirty="0" err="1"/>
               <a:t>Subline</a:t>
             </a:r>
-            <a:endParaRPr lang="de-DE" dirty="0" smtClean="0"/>
+            <a:endParaRPr lang="de-DE" dirty="0"/>
           </a:p>
           <a:p>
             <a:pPr lvl="0"/>
             <a:r>
-              <a:rPr lang="de-DE" dirty="0" smtClean="0"/>
+              <a:rPr lang="de-DE" dirty="0"/>
               <a:t>Maximal 2-zeilig</a:t>
             </a:r>
-            <a:endParaRPr lang="de-DE" dirty="0"/>
           </a:p>
         </p:txBody>
       </p:sp>
@@ -2519,10 +2509,9 @@
           <a:p>
             <a:pPr lvl="0"/>
             <a:r>
-              <a:rPr lang="de-DE" dirty="0" smtClean="0"/>
+              <a:rPr lang="de-DE" dirty="0"/>
               <a:t>Datum eintragen</a:t>
             </a:r>
-            <a:endParaRPr lang="de-DE" dirty="0"/>
           </a:p>
         </p:txBody>
       </p:sp>
@@ -2582,10 +2571,9 @@
           </a:lstStyle>
           <a:p>
             <a:r>
-              <a:rPr lang="de-DE" dirty="0" smtClean="0"/>
+              <a:rPr lang="de-DE" dirty="0"/>
               <a:t>Titel 2-zeilig</a:t>
             </a:r>
-            <a:endParaRPr lang="de-DE" dirty="0"/>
           </a:p>
         </p:txBody>
       </p:sp>
@@ -2640,11 +2628,11 @@
               <a:buNone/>
             </a:pPr>
             <a:r>
-              <a:rPr lang="de-DE" dirty="0" smtClean="0"/>
+              <a:rPr lang="de-DE" dirty="0"/>
               <a:t>2. </a:t>
             </a:r>
             <a:r>
-              <a:rPr lang="de-DE" dirty="0" err="1" smtClean="0"/>
+              <a:rPr lang="de-DE" dirty="0" err="1"/>
               <a:t>zeile</a:t>
             </a:r>
             <a:endParaRPr lang="de-DE" dirty="0"/>
@@ -2742,18 +2730,17 @@
           <a:p>
             <a:pPr lvl="0"/>
             <a:r>
-              <a:rPr lang="de-DE" dirty="0" err="1" smtClean="0"/>
+              <a:rPr lang="de-DE" dirty="0" err="1"/>
               <a:t>Subline</a:t>
             </a:r>
-            <a:endParaRPr lang="de-DE" dirty="0" smtClean="0"/>
+            <a:endParaRPr lang="de-DE" dirty="0"/>
           </a:p>
           <a:p>
             <a:pPr lvl="0"/>
             <a:r>
-              <a:rPr lang="de-DE" dirty="0" smtClean="0"/>
+              <a:rPr lang="de-DE" dirty="0"/>
               <a:t>Maximal 2-zeilig</a:t>
             </a:r>
-            <a:endParaRPr lang="de-DE" dirty="0"/>
           </a:p>
         </p:txBody>
       </p:sp>
@@ -2849,10 +2836,9 @@
           <a:p>
             <a:pPr lvl="0"/>
             <a:r>
-              <a:rPr lang="de-DE" dirty="0" smtClean="0"/>
+              <a:rPr lang="de-DE" dirty="0"/>
               <a:t>Datum eintragen</a:t>
             </a:r>
-            <a:endParaRPr lang="de-DE" dirty="0"/>
           </a:p>
         </p:txBody>
       </p:sp>
@@ -2918,10 +2904,9 @@
           </a:lstStyle>
           <a:p>
             <a:r>
-              <a:rPr lang="de-DE" dirty="0" smtClean="0"/>
+              <a:rPr lang="de-DE" dirty="0"/>
               <a:t>Titel 1-zeilig</a:t>
             </a:r>
-            <a:endParaRPr lang="de-DE" dirty="0"/>
           </a:p>
         </p:txBody>
       </p:sp>
@@ -3016,18 +3001,17 @@
           <a:p>
             <a:pPr lvl="0"/>
             <a:r>
-              <a:rPr lang="de-DE" dirty="0" err="1" smtClean="0"/>
+              <a:rPr lang="de-DE" dirty="0" err="1"/>
               <a:t>Subline</a:t>
             </a:r>
-            <a:endParaRPr lang="de-DE" dirty="0" smtClean="0"/>
+            <a:endParaRPr lang="de-DE" dirty="0"/>
           </a:p>
           <a:p>
             <a:pPr lvl="0"/>
             <a:r>
-              <a:rPr lang="de-DE" dirty="0" smtClean="0"/>
+              <a:rPr lang="de-DE" dirty="0"/>
               <a:t>Maximal 2-zeilig</a:t>
             </a:r>
-            <a:endParaRPr lang="de-DE" dirty="0"/>
           </a:p>
         </p:txBody>
       </p:sp>
@@ -3123,10 +3107,9 @@
           <a:p>
             <a:pPr lvl="0"/>
             <a:r>
-              <a:rPr lang="de-DE" dirty="0" smtClean="0"/>
+              <a:rPr lang="de-DE" dirty="0"/>
               <a:t>Datum eintragen</a:t>
             </a:r>
-            <a:endParaRPr lang="de-DE" dirty="0"/>
           </a:p>
         </p:txBody>
       </p:sp>
@@ -3186,10 +3169,9 @@
           </a:lstStyle>
           <a:p>
             <a:r>
-              <a:rPr lang="de-DE" dirty="0" smtClean="0"/>
+              <a:rPr lang="de-DE" dirty="0"/>
               <a:t>Titel 2-zeilig</a:t>
             </a:r>
-            <a:endParaRPr lang="de-DE" dirty="0"/>
           </a:p>
         </p:txBody>
       </p:sp>
@@ -3244,11 +3226,11 @@
               <a:buNone/>
             </a:pPr>
             <a:r>
-              <a:rPr lang="de-DE" dirty="0" smtClean="0"/>
+              <a:rPr lang="de-DE" dirty="0"/>
               <a:t>2. </a:t>
             </a:r>
             <a:r>
-              <a:rPr lang="de-DE" dirty="0" err="1" smtClean="0"/>
+              <a:rPr lang="de-DE" dirty="0" err="1"/>
               <a:t>zeile</a:t>
             </a:r>
             <a:endParaRPr lang="de-DE" dirty="0"/>
@@ -3346,18 +3328,17 @@
           <a:p>
             <a:pPr lvl="0"/>
             <a:r>
-              <a:rPr lang="de-DE" dirty="0" err="1" smtClean="0"/>
+              <a:rPr lang="de-DE" dirty="0" err="1"/>
               <a:t>Subline</a:t>
             </a:r>
-            <a:endParaRPr lang="de-DE" dirty="0" smtClean="0"/>
+            <a:endParaRPr lang="de-DE" dirty="0"/>
           </a:p>
           <a:p>
             <a:pPr lvl="0"/>
             <a:r>
-              <a:rPr lang="de-DE" dirty="0" smtClean="0"/>
+              <a:rPr lang="de-DE" dirty="0"/>
               <a:t>Maximal 2-zeilig</a:t>
             </a:r>
-            <a:endParaRPr lang="de-DE" dirty="0"/>
           </a:p>
         </p:txBody>
       </p:sp>
@@ -3453,10 +3434,9 @@
           <a:p>
             <a:pPr lvl="0"/>
             <a:r>
-              <a:rPr lang="de-DE" dirty="0" smtClean="0"/>
+              <a:rPr lang="de-DE" dirty="0"/>
               <a:t>Datum eintragen</a:t>
             </a:r>
-            <a:endParaRPr lang="de-DE" dirty="0"/>
           </a:p>
         </p:txBody>
       </p:sp>
@@ -3516,7 +3496,7 @@
           <a:p>
             <a:pPr marL="126000"/>
             <a:r>
-              <a:rPr lang="de-DE" sz="3300" b="1" kern="1200" cap="all" dirty="0" smtClean="0">
+              <a:rPr lang="de-DE" sz="3300" b="1" kern="1200" cap="all" dirty="0">
                 <a:ln>
                   <a:noFill/>
                 </a:ln>
@@ -3529,17 +3509,6 @@
               </a:rPr>
               <a:t>Vielen Dank für ihre</a:t>
             </a:r>
-            <a:endParaRPr lang="de-DE" sz="3300" b="1" kern="1200" cap="all" dirty="0">
-              <a:ln>
-                <a:noFill/>
-              </a:ln>
-              <a:solidFill>
-                <a:srgbClr val="E10019"/>
-              </a:solidFill>
-              <a:latin typeface="Arial"/>
-              <a:ea typeface="+mj-ea"/>
-              <a:cs typeface="Arial"/>
-            </a:endParaRPr>
           </a:p>
         </p:txBody>
       </p:sp>
@@ -3569,7 +3538,7 @@
           <a:p>
             <a:pPr marL="126000"/>
             <a:r>
-              <a:rPr lang="de-DE" sz="3300" b="1" kern="1200" cap="all" dirty="0" smtClean="0">
+              <a:rPr lang="de-DE" sz="3300" b="1" kern="1200" cap="all" dirty="0">
                 <a:ln>
                   <a:noFill/>
                 </a:ln>
@@ -3582,17 +3551,6 @@
               </a:rPr>
               <a:t>Aufmerksamkeit</a:t>
             </a:r>
-            <a:endParaRPr lang="de-DE" sz="3300" b="1" kern="1200" cap="all" dirty="0">
-              <a:ln>
-                <a:noFill/>
-              </a:ln>
-              <a:solidFill>
-                <a:srgbClr val="003063"/>
-              </a:solidFill>
-              <a:latin typeface="Arial"/>
-              <a:ea typeface="+mj-ea"/>
-              <a:cs typeface="Arial"/>
-            </a:endParaRPr>
           </a:p>
         </p:txBody>
       </p:sp>
@@ -3687,18 +3645,17 @@
           <a:p>
             <a:pPr lvl="0"/>
             <a:r>
-              <a:rPr lang="de-DE" dirty="0" err="1" smtClean="0"/>
+              <a:rPr lang="de-DE" dirty="0" err="1"/>
               <a:t>Subline</a:t>
             </a:r>
-            <a:endParaRPr lang="de-DE" dirty="0" smtClean="0"/>
+            <a:endParaRPr lang="de-DE" dirty="0"/>
           </a:p>
           <a:p>
             <a:pPr lvl="0"/>
             <a:r>
-              <a:rPr lang="de-DE" dirty="0" smtClean="0"/>
+              <a:rPr lang="de-DE" dirty="0"/>
               <a:t>Maximal 2-zeilig</a:t>
             </a:r>
-            <a:endParaRPr lang="de-DE" dirty="0"/>
           </a:p>
         </p:txBody>
       </p:sp>
@@ -3794,10 +3751,9 @@
           <a:p>
             <a:pPr lvl="0"/>
             <a:r>
-              <a:rPr lang="de-DE" dirty="0" smtClean="0"/>
+              <a:rPr lang="de-DE" dirty="0"/>
               <a:t>Datum eintragen</a:t>
             </a:r>
-            <a:endParaRPr lang="de-DE" dirty="0"/>
           </a:p>
         </p:txBody>
       </p:sp>
@@ -3887,7 +3843,7 @@
           <a:p>
             <a:pPr marL="126000"/>
             <a:r>
-              <a:rPr lang="de-DE" sz="3300" b="1" kern="1200" cap="all" dirty="0" smtClean="0">
+              <a:rPr lang="de-DE" sz="3300" b="1" kern="1200" cap="all" dirty="0">
                 <a:ln>
                   <a:noFill/>
                 </a:ln>
@@ -3900,17 +3856,6 @@
               </a:rPr>
               <a:t>Vielen Dank für ihre</a:t>
             </a:r>
-            <a:endParaRPr lang="de-DE" sz="3300" b="1" kern="1200" cap="all" dirty="0">
-              <a:ln>
-                <a:noFill/>
-              </a:ln>
-              <a:solidFill>
-                <a:srgbClr val="E10019"/>
-              </a:solidFill>
-              <a:latin typeface="Arial"/>
-              <a:ea typeface="+mj-ea"/>
-              <a:cs typeface="Arial"/>
-            </a:endParaRPr>
           </a:p>
         </p:txBody>
       </p:sp>
@@ -3940,7 +3885,7 @@
           <a:p>
             <a:pPr marL="126000"/>
             <a:r>
-              <a:rPr lang="de-DE" sz="3300" b="1" kern="1200" cap="all" dirty="0" smtClean="0">
+              <a:rPr lang="de-DE" sz="3300" b="1" kern="1200" cap="all" dirty="0">
                 <a:ln>
                   <a:noFill/>
                 </a:ln>
@@ -3953,17 +3898,6 @@
               </a:rPr>
               <a:t>Aufmerksamkeit</a:t>
             </a:r>
-            <a:endParaRPr lang="de-DE" sz="3300" b="1" kern="1200" cap="all" dirty="0">
-              <a:ln>
-                <a:noFill/>
-              </a:ln>
-              <a:solidFill>
-                <a:srgbClr val="003063"/>
-              </a:solidFill>
-              <a:latin typeface="Arial"/>
-              <a:ea typeface="+mj-ea"/>
-              <a:cs typeface="Arial"/>
-            </a:endParaRPr>
           </a:p>
         </p:txBody>
       </p:sp>
@@ -4058,18 +3992,17 @@
           <a:p>
             <a:pPr lvl="0"/>
             <a:r>
-              <a:rPr lang="de-DE" dirty="0" err="1" smtClean="0"/>
+              <a:rPr lang="de-DE" dirty="0" err="1"/>
               <a:t>Subline</a:t>
             </a:r>
-            <a:endParaRPr lang="de-DE" dirty="0" smtClean="0"/>
+            <a:endParaRPr lang="de-DE" dirty="0"/>
           </a:p>
           <a:p>
             <a:pPr lvl="0"/>
             <a:r>
-              <a:rPr lang="de-DE" dirty="0" smtClean="0"/>
+              <a:rPr lang="de-DE" dirty="0"/>
               <a:t>Maximal 2-zeilig</a:t>
             </a:r>
-            <a:endParaRPr lang="de-DE" dirty="0"/>
           </a:p>
         </p:txBody>
       </p:sp>
@@ -4165,10 +4098,9 @@
           <a:p>
             <a:pPr lvl="0"/>
             <a:r>
-              <a:rPr lang="de-DE" dirty="0" smtClean="0"/>
+              <a:rPr lang="de-DE" dirty="0"/>
               <a:t>Datum eintragen</a:t>
             </a:r>
-            <a:endParaRPr lang="de-DE" dirty="0"/>
           </a:p>
         </p:txBody>
       </p:sp>
@@ -4305,10 +4237,9 @@
           <a:p>
             <a:pPr lvl="0"/>
             <a:r>
-              <a:rPr lang="de-DE" dirty="0" smtClean="0"/>
+              <a:rPr lang="de-DE" dirty="0"/>
               <a:t>Mastertextformat bearbeiten</a:t>
             </a:r>
-            <a:endParaRPr lang="de-DE" dirty="0"/>
           </a:p>
         </p:txBody>
       </p:sp>
@@ -4684,14 +4615,14 @@
           <a:p>
             <a:pPr marL="54000"/>
             <a:r>
-              <a:rPr lang="de-DE" sz="1100" dirty="0" smtClean="0">
+              <a:rPr lang="de-DE" sz="1100" dirty="0">
                 <a:latin typeface="Arial"/>
                 <a:cs typeface="Arial"/>
               </a:rPr>
               <a:t>Titel der</a:t>
             </a:r>
             <a:r>
-              <a:rPr lang="de-DE" sz="1100" baseline="0" dirty="0" smtClean="0">
+              <a:rPr lang="de-DE" sz="1100" baseline="0" dirty="0">
                 <a:latin typeface="Arial"/>
                 <a:cs typeface="Arial"/>
               </a:rPr>
@@ -4793,10 +4724,9 @@
           <a:p>
             <a:pPr lvl="0"/>
             <a:r>
-              <a:rPr lang="de-DE" dirty="0" smtClean="0"/>
+              <a:rPr lang="de-DE" dirty="0"/>
               <a:t>Mastertextformat bearbeiten</a:t>
             </a:r>
-            <a:endParaRPr lang="de-DE" dirty="0"/>
           </a:p>
         </p:txBody>
       </p:sp>
@@ -4859,10 +4789,9 @@
               <a:buNone/>
             </a:pPr>
             <a:r>
-              <a:rPr lang="de-DE" dirty="0" smtClean="0"/>
+              <a:rPr lang="de-DE" dirty="0"/>
               <a:t>Mastertextformat bearbeiten</a:t>
             </a:r>
-            <a:endParaRPr lang="de-DE" dirty="0"/>
           </a:p>
         </p:txBody>
       </p:sp>
@@ -4920,7 +4849,7 @@
           </a:lstStyle>
           <a:p>
             <a:r>
-              <a:rPr lang="de-DE" smtClean="0"/>
+              <a:rPr lang="de-DE"/>
               <a:t>Titelmasterformat durch Klicken bearbeiten</a:t>
             </a:r>
             <a:endParaRPr lang="de-DE" dirty="0"/>
@@ -5064,28 +4993,28 @@
           <a:p>
             <a:pPr lvl="0"/>
             <a:r>
-              <a:rPr lang="de-DE" dirty="0" smtClean="0"/>
+              <a:rPr lang="de-DE" dirty="0"/>
               <a:t>Text Ebene 1, Arial Standard, Schriftgröße: 17pt, Zeilenabstand: 22pt, Abstand vor: 5pt, Abstand nach: 0pt, Einzug vor Text: 0,8cm, Sondereinzug: Hängend, Um: 0,8cm, Farbe: 0/48/99</a:t>
             </a:r>
           </a:p>
           <a:p>
             <a:pPr lvl="2"/>
             <a:r>
-              <a:rPr lang="de-DE" dirty="0" smtClean="0"/>
+              <a:rPr lang="de-DE" dirty="0"/>
               <a:t>Text Ebene 2, Einzug vor Text: 1,6cm, sonstige Einstellungen siehe Text Ebene 2</a:t>
             </a:r>
           </a:p>
           <a:p>
             <a:pPr lvl="3"/>
             <a:r>
-              <a:rPr lang="de-DE" dirty="0" smtClean="0"/>
+              <a:rPr lang="de-DE" dirty="0"/>
               <a:t>Text Ebene 3, Einzug vor Text: 2,4cm, sonstige Einstellungen siehe Text Ebene 2</a:t>
             </a:r>
           </a:p>
           <a:p>
             <a:pPr lvl="4"/>
             <a:r>
-              <a:rPr lang="de-DE" dirty="0" smtClean="0"/>
+              <a:rPr lang="de-DE" dirty="0"/>
               <a:t>Text Ebene 4, Einzug vor Text: 3,3cm, sonstige Einstellungen siehe Text Ebene 2</a:t>
             </a:r>
           </a:p>
@@ -5128,7 +5057,7 @@
           <a:p>
             <a:pPr lvl="0"/>
             <a:r>
-              <a:rPr lang="de-DE" smtClean="0"/>
+              <a:rPr lang="de-DE"/>
               <a:t>Textmasterformat bearbeiten</a:t>
             </a:r>
           </a:p>
@@ -5223,7 +5152,7 @@
           <a:p>
             <a:pPr lvl="0"/>
             <a:r>
-              <a:rPr lang="de-DE" smtClean="0"/>
+              <a:rPr lang="de-DE"/>
               <a:t>Textmasterformat bearbeiten</a:t>
             </a:r>
           </a:p>
@@ -5332,10 +5261,9 @@
           <a:p>
             <a:pPr lvl="0"/>
             <a:r>
-              <a:rPr lang="de-DE" dirty="0" smtClean="0"/>
+              <a:rPr lang="de-DE" dirty="0"/>
               <a:t>Mastertextformat bearbeiten</a:t>
             </a:r>
-            <a:endParaRPr lang="de-DE" dirty="0"/>
           </a:p>
         </p:txBody>
       </p:sp>
@@ -5443,10 +5371,9 @@
               <a:buNone/>
             </a:pPr>
             <a:r>
-              <a:rPr lang="de-DE" dirty="0" smtClean="0"/>
+              <a:rPr lang="de-DE" dirty="0"/>
               <a:t>Titelfolie Leitfaden</a:t>
             </a:r>
-            <a:endParaRPr lang="de-DE" dirty="0"/>
           </a:p>
         </p:txBody>
       </p:sp>
@@ -5612,10 +5539,9 @@
           <a:p>
             <a:pPr lvl="0"/>
             <a:r>
-              <a:rPr lang="de-DE" dirty="0" smtClean="0"/>
+              <a:rPr lang="de-DE" dirty="0"/>
               <a:t>Mastertextformat bearbeiten</a:t>
             </a:r>
-            <a:endParaRPr lang="de-DE" dirty="0"/>
           </a:p>
         </p:txBody>
       </p:sp>
@@ -5723,10 +5649,9 @@
               <a:buNone/>
             </a:pPr>
             <a:r>
-              <a:rPr lang="de-DE" dirty="0" smtClean="0"/>
+              <a:rPr lang="de-DE" dirty="0"/>
               <a:t>Titelfolie Leitfaden</a:t>
             </a:r>
-            <a:endParaRPr lang="de-DE" dirty="0"/>
           </a:p>
         </p:txBody>
       </p:sp>
@@ -5843,7 +5768,7 @@
           </a:lstStyle>
           <a:p>
             <a:r>
-              <a:rPr lang="de-DE" smtClean="0"/>
+              <a:rPr lang="de-DE"/>
               <a:t>Titelmasterformat durch Klicken bearbeiten</a:t>
             </a:r>
             <a:endParaRPr lang="de-DE" dirty="0"/>
@@ -5960,14 +5885,14 @@
           <a:p>
             <a:pPr lvl="0"/>
             <a:r>
-              <a:rPr lang="de-DE" smtClean="0"/>
+              <a:rPr lang="de-DE"/>
               <a:t>Textmasterformat bearbeiten</a:t>
             </a:r>
           </a:p>
           <a:p>
             <a:pPr lvl="1"/>
             <a:r>
-              <a:rPr lang="de-DE" smtClean="0"/>
+              <a:rPr lang="de-DE"/>
               <a:t>Zweite Ebene</a:t>
             </a:r>
           </a:p>
@@ -6010,7 +5935,7 @@
           <a:p>
             <a:pPr lvl="0"/>
             <a:r>
-              <a:rPr lang="de-DE" smtClean="0"/>
+              <a:rPr lang="de-DE"/>
               <a:t>Textmasterformat bearbeiten</a:t>
             </a:r>
           </a:p>
@@ -6105,7 +6030,7 @@
           <a:p>
             <a:pPr lvl="0"/>
             <a:r>
-              <a:rPr lang="de-DE" smtClean="0"/>
+              <a:rPr lang="de-DE"/>
               <a:t>Textmasterformat bearbeiten</a:t>
             </a:r>
           </a:p>
@@ -6165,7 +6090,7 @@
           </a:lstStyle>
           <a:p>
             <a:r>
-              <a:rPr lang="de-DE" smtClean="0"/>
+              <a:rPr lang="de-DE"/>
               <a:t>Titelmasterformat durch Klicken bearbeiten</a:t>
             </a:r>
             <a:endParaRPr lang="de-DE" dirty="0"/>
@@ -6284,38 +6209,38 @@
           <a:p>
             <a:pPr lvl="0"/>
             <a:r>
-              <a:rPr lang="de-DE" smtClean="0"/>
+              <a:rPr lang="de-DE"/>
               <a:t>Textmasterformat bearbeiten</a:t>
             </a:r>
           </a:p>
           <a:p>
             <a:pPr lvl="1"/>
             <a:r>
-              <a:rPr lang="de-DE" smtClean="0"/>
+              <a:rPr lang="de-DE"/>
               <a:t>Zweite Ebene</a:t>
             </a:r>
           </a:p>
           <a:p>
             <a:pPr lvl="2"/>
             <a:r>
-              <a:rPr lang="de-DE" smtClean="0"/>
+              <a:rPr lang="de-DE"/>
               <a:t>Dritte Ebene</a:t>
             </a:r>
           </a:p>
           <a:p>
             <a:pPr lvl="3"/>
             <a:r>
-              <a:rPr lang="de-DE" smtClean="0"/>
+              <a:rPr lang="de-DE"/>
               <a:t>Vierte Ebene</a:t>
             </a:r>
           </a:p>
           <a:p>
             <a:pPr lvl="4"/>
             <a:r>
-              <a:rPr lang="de-DE" smtClean="0"/>
+              <a:rPr lang="de-DE"/>
               <a:t>Fünfte Ebene</a:t>
             </a:r>
-            <a:endParaRPr lang="de-DE" dirty="0" smtClean="0"/>
+            <a:endParaRPr lang="de-DE" dirty="0"/>
           </a:p>
         </p:txBody>
       </p:sp>
@@ -6356,7 +6281,7 @@
           <a:p>
             <a:pPr lvl="0"/>
             <a:r>
-              <a:rPr lang="de-DE" smtClean="0"/>
+              <a:rPr lang="de-DE"/>
               <a:t>Textmasterformat bearbeiten</a:t>
             </a:r>
           </a:p>
@@ -6451,7 +6376,7 @@
           <a:p>
             <a:pPr lvl="0"/>
             <a:r>
-              <a:rPr lang="de-DE" smtClean="0"/>
+              <a:rPr lang="de-DE"/>
               <a:t>Textmasterformat bearbeiten</a:t>
             </a:r>
           </a:p>
@@ -6503,7 +6428,7 @@
           <a:lstStyle/>
           <a:p>
             <a:r>
-              <a:rPr lang="de-DE" smtClean="0"/>
+              <a:rPr lang="de-DE"/>
               <a:t>Titelmasterformat durch Klicken bearbeiten</a:t>
             </a:r>
             <a:endParaRPr lang="de-DE" dirty="0"/>
@@ -6623,7 +6548,7 @@
           <a:p>
             <a:pPr lvl="0"/>
             <a:r>
-              <a:rPr lang="de-DE" smtClean="0"/>
+              <a:rPr lang="de-DE"/>
               <a:t>Textmasterformat bearbeiten</a:t>
             </a:r>
           </a:p>
@@ -6666,7 +6591,7 @@
           <a:p>
             <a:pPr lvl="0"/>
             <a:r>
-              <a:rPr lang="de-DE" smtClean="0"/>
+              <a:rPr lang="de-DE"/>
               <a:t>Textmasterformat bearbeiten</a:t>
             </a:r>
           </a:p>
@@ -6761,7 +6686,7 @@
           <a:p>
             <a:pPr lvl="0"/>
             <a:r>
-              <a:rPr lang="de-DE" smtClean="0"/>
+              <a:rPr lang="de-DE"/>
               <a:t>Textmasterformat bearbeiten</a:t>
             </a:r>
           </a:p>
@@ -6821,7 +6746,7 @@
           </a:lstStyle>
           <a:p>
             <a:r>
-              <a:rPr lang="de-DE" smtClean="0"/>
+              <a:rPr lang="de-DE"/>
               <a:t>Titelmasterformat durch Klicken bearbeiten</a:t>
             </a:r>
             <a:endParaRPr lang="de-DE" dirty="0"/>
@@ -6941,439 +6866,439 @@
           <a:p>
             <a:pPr lvl="0"/>
             <a:r>
-              <a:rPr lang="de-DE" dirty="0" err="1" smtClean="0"/>
+              <a:rPr lang="de-DE" dirty="0" err="1"/>
               <a:t>Harum</a:t>
             </a:r>
             <a:r>
-              <a:rPr lang="de-DE" dirty="0" smtClean="0"/>
+              <a:rPr lang="de-DE" dirty="0"/>
               <a:t> </a:t>
             </a:r>
             <a:r>
-              <a:rPr lang="de-DE" dirty="0" err="1" smtClean="0"/>
+              <a:rPr lang="de-DE" dirty="0" err="1"/>
               <a:t>volorpo</a:t>
             </a:r>
             <a:r>
-              <a:rPr lang="de-DE" dirty="0" smtClean="0"/>
+              <a:rPr lang="de-DE" dirty="0"/>
               <a:t> </a:t>
             </a:r>
             <a:r>
-              <a:rPr lang="de-DE" dirty="0" err="1" smtClean="0"/>
+              <a:rPr lang="de-DE" dirty="0" err="1"/>
               <a:t>ssitatiunt</a:t>
             </a:r>
             <a:r>
-              <a:rPr lang="de-DE" dirty="0" smtClean="0"/>
+              <a:rPr lang="de-DE" dirty="0"/>
               <a:t> </a:t>
             </a:r>
             <a:r>
-              <a:rPr lang="de-DE" dirty="0" err="1" smtClean="0"/>
+              <a:rPr lang="de-DE" dirty="0" err="1"/>
               <a:t>pa</a:t>
             </a:r>
             <a:r>
-              <a:rPr lang="de-DE" dirty="0" smtClean="0"/>
+              <a:rPr lang="de-DE" dirty="0"/>
               <a:t> </a:t>
             </a:r>
             <a:r>
-              <a:rPr lang="de-DE" dirty="0" err="1" smtClean="0"/>
+              <a:rPr lang="de-DE" dirty="0" err="1"/>
               <a:t>aut</a:t>
             </a:r>
             <a:r>
-              <a:rPr lang="de-DE" dirty="0" smtClean="0"/>
+              <a:rPr lang="de-DE" dirty="0"/>
               <a:t> </a:t>
             </a:r>
             <a:r>
-              <a:rPr lang="de-DE" dirty="0" err="1" smtClean="0"/>
+              <a:rPr lang="de-DE" dirty="0" err="1"/>
               <a:t>estrumquam</a:t>
             </a:r>
             <a:r>
-              <a:rPr lang="de-DE" dirty="0" smtClean="0"/>
+              <a:rPr lang="de-DE" dirty="0"/>
               <a:t> </a:t>
             </a:r>
             <a:r>
-              <a:rPr lang="de-DE" dirty="0" err="1" smtClean="0"/>
+              <a:rPr lang="de-DE" dirty="0" err="1"/>
               <a:t>aspidellis</a:t>
             </a:r>
             <a:r>
-              <a:rPr lang="de-DE" dirty="0" smtClean="0"/>
+              <a:rPr lang="de-DE" dirty="0"/>
               <a:t>.</a:t>
             </a:r>
           </a:p>
           <a:p>
             <a:pPr lvl="0"/>
             <a:r>
-              <a:rPr lang="de-DE" dirty="0" err="1" smtClean="0"/>
+              <a:rPr lang="de-DE" dirty="0" err="1"/>
               <a:t>Excero</a:t>
             </a:r>
             <a:r>
-              <a:rPr lang="de-DE" dirty="0" smtClean="0"/>
+              <a:rPr lang="de-DE" dirty="0"/>
               <a:t> </a:t>
             </a:r>
             <a:r>
-              <a:rPr lang="de-DE" dirty="0" err="1" smtClean="0"/>
+              <a:rPr lang="de-DE" dirty="0" err="1"/>
               <a:t>esto</a:t>
             </a:r>
             <a:r>
-              <a:rPr lang="de-DE" dirty="0" smtClean="0"/>
+              <a:rPr lang="de-DE" dirty="0"/>
               <a:t> </a:t>
             </a:r>
             <a:r>
-              <a:rPr lang="de-DE" dirty="0" err="1" smtClean="0"/>
+              <a:rPr lang="de-DE" dirty="0" err="1"/>
               <a:t>dolorib</a:t>
             </a:r>
             <a:r>
-              <a:rPr lang="de-DE" dirty="0" smtClean="0"/>
+              <a:rPr lang="de-DE" dirty="0"/>
               <a:t> </a:t>
             </a:r>
             <a:r>
-              <a:rPr lang="de-DE" dirty="0" err="1" smtClean="0"/>
+              <a:rPr lang="de-DE" dirty="0" err="1"/>
               <a:t>usandis</a:t>
             </a:r>
             <a:r>
-              <a:rPr lang="de-DE" dirty="0" smtClean="0"/>
+              <a:rPr lang="de-DE" dirty="0"/>
               <a:t> </a:t>
             </a:r>
             <a:r>
-              <a:rPr lang="de-DE" dirty="0" err="1" smtClean="0"/>
+              <a:rPr lang="de-DE" dirty="0" err="1"/>
               <a:t>restiis</a:t>
             </a:r>
             <a:r>
-              <a:rPr lang="de-DE" dirty="0" smtClean="0"/>
+              <a:rPr lang="de-DE" dirty="0"/>
               <a:t> </a:t>
             </a:r>
             <a:r>
-              <a:rPr lang="de-DE" dirty="0" err="1" smtClean="0"/>
+              <a:rPr lang="de-DE" dirty="0" err="1"/>
               <a:t>cietur</a:t>
             </a:r>
             <a:r>
-              <a:rPr lang="de-DE" dirty="0" smtClean="0"/>
+              <a:rPr lang="de-DE" dirty="0"/>
               <a:t>, </a:t>
             </a:r>
             <a:r>
-              <a:rPr lang="de-DE" dirty="0" err="1" smtClean="0"/>
+              <a:rPr lang="de-DE" dirty="0" err="1"/>
               <a:t>sedigen</a:t>
             </a:r>
             <a:r>
-              <a:rPr lang="de-DE" dirty="0" smtClean="0"/>
+              <a:rPr lang="de-DE" dirty="0"/>
               <a:t> </a:t>
             </a:r>
             <a:r>
-              <a:rPr lang="de-DE" dirty="0" err="1" smtClean="0"/>
+              <a:rPr lang="de-DE" dirty="0" err="1"/>
               <a:t>issimaximin</a:t>
             </a:r>
             <a:r>
-              <a:rPr lang="de-DE" dirty="0" smtClean="0"/>
+              <a:rPr lang="de-DE" dirty="0"/>
               <a:t> </a:t>
             </a:r>
             <a:r>
-              <a:rPr lang="de-DE" dirty="0" err="1" smtClean="0"/>
+              <a:rPr lang="de-DE" dirty="0" err="1"/>
               <a:t>pa</a:t>
             </a:r>
             <a:r>
-              <a:rPr lang="de-DE" dirty="0" smtClean="0"/>
+              <a:rPr lang="de-DE" dirty="0"/>
               <a:t> </a:t>
             </a:r>
             <a:r>
-              <a:rPr lang="de-DE" dirty="0" err="1" smtClean="0"/>
+              <a:rPr lang="de-DE" dirty="0" err="1"/>
               <a:t>voloreped</a:t>
             </a:r>
             <a:r>
-              <a:rPr lang="de-DE" dirty="0" smtClean="0"/>
+              <a:rPr lang="de-DE" dirty="0"/>
               <a:t> </a:t>
             </a:r>
             <a:r>
-              <a:rPr lang="de-DE" dirty="0" err="1" smtClean="0"/>
+              <a:rPr lang="de-DE" dirty="0" err="1"/>
               <a:t>mo</a:t>
             </a:r>
             <a:r>
-              <a:rPr lang="de-DE" dirty="0" smtClean="0"/>
+              <a:rPr lang="de-DE" dirty="0"/>
               <a:t> </a:t>
             </a:r>
             <a:r>
-              <a:rPr lang="de-DE" dirty="0" err="1" smtClean="0"/>
+              <a:rPr lang="de-DE" dirty="0" err="1"/>
               <a:t>inis</a:t>
             </a:r>
             <a:r>
-              <a:rPr lang="de-DE" dirty="0" smtClean="0"/>
+              <a:rPr lang="de-DE" dirty="0"/>
               <a:t> </a:t>
             </a:r>
             <a:r>
-              <a:rPr lang="de-DE" dirty="0" err="1" smtClean="0"/>
+              <a:rPr lang="de-DE" dirty="0" err="1"/>
               <a:t>quibus</a:t>
             </a:r>
             <a:r>
-              <a:rPr lang="de-DE" dirty="0" smtClean="0"/>
+              <a:rPr lang="de-DE" dirty="0"/>
               <a:t>.</a:t>
             </a:r>
           </a:p>
           <a:p>
             <a:pPr lvl="0"/>
             <a:r>
-              <a:rPr lang="de-DE" dirty="0" err="1" smtClean="0"/>
+              <a:rPr lang="de-DE" dirty="0" err="1"/>
               <a:t>Nequia</a:t>
             </a:r>
             <a:r>
-              <a:rPr lang="de-DE" dirty="0" smtClean="0"/>
+              <a:rPr lang="de-DE" dirty="0"/>
               <a:t> </a:t>
             </a:r>
             <a:r>
-              <a:rPr lang="de-DE" dirty="0" err="1" smtClean="0"/>
+              <a:rPr lang="de-DE" dirty="0" err="1"/>
               <a:t>dolest</a:t>
             </a:r>
             <a:r>
-              <a:rPr lang="de-DE" dirty="0" smtClean="0"/>
+              <a:rPr lang="de-DE" dirty="0"/>
               <a:t>, </a:t>
             </a:r>
             <a:r>
-              <a:rPr lang="de-DE" dirty="0" err="1" smtClean="0"/>
+              <a:rPr lang="de-DE" dirty="0" err="1"/>
               <a:t>que</a:t>
             </a:r>
             <a:r>
-              <a:rPr lang="de-DE" dirty="0" smtClean="0"/>
+              <a:rPr lang="de-DE" dirty="0"/>
               <a:t> </a:t>
             </a:r>
             <a:r>
-              <a:rPr lang="de-DE" dirty="0" err="1" smtClean="0"/>
+              <a:rPr lang="de-DE" dirty="0" err="1"/>
               <a:t>denit</a:t>
             </a:r>
             <a:r>
-              <a:rPr lang="de-DE" dirty="0" smtClean="0"/>
+              <a:rPr lang="de-DE" dirty="0"/>
               <a:t> </a:t>
             </a:r>
             <a:r>
-              <a:rPr lang="de-DE" dirty="0" err="1" smtClean="0"/>
+              <a:rPr lang="de-DE" dirty="0" err="1"/>
               <a:t>apist</a:t>
             </a:r>
             <a:r>
-              <a:rPr lang="de-DE" dirty="0" smtClean="0"/>
+              <a:rPr lang="de-DE" dirty="0"/>
               <a:t> </a:t>
             </a:r>
             <a:r>
-              <a:rPr lang="de-DE" dirty="0" err="1" smtClean="0"/>
+              <a:rPr lang="de-DE" dirty="0" err="1"/>
               <a:t>verum</a:t>
             </a:r>
             <a:r>
-              <a:rPr lang="de-DE" dirty="0" smtClean="0"/>
+              <a:rPr lang="de-DE" dirty="0"/>
               <a:t> </a:t>
             </a:r>
             <a:r>
-              <a:rPr lang="de-DE" dirty="0" err="1" smtClean="0"/>
+              <a:rPr lang="de-DE" dirty="0" err="1"/>
               <a:t>harum</a:t>
             </a:r>
             <a:r>
-              <a:rPr lang="de-DE" dirty="0" smtClean="0"/>
+              <a:rPr lang="de-DE" dirty="0"/>
               <a:t> </a:t>
             </a:r>
             <a:r>
-              <a:rPr lang="de-DE" dirty="0" err="1" smtClean="0"/>
+              <a:rPr lang="de-DE" dirty="0" err="1"/>
               <a:t>andenem</a:t>
             </a:r>
             <a:r>
-              <a:rPr lang="de-DE" dirty="0" smtClean="0"/>
+              <a:rPr lang="de-DE" dirty="0"/>
               <a:t> quo.</a:t>
             </a:r>
           </a:p>
           <a:p>
             <a:pPr lvl="0"/>
             <a:r>
-              <a:rPr lang="de-DE" dirty="0" err="1" smtClean="0"/>
+              <a:rPr lang="de-DE" dirty="0" err="1"/>
               <a:t>Lur</a:t>
             </a:r>
             <a:r>
-              <a:rPr lang="de-DE" dirty="0" smtClean="0"/>
+              <a:rPr lang="de-DE" dirty="0"/>
               <a:t> </a:t>
             </a:r>
             <a:r>
-              <a:rPr lang="de-DE" dirty="0" err="1" smtClean="0"/>
+              <a:rPr lang="de-DE" dirty="0" err="1"/>
               <a:t>sitam</a:t>
             </a:r>
             <a:r>
-              <a:rPr lang="de-DE" dirty="0" smtClean="0"/>
+              <a:rPr lang="de-DE" dirty="0"/>
               <a:t> rat </a:t>
             </a:r>
             <a:r>
-              <a:rPr lang="de-DE" dirty="0" err="1" smtClean="0"/>
+              <a:rPr lang="de-DE" dirty="0" err="1"/>
               <a:t>verum</a:t>
             </a:r>
             <a:r>
-              <a:rPr lang="de-DE" dirty="0" smtClean="0"/>
+              <a:rPr lang="de-DE" dirty="0"/>
               <a:t> </a:t>
             </a:r>
             <a:r>
-              <a:rPr lang="de-DE" dirty="0" err="1" smtClean="0"/>
+              <a:rPr lang="de-DE" dirty="0" err="1"/>
               <a:t>acepe</a:t>
             </a:r>
             <a:r>
-              <a:rPr lang="de-DE" dirty="0" smtClean="0"/>
+              <a:rPr lang="de-DE" dirty="0"/>
               <a:t> cum </a:t>
             </a:r>
             <a:r>
-              <a:rPr lang="de-DE" dirty="0" err="1" smtClean="0"/>
+              <a:rPr lang="de-DE" dirty="0" err="1"/>
               <a:t>esequos</a:t>
             </a:r>
             <a:r>
-              <a:rPr lang="de-DE" dirty="0" smtClean="0"/>
+              <a:rPr lang="de-DE" dirty="0"/>
               <a:t> ex et </a:t>
             </a:r>
             <a:r>
-              <a:rPr lang="de-DE" dirty="0" err="1" smtClean="0"/>
+              <a:rPr lang="de-DE" dirty="0" err="1"/>
               <a:t>litatem</a:t>
             </a:r>
             <a:r>
-              <a:rPr lang="de-DE" dirty="0" smtClean="0"/>
+              <a:rPr lang="de-DE" dirty="0"/>
               <a:t> </a:t>
             </a:r>
             <a:r>
-              <a:rPr lang="de-DE" dirty="0" err="1" smtClean="0"/>
+              <a:rPr lang="de-DE" dirty="0" err="1"/>
               <a:t>sum</a:t>
             </a:r>
             <a:r>
-              <a:rPr lang="de-DE" dirty="0" smtClean="0"/>
+              <a:rPr lang="de-DE" dirty="0"/>
               <a:t> </a:t>
             </a:r>
             <a:r>
-              <a:rPr lang="de-DE" dirty="0" err="1" smtClean="0"/>
+              <a:rPr lang="de-DE" dirty="0" err="1"/>
               <a:t>doloreperum</a:t>
             </a:r>
             <a:r>
-              <a:rPr lang="de-DE" dirty="0" smtClean="0"/>
+              <a:rPr lang="de-DE" dirty="0"/>
               <a:t> </a:t>
             </a:r>
             <a:r>
-              <a:rPr lang="de-DE" dirty="0" err="1" smtClean="0"/>
+              <a:rPr lang="de-DE" dirty="0" err="1"/>
               <a:t>ipsam</a:t>
             </a:r>
             <a:r>
-              <a:rPr lang="de-DE" dirty="0" smtClean="0"/>
+              <a:rPr lang="de-DE" dirty="0"/>
               <a:t>, </a:t>
             </a:r>
             <a:r>
-              <a:rPr lang="de-DE" dirty="0" err="1" smtClean="0"/>
+              <a:rPr lang="de-DE" dirty="0" err="1"/>
               <a:t>comniaepra</a:t>
             </a:r>
             <a:r>
-              <a:rPr lang="de-DE" dirty="0" smtClean="0"/>
+              <a:rPr lang="de-DE" dirty="0"/>
               <a:t> </a:t>
             </a:r>
             <a:r>
-              <a:rPr lang="de-DE" dirty="0" err="1" smtClean="0"/>
+              <a:rPr lang="de-DE" dirty="0" err="1"/>
               <a:t>volorenit</a:t>
             </a:r>
             <a:r>
-              <a:rPr lang="de-DE" dirty="0" smtClean="0"/>
+              <a:rPr lang="de-DE" dirty="0"/>
               <a:t>.</a:t>
             </a:r>
           </a:p>
           <a:p>
             <a:pPr lvl="0"/>
             <a:r>
-              <a:rPr lang="de-DE" dirty="0" err="1" smtClean="0"/>
+              <a:rPr lang="de-DE" dirty="0" err="1"/>
               <a:t>Consedis</a:t>
             </a:r>
             <a:r>
-              <a:rPr lang="de-DE" dirty="0" smtClean="0"/>
+              <a:rPr lang="de-DE" dirty="0"/>
               <a:t> </a:t>
             </a:r>
             <a:r>
-              <a:rPr lang="de-DE" dirty="0" err="1" smtClean="0"/>
+              <a:rPr lang="de-DE" dirty="0" err="1"/>
               <a:t>conseque</a:t>
             </a:r>
             <a:r>
-              <a:rPr lang="de-DE" dirty="0" smtClean="0"/>
+              <a:rPr lang="de-DE" dirty="0"/>
               <a:t> </a:t>
             </a:r>
             <a:r>
-              <a:rPr lang="de-DE" dirty="0" err="1" smtClean="0"/>
+              <a:rPr lang="de-DE" dirty="0" err="1"/>
               <a:t>deliquis</a:t>
             </a:r>
             <a:r>
-              <a:rPr lang="de-DE" dirty="0" smtClean="0"/>
+              <a:rPr lang="de-DE" dirty="0"/>
               <a:t> </a:t>
             </a:r>
             <a:r>
-              <a:rPr lang="de-DE" dirty="0" err="1" smtClean="0"/>
+              <a:rPr lang="de-DE" dirty="0" err="1"/>
               <a:t>eos</a:t>
             </a:r>
             <a:r>
-              <a:rPr lang="de-DE" dirty="0" smtClean="0"/>
+              <a:rPr lang="de-DE" dirty="0"/>
               <a:t> </a:t>
             </a:r>
             <a:r>
-              <a:rPr lang="de-DE" dirty="0" err="1" smtClean="0"/>
+              <a:rPr lang="de-DE" dirty="0" err="1"/>
               <a:t>ius</a:t>
             </a:r>
             <a:r>
-              <a:rPr lang="de-DE" dirty="0" smtClean="0"/>
+              <a:rPr lang="de-DE" dirty="0"/>
               <a:t>, </a:t>
             </a:r>
             <a:r>
-              <a:rPr lang="de-DE" dirty="0" err="1" smtClean="0"/>
+              <a:rPr lang="de-DE" dirty="0" err="1"/>
               <a:t>con</a:t>
             </a:r>
             <a:r>
-              <a:rPr lang="de-DE" dirty="0" smtClean="0"/>
+              <a:rPr lang="de-DE" dirty="0"/>
               <a:t> </a:t>
             </a:r>
             <a:r>
-              <a:rPr lang="de-DE" dirty="0" err="1" smtClean="0"/>
+              <a:rPr lang="de-DE" dirty="0" err="1"/>
               <a:t>pra</a:t>
             </a:r>
             <a:r>
-              <a:rPr lang="de-DE" dirty="0" smtClean="0"/>
+              <a:rPr lang="de-DE" dirty="0"/>
               <a:t> </a:t>
             </a:r>
             <a:r>
-              <a:rPr lang="de-DE" dirty="0" err="1" smtClean="0"/>
+              <a:rPr lang="de-DE" dirty="0" err="1"/>
               <a:t>quam</a:t>
             </a:r>
             <a:r>
-              <a:rPr lang="de-DE" dirty="0" smtClean="0"/>
+              <a:rPr lang="de-DE" dirty="0"/>
               <a:t>, </a:t>
             </a:r>
             <a:r>
-              <a:rPr lang="de-DE" dirty="0" err="1" smtClean="0"/>
+              <a:rPr lang="de-DE" dirty="0" err="1"/>
               <a:t>odit</a:t>
             </a:r>
             <a:r>
-              <a:rPr lang="de-DE" dirty="0" smtClean="0"/>
+              <a:rPr lang="de-DE" dirty="0"/>
               <a:t> </a:t>
             </a:r>
             <a:r>
-              <a:rPr lang="de-DE" dirty="0" err="1" smtClean="0"/>
+              <a:rPr lang="de-DE" dirty="0" err="1"/>
               <a:t>est</a:t>
             </a:r>
             <a:r>
-              <a:rPr lang="de-DE" dirty="0" smtClean="0"/>
+              <a:rPr lang="de-DE" dirty="0"/>
               <a:t> </a:t>
             </a:r>
             <a:r>
-              <a:rPr lang="de-DE" dirty="0" err="1" smtClean="0"/>
+              <a:rPr lang="de-DE" dirty="0" err="1"/>
               <a:t>velignient</a:t>
             </a:r>
             <a:r>
-              <a:rPr lang="de-DE" dirty="0" smtClean="0"/>
+              <a:rPr lang="de-DE" dirty="0"/>
               <a:t> </a:t>
             </a:r>
             <a:r>
-              <a:rPr lang="de-DE" dirty="0" err="1" smtClean="0"/>
+              <a:rPr lang="de-DE" dirty="0" err="1"/>
               <a:t>imin</a:t>
             </a:r>
             <a:r>
-              <a:rPr lang="de-DE" dirty="0" smtClean="0"/>
+              <a:rPr lang="de-DE" dirty="0"/>
               <a:t> </a:t>
             </a:r>
             <a:r>
-              <a:rPr lang="de-DE" dirty="0" err="1" smtClean="0"/>
+              <a:rPr lang="de-DE" dirty="0" err="1"/>
               <a:t>ea</a:t>
             </a:r>
             <a:r>
-              <a:rPr lang="de-DE" dirty="0" smtClean="0"/>
+              <a:rPr lang="de-DE" dirty="0"/>
               <a:t> </a:t>
             </a:r>
             <a:r>
-              <a:rPr lang="de-DE" dirty="0" err="1" smtClean="0"/>
+              <a:rPr lang="de-DE" dirty="0" err="1"/>
               <a:t>conecepe</a:t>
             </a:r>
             <a:r>
-              <a:rPr lang="de-DE" dirty="0" smtClean="0"/>
+              <a:rPr lang="de-DE" dirty="0"/>
               <a:t>.</a:t>
             </a:r>
           </a:p>
@@ -7416,7 +7341,7 @@
           <a:p>
             <a:pPr lvl="0"/>
             <a:r>
-              <a:rPr lang="de-DE" smtClean="0"/>
+              <a:rPr lang="de-DE"/>
               <a:t>Textmasterformat bearbeiten</a:t>
             </a:r>
           </a:p>
@@ -7532,7 +7457,7 @@
           <a:p>
             <a:pPr lvl="0"/>
             <a:r>
-              <a:rPr lang="de-DE" smtClean="0"/>
+              <a:rPr lang="de-DE"/>
               <a:t>Textmasterformat bearbeiten</a:t>
             </a:r>
           </a:p>
@@ -7627,7 +7552,7 @@
           <a:p>
             <a:pPr lvl="0"/>
             <a:r>
-              <a:rPr lang="de-DE" smtClean="0"/>
+              <a:rPr lang="de-DE"/>
               <a:t>Textmasterformat bearbeiten</a:t>
             </a:r>
           </a:p>
@@ -7773,7 +7698,7 @@
           <a:p>
             <a:pPr lvl="0"/>
             <a:r>
-              <a:rPr lang="de-DE" smtClean="0"/>
+              <a:rPr lang="de-DE"/>
               <a:t>Textmasterformat bearbeiten</a:t>
             </a:r>
           </a:p>
@@ -7803,7 +7728,7 @@
           </a:lstStyle>
           <a:p>
             <a:r>
-              <a:rPr lang="de-DE" smtClean="0"/>
+              <a:rPr lang="de-DE"/>
               <a:t>Titelmasterformat durch Klicken bearbeiten</a:t>
             </a:r>
             <a:endParaRPr lang="de-DE" dirty="0"/>
@@ -7923,324 +7848,324 @@
           <a:p>
             <a:pPr lvl="0"/>
             <a:r>
-              <a:rPr lang="de-DE" dirty="0" err="1" smtClean="0"/>
+              <a:rPr lang="de-DE" dirty="0" err="1"/>
               <a:t>Harum</a:t>
             </a:r>
             <a:r>
-              <a:rPr lang="de-DE" dirty="0" smtClean="0"/>
+              <a:rPr lang="de-DE" dirty="0"/>
               <a:t> </a:t>
             </a:r>
             <a:r>
-              <a:rPr lang="de-DE" dirty="0" err="1" smtClean="0"/>
+              <a:rPr lang="de-DE" dirty="0" err="1"/>
               <a:t>volorpo</a:t>
             </a:r>
             <a:r>
-              <a:rPr lang="de-DE" dirty="0" smtClean="0"/>
+              <a:rPr lang="de-DE" dirty="0"/>
               <a:t> </a:t>
             </a:r>
             <a:r>
-              <a:rPr lang="de-DE" dirty="0" err="1" smtClean="0"/>
+              <a:rPr lang="de-DE" dirty="0" err="1"/>
               <a:t>ssitatiunt</a:t>
             </a:r>
             <a:r>
-              <a:rPr lang="de-DE" dirty="0" smtClean="0"/>
+              <a:rPr lang="de-DE" dirty="0"/>
               <a:t> </a:t>
             </a:r>
             <a:r>
-              <a:rPr lang="de-DE" dirty="0" err="1" smtClean="0"/>
+              <a:rPr lang="de-DE" dirty="0" err="1"/>
               <a:t>pa</a:t>
             </a:r>
             <a:r>
-              <a:rPr lang="de-DE" dirty="0" smtClean="0"/>
+              <a:rPr lang="de-DE" dirty="0"/>
               <a:t> </a:t>
             </a:r>
             <a:r>
-              <a:rPr lang="de-DE" dirty="0" err="1" smtClean="0"/>
+              <a:rPr lang="de-DE" dirty="0" err="1"/>
               <a:t>aut</a:t>
             </a:r>
             <a:r>
-              <a:rPr lang="de-DE" dirty="0" smtClean="0"/>
+              <a:rPr lang="de-DE" dirty="0"/>
               <a:t> </a:t>
             </a:r>
             <a:r>
-              <a:rPr lang="de-DE" dirty="0" err="1" smtClean="0"/>
+              <a:rPr lang="de-DE" dirty="0" err="1"/>
               <a:t>estrumquam</a:t>
             </a:r>
             <a:r>
-              <a:rPr lang="de-DE" dirty="0" smtClean="0"/>
+              <a:rPr lang="de-DE" dirty="0"/>
               <a:t> </a:t>
             </a:r>
             <a:r>
-              <a:rPr lang="de-DE" dirty="0" err="1" smtClean="0"/>
+              <a:rPr lang="de-DE" dirty="0" err="1"/>
               <a:t>aspidellis</a:t>
             </a:r>
             <a:r>
-              <a:rPr lang="de-DE" dirty="0" smtClean="0"/>
+              <a:rPr lang="de-DE" dirty="0"/>
               <a:t>.</a:t>
             </a:r>
           </a:p>
           <a:p>
             <a:pPr lvl="0"/>
             <a:r>
-              <a:rPr lang="de-DE" dirty="0" err="1" smtClean="0"/>
+              <a:rPr lang="de-DE" dirty="0" err="1"/>
               <a:t>Excero</a:t>
             </a:r>
             <a:r>
-              <a:rPr lang="de-DE" dirty="0" smtClean="0"/>
+              <a:rPr lang="de-DE" dirty="0"/>
               <a:t> </a:t>
             </a:r>
             <a:r>
-              <a:rPr lang="de-DE" dirty="0" err="1" smtClean="0"/>
+              <a:rPr lang="de-DE" dirty="0" err="1"/>
               <a:t>esto</a:t>
             </a:r>
             <a:r>
-              <a:rPr lang="de-DE" dirty="0" smtClean="0"/>
+              <a:rPr lang="de-DE" dirty="0"/>
               <a:t> </a:t>
             </a:r>
             <a:r>
-              <a:rPr lang="de-DE" dirty="0" err="1" smtClean="0"/>
+              <a:rPr lang="de-DE" dirty="0" err="1"/>
               <a:t>dolorib</a:t>
             </a:r>
             <a:r>
-              <a:rPr lang="de-DE" dirty="0" smtClean="0"/>
+              <a:rPr lang="de-DE" dirty="0"/>
               <a:t> </a:t>
             </a:r>
             <a:r>
-              <a:rPr lang="de-DE" dirty="0" err="1" smtClean="0"/>
+              <a:rPr lang="de-DE" dirty="0" err="1"/>
               <a:t>usandis</a:t>
             </a:r>
             <a:r>
-              <a:rPr lang="de-DE" dirty="0" smtClean="0"/>
+              <a:rPr lang="de-DE" dirty="0"/>
               <a:t> </a:t>
             </a:r>
             <a:r>
-              <a:rPr lang="de-DE" dirty="0" err="1" smtClean="0"/>
+              <a:rPr lang="de-DE" dirty="0" err="1"/>
               <a:t>restiis</a:t>
             </a:r>
             <a:r>
-              <a:rPr lang="de-DE" dirty="0" smtClean="0"/>
+              <a:rPr lang="de-DE" dirty="0"/>
               <a:t> </a:t>
             </a:r>
             <a:r>
-              <a:rPr lang="de-DE" dirty="0" err="1" smtClean="0"/>
+              <a:rPr lang="de-DE" dirty="0" err="1"/>
               <a:t>cietur</a:t>
             </a:r>
             <a:r>
-              <a:rPr lang="de-DE" dirty="0" smtClean="0"/>
+              <a:rPr lang="de-DE" dirty="0"/>
               <a:t>, </a:t>
             </a:r>
             <a:r>
-              <a:rPr lang="de-DE" dirty="0" err="1" smtClean="0"/>
+              <a:rPr lang="de-DE" dirty="0" err="1"/>
               <a:t>sedigen</a:t>
             </a:r>
             <a:r>
-              <a:rPr lang="de-DE" dirty="0" smtClean="0"/>
+              <a:rPr lang="de-DE" dirty="0"/>
               <a:t> </a:t>
             </a:r>
             <a:r>
-              <a:rPr lang="de-DE" dirty="0" err="1" smtClean="0"/>
+              <a:rPr lang="de-DE" dirty="0" err="1"/>
               <a:t>issimaximin</a:t>
             </a:r>
             <a:r>
-              <a:rPr lang="de-DE" dirty="0" smtClean="0"/>
+              <a:rPr lang="de-DE" dirty="0"/>
               <a:t> </a:t>
             </a:r>
             <a:r>
-              <a:rPr lang="de-DE" dirty="0" err="1" smtClean="0"/>
+              <a:rPr lang="de-DE" dirty="0" err="1"/>
               <a:t>pa</a:t>
             </a:r>
             <a:r>
-              <a:rPr lang="de-DE" dirty="0" smtClean="0"/>
+              <a:rPr lang="de-DE" dirty="0"/>
               <a:t> </a:t>
             </a:r>
             <a:r>
-              <a:rPr lang="de-DE" dirty="0" err="1" smtClean="0"/>
+              <a:rPr lang="de-DE" dirty="0" err="1"/>
               <a:t>voloreped</a:t>
             </a:r>
             <a:r>
-              <a:rPr lang="de-DE" dirty="0" smtClean="0"/>
+              <a:rPr lang="de-DE" dirty="0"/>
               <a:t> </a:t>
             </a:r>
             <a:r>
-              <a:rPr lang="de-DE" dirty="0" err="1" smtClean="0"/>
+              <a:rPr lang="de-DE" dirty="0" err="1"/>
               <a:t>mo</a:t>
             </a:r>
             <a:r>
-              <a:rPr lang="de-DE" dirty="0" smtClean="0"/>
+              <a:rPr lang="de-DE" dirty="0"/>
               <a:t> </a:t>
             </a:r>
             <a:r>
-              <a:rPr lang="de-DE" dirty="0" err="1" smtClean="0"/>
+              <a:rPr lang="de-DE" dirty="0" err="1"/>
               <a:t>inis</a:t>
             </a:r>
             <a:r>
-              <a:rPr lang="de-DE" dirty="0" smtClean="0"/>
+              <a:rPr lang="de-DE" dirty="0"/>
               <a:t> </a:t>
             </a:r>
             <a:r>
-              <a:rPr lang="de-DE" dirty="0" err="1" smtClean="0"/>
+              <a:rPr lang="de-DE" dirty="0" err="1"/>
               <a:t>quibus</a:t>
             </a:r>
             <a:r>
-              <a:rPr lang="de-DE" dirty="0" smtClean="0"/>
+              <a:rPr lang="de-DE" dirty="0"/>
               <a:t>.</a:t>
             </a:r>
           </a:p>
           <a:p>
             <a:pPr lvl="0"/>
             <a:r>
-              <a:rPr lang="de-DE" dirty="0" err="1" smtClean="0"/>
+              <a:rPr lang="de-DE" dirty="0" err="1"/>
               <a:t>Nequia</a:t>
             </a:r>
             <a:r>
-              <a:rPr lang="de-DE" dirty="0" smtClean="0"/>
+              <a:rPr lang="de-DE" dirty="0"/>
               <a:t> </a:t>
             </a:r>
             <a:r>
-              <a:rPr lang="de-DE" dirty="0" err="1" smtClean="0"/>
+              <a:rPr lang="de-DE" dirty="0" err="1"/>
               <a:t>dolest</a:t>
             </a:r>
             <a:r>
-              <a:rPr lang="de-DE" dirty="0" smtClean="0"/>
+              <a:rPr lang="de-DE" dirty="0"/>
               <a:t>, </a:t>
             </a:r>
             <a:r>
-              <a:rPr lang="de-DE" dirty="0" err="1" smtClean="0"/>
+              <a:rPr lang="de-DE" dirty="0" err="1"/>
               <a:t>que</a:t>
             </a:r>
             <a:r>
-              <a:rPr lang="de-DE" dirty="0" smtClean="0"/>
+              <a:rPr lang="de-DE" dirty="0"/>
               <a:t> </a:t>
             </a:r>
             <a:r>
-              <a:rPr lang="de-DE" dirty="0" err="1" smtClean="0"/>
+              <a:rPr lang="de-DE" dirty="0" err="1"/>
               <a:t>denit</a:t>
             </a:r>
             <a:r>
-              <a:rPr lang="de-DE" dirty="0" smtClean="0"/>
+              <a:rPr lang="de-DE" dirty="0"/>
               <a:t> </a:t>
             </a:r>
             <a:r>
-              <a:rPr lang="de-DE" dirty="0" err="1" smtClean="0"/>
+              <a:rPr lang="de-DE" dirty="0" err="1"/>
               <a:t>apist</a:t>
             </a:r>
             <a:r>
-              <a:rPr lang="de-DE" dirty="0" smtClean="0"/>
+              <a:rPr lang="de-DE" dirty="0"/>
               <a:t> </a:t>
             </a:r>
             <a:r>
-              <a:rPr lang="de-DE" dirty="0" err="1" smtClean="0"/>
+              <a:rPr lang="de-DE" dirty="0" err="1"/>
               <a:t>verum</a:t>
             </a:r>
             <a:r>
-              <a:rPr lang="de-DE" dirty="0" smtClean="0"/>
+              <a:rPr lang="de-DE" dirty="0"/>
               <a:t> </a:t>
             </a:r>
             <a:r>
-              <a:rPr lang="de-DE" dirty="0" err="1" smtClean="0"/>
+              <a:rPr lang="de-DE" dirty="0" err="1"/>
               <a:t>harum</a:t>
             </a:r>
             <a:r>
-              <a:rPr lang="de-DE" dirty="0" smtClean="0"/>
+              <a:rPr lang="de-DE" dirty="0"/>
               <a:t> </a:t>
             </a:r>
             <a:r>
-              <a:rPr lang="de-DE" dirty="0" err="1" smtClean="0"/>
+              <a:rPr lang="de-DE" dirty="0" err="1"/>
               <a:t>andenem</a:t>
             </a:r>
             <a:r>
-              <a:rPr lang="de-DE" dirty="0" smtClean="0"/>
+              <a:rPr lang="de-DE" dirty="0"/>
               <a:t> quo.</a:t>
             </a:r>
           </a:p>
           <a:p>
             <a:pPr lvl="0"/>
             <a:r>
-              <a:rPr lang="de-DE" dirty="0" err="1" smtClean="0"/>
+              <a:rPr lang="de-DE" dirty="0" err="1"/>
               <a:t>Lur</a:t>
             </a:r>
             <a:r>
-              <a:rPr lang="de-DE" dirty="0" smtClean="0"/>
+              <a:rPr lang="de-DE" dirty="0"/>
               <a:t> </a:t>
             </a:r>
             <a:r>
-              <a:rPr lang="de-DE" dirty="0" err="1" smtClean="0"/>
+              <a:rPr lang="de-DE" dirty="0" err="1"/>
               <a:t>sitam</a:t>
             </a:r>
             <a:r>
-              <a:rPr lang="de-DE" dirty="0" smtClean="0"/>
+              <a:rPr lang="de-DE" dirty="0"/>
               <a:t> rat </a:t>
             </a:r>
             <a:r>
-              <a:rPr lang="de-DE" dirty="0" err="1" smtClean="0"/>
+              <a:rPr lang="de-DE" dirty="0" err="1"/>
               <a:t>verum</a:t>
             </a:r>
             <a:r>
-              <a:rPr lang="de-DE" dirty="0" smtClean="0"/>
+              <a:rPr lang="de-DE" dirty="0"/>
               <a:t> </a:t>
             </a:r>
             <a:r>
-              <a:rPr lang="de-DE" dirty="0" err="1" smtClean="0"/>
+              <a:rPr lang="de-DE" dirty="0" err="1"/>
               <a:t>acepe</a:t>
             </a:r>
             <a:r>
-              <a:rPr lang="de-DE" dirty="0" smtClean="0"/>
+              <a:rPr lang="de-DE" dirty="0"/>
               <a:t> cum </a:t>
             </a:r>
             <a:r>
-              <a:rPr lang="de-DE" dirty="0" err="1" smtClean="0"/>
+              <a:rPr lang="de-DE" dirty="0" err="1"/>
               <a:t>esequos</a:t>
             </a:r>
             <a:r>
-              <a:rPr lang="de-DE" dirty="0" smtClean="0"/>
+              <a:rPr lang="de-DE" dirty="0"/>
               <a:t> ex et </a:t>
             </a:r>
             <a:r>
-              <a:rPr lang="de-DE" dirty="0" err="1" smtClean="0"/>
+              <a:rPr lang="de-DE" dirty="0" err="1"/>
               <a:t>litatem</a:t>
             </a:r>
             <a:r>
-              <a:rPr lang="de-DE" dirty="0" smtClean="0"/>
+              <a:rPr lang="de-DE" dirty="0"/>
               <a:t> </a:t>
             </a:r>
             <a:r>
-              <a:rPr lang="de-DE" dirty="0" err="1" smtClean="0"/>
+              <a:rPr lang="de-DE" dirty="0" err="1"/>
               <a:t>sum</a:t>
             </a:r>
             <a:r>
-              <a:rPr lang="de-DE" dirty="0" smtClean="0"/>
+              <a:rPr lang="de-DE" dirty="0"/>
               <a:t> </a:t>
             </a:r>
             <a:r>
-              <a:rPr lang="de-DE" dirty="0" err="1" smtClean="0"/>
+              <a:rPr lang="de-DE" dirty="0" err="1"/>
               <a:t>doloreperum</a:t>
             </a:r>
             <a:r>
-              <a:rPr lang="de-DE" dirty="0" smtClean="0"/>
+              <a:rPr lang="de-DE" dirty="0"/>
               <a:t> </a:t>
             </a:r>
             <a:r>
-              <a:rPr lang="de-DE" dirty="0" err="1" smtClean="0"/>
+              <a:rPr lang="de-DE" dirty="0" err="1"/>
               <a:t>ipsam</a:t>
             </a:r>
             <a:r>
-              <a:rPr lang="de-DE" dirty="0" smtClean="0"/>
+              <a:rPr lang="de-DE" dirty="0"/>
               <a:t>, </a:t>
             </a:r>
             <a:r>
-              <a:rPr lang="de-DE" dirty="0" err="1" smtClean="0"/>
+              <a:rPr lang="de-DE" dirty="0" err="1"/>
               <a:t>comniaepra</a:t>
             </a:r>
             <a:r>
-              <a:rPr lang="de-DE" dirty="0" smtClean="0"/>
+              <a:rPr lang="de-DE" dirty="0"/>
               <a:t> </a:t>
             </a:r>
             <a:r>
-              <a:rPr lang="de-DE" dirty="0" err="1" smtClean="0"/>
+              <a:rPr lang="de-DE" dirty="0" err="1"/>
               <a:t>volorenit</a:t>
             </a:r>
             <a:r>
-              <a:rPr lang="de-DE" dirty="0" smtClean="0"/>
+              <a:rPr lang="de-DE" dirty="0"/>
               <a:t>.</a:t>
             </a:r>
           </a:p>
@@ -8283,7 +8208,7 @@
           <a:p>
             <a:pPr lvl="0"/>
             <a:r>
-              <a:rPr lang="de-DE" smtClean="0"/>
+              <a:rPr lang="de-DE"/>
               <a:t>Textmasterformat bearbeiten</a:t>
             </a:r>
           </a:p>
@@ -8378,7 +8303,7 @@
           <a:p>
             <a:pPr lvl="0"/>
             <a:r>
-              <a:rPr lang="de-DE" smtClean="0"/>
+              <a:rPr lang="de-DE"/>
               <a:t>Textmasterformat bearbeiten</a:t>
             </a:r>
           </a:p>
@@ -8524,7 +8449,7 @@
           <a:p>
             <a:pPr lvl="0"/>
             <a:r>
-              <a:rPr lang="de-DE" smtClean="0"/>
+              <a:rPr lang="de-DE"/>
               <a:t>Textmasterformat bearbeiten</a:t>
             </a:r>
           </a:p>
@@ -8554,7 +8479,7 @@
           </a:lstStyle>
           <a:p>
             <a:r>
-              <a:rPr lang="de-DE" smtClean="0"/>
+              <a:rPr lang="de-DE"/>
               <a:t>Titelmasterformat durch Klicken bearbeiten</a:t>
             </a:r>
             <a:endParaRPr lang="de-DE" dirty="0"/>
@@ -8674,187 +8599,187 @@
           <a:p>
             <a:pPr lvl="0"/>
             <a:r>
-              <a:rPr lang="de-DE" dirty="0" err="1" smtClean="0"/>
+              <a:rPr lang="de-DE" dirty="0" err="1"/>
               <a:t>Harum</a:t>
             </a:r>
             <a:r>
-              <a:rPr lang="de-DE" dirty="0" smtClean="0"/>
+              <a:rPr lang="de-DE" dirty="0"/>
               <a:t> </a:t>
             </a:r>
             <a:r>
-              <a:rPr lang="de-DE" dirty="0" err="1" smtClean="0"/>
+              <a:rPr lang="de-DE" dirty="0" err="1"/>
               <a:t>volorpo</a:t>
             </a:r>
             <a:r>
-              <a:rPr lang="de-DE" dirty="0" smtClean="0"/>
+              <a:rPr lang="de-DE" dirty="0"/>
               <a:t> </a:t>
             </a:r>
             <a:r>
-              <a:rPr lang="de-DE" dirty="0" err="1" smtClean="0"/>
+              <a:rPr lang="de-DE" dirty="0" err="1"/>
               <a:t>ssitatiunt</a:t>
             </a:r>
             <a:r>
-              <a:rPr lang="de-DE" dirty="0" smtClean="0"/>
+              <a:rPr lang="de-DE" dirty="0"/>
               <a:t> </a:t>
             </a:r>
             <a:r>
-              <a:rPr lang="de-DE" dirty="0" err="1" smtClean="0"/>
+              <a:rPr lang="de-DE" dirty="0" err="1"/>
               <a:t>pa</a:t>
             </a:r>
             <a:r>
-              <a:rPr lang="de-DE" dirty="0" smtClean="0"/>
+              <a:rPr lang="de-DE" dirty="0"/>
               <a:t> aut.</a:t>
             </a:r>
           </a:p>
           <a:p>
             <a:pPr lvl="0"/>
             <a:r>
-              <a:rPr lang="de-DE" dirty="0" err="1" smtClean="0"/>
+              <a:rPr lang="de-DE" dirty="0" err="1"/>
               <a:t>Excero</a:t>
             </a:r>
             <a:r>
-              <a:rPr lang="de-DE" dirty="0" smtClean="0"/>
+              <a:rPr lang="de-DE" dirty="0"/>
               <a:t> </a:t>
             </a:r>
             <a:r>
-              <a:rPr lang="de-DE" dirty="0" err="1" smtClean="0"/>
+              <a:rPr lang="de-DE" dirty="0" err="1"/>
               <a:t>esto</a:t>
             </a:r>
             <a:r>
-              <a:rPr lang="de-DE" dirty="0" smtClean="0"/>
+              <a:rPr lang="de-DE" dirty="0"/>
               <a:t> </a:t>
             </a:r>
             <a:r>
-              <a:rPr lang="de-DE" dirty="0" err="1" smtClean="0"/>
+              <a:rPr lang="de-DE" dirty="0" err="1"/>
               <a:t>dolorib</a:t>
             </a:r>
             <a:r>
-              <a:rPr lang="de-DE" dirty="0" smtClean="0"/>
+              <a:rPr lang="de-DE" dirty="0"/>
               <a:t> </a:t>
             </a:r>
             <a:r>
-              <a:rPr lang="de-DE" dirty="0" err="1" smtClean="0"/>
+              <a:rPr lang="de-DE" dirty="0" err="1"/>
               <a:t>usandis</a:t>
             </a:r>
             <a:r>
-              <a:rPr lang="de-DE" dirty="0" smtClean="0"/>
+              <a:rPr lang="de-DE" dirty="0"/>
               <a:t> </a:t>
             </a:r>
             <a:r>
-              <a:rPr lang="de-DE" dirty="0" err="1" smtClean="0"/>
+              <a:rPr lang="de-DE" dirty="0" err="1"/>
               <a:t>restiis</a:t>
             </a:r>
             <a:r>
-              <a:rPr lang="de-DE" dirty="0" smtClean="0"/>
+              <a:rPr lang="de-DE" dirty="0"/>
               <a:t> </a:t>
             </a:r>
             <a:r>
-              <a:rPr lang="de-DE" dirty="0" err="1" smtClean="0"/>
+              <a:rPr lang="de-DE" dirty="0" err="1"/>
               <a:t>cietur</a:t>
             </a:r>
             <a:r>
-              <a:rPr lang="de-DE" dirty="0" smtClean="0"/>
+              <a:rPr lang="de-DE" dirty="0"/>
               <a:t>, </a:t>
             </a:r>
             <a:r>
-              <a:rPr lang="de-DE" dirty="0" err="1" smtClean="0"/>
+              <a:rPr lang="de-DE" dirty="0" err="1"/>
               <a:t>sedigen</a:t>
             </a:r>
             <a:r>
-              <a:rPr lang="de-DE" dirty="0" smtClean="0"/>
+              <a:rPr lang="de-DE" dirty="0"/>
               <a:t>.</a:t>
             </a:r>
           </a:p>
           <a:p>
             <a:pPr lvl="0"/>
             <a:r>
-              <a:rPr lang="de-DE" dirty="0" err="1" smtClean="0"/>
+              <a:rPr lang="de-DE" dirty="0" err="1"/>
               <a:t>Nequia</a:t>
             </a:r>
             <a:r>
-              <a:rPr lang="de-DE" dirty="0" smtClean="0"/>
+              <a:rPr lang="de-DE" dirty="0"/>
               <a:t> </a:t>
             </a:r>
             <a:r>
-              <a:rPr lang="de-DE" dirty="0" err="1" smtClean="0"/>
+              <a:rPr lang="de-DE" dirty="0" err="1"/>
               <a:t>dolest</a:t>
             </a:r>
             <a:r>
-              <a:rPr lang="de-DE" dirty="0" smtClean="0"/>
+              <a:rPr lang="de-DE" dirty="0"/>
               <a:t>, </a:t>
             </a:r>
             <a:r>
-              <a:rPr lang="de-DE" dirty="0" err="1" smtClean="0"/>
+              <a:rPr lang="de-DE" dirty="0" err="1"/>
               <a:t>que</a:t>
             </a:r>
             <a:r>
-              <a:rPr lang="de-DE" dirty="0" smtClean="0"/>
+              <a:rPr lang="de-DE" dirty="0"/>
               <a:t> </a:t>
             </a:r>
             <a:r>
-              <a:rPr lang="de-DE" dirty="0" err="1" smtClean="0"/>
+              <a:rPr lang="de-DE" dirty="0" err="1"/>
               <a:t>denit</a:t>
             </a:r>
             <a:r>
-              <a:rPr lang="de-DE" dirty="0" smtClean="0"/>
+              <a:rPr lang="de-DE" dirty="0"/>
               <a:t>.</a:t>
             </a:r>
           </a:p>
           <a:p>
             <a:pPr lvl="0"/>
             <a:r>
-              <a:rPr lang="de-DE" dirty="0" err="1" smtClean="0"/>
+              <a:rPr lang="de-DE" dirty="0" err="1"/>
               <a:t>Lur</a:t>
             </a:r>
             <a:r>
-              <a:rPr lang="de-DE" dirty="0" smtClean="0"/>
+              <a:rPr lang="de-DE" dirty="0"/>
               <a:t> </a:t>
             </a:r>
             <a:r>
-              <a:rPr lang="de-DE" dirty="0" err="1" smtClean="0"/>
+              <a:rPr lang="de-DE" dirty="0" err="1"/>
               <a:t>sitam</a:t>
             </a:r>
             <a:r>
-              <a:rPr lang="de-DE" dirty="0" smtClean="0"/>
+              <a:rPr lang="de-DE" dirty="0"/>
               <a:t> rat </a:t>
             </a:r>
             <a:r>
-              <a:rPr lang="de-DE" dirty="0" err="1" smtClean="0"/>
+              <a:rPr lang="de-DE" dirty="0" err="1"/>
               <a:t>verum</a:t>
             </a:r>
             <a:r>
-              <a:rPr lang="de-DE" dirty="0" smtClean="0"/>
+              <a:rPr lang="de-DE" dirty="0"/>
               <a:t> </a:t>
             </a:r>
             <a:r>
-              <a:rPr lang="de-DE" dirty="0" err="1" smtClean="0"/>
+              <a:rPr lang="de-DE" dirty="0" err="1"/>
               <a:t>acepe</a:t>
             </a:r>
             <a:r>
-              <a:rPr lang="de-DE" dirty="0" smtClean="0"/>
+              <a:rPr lang="de-DE" dirty="0"/>
               <a:t>.</a:t>
             </a:r>
           </a:p>
           <a:p>
             <a:pPr lvl="0"/>
             <a:r>
-              <a:rPr lang="de-DE" dirty="0" smtClean="0"/>
+              <a:rPr lang="de-DE" dirty="0"/>
               <a:t>Cum </a:t>
             </a:r>
             <a:r>
-              <a:rPr lang="de-DE" dirty="0" err="1" smtClean="0"/>
+              <a:rPr lang="de-DE" dirty="0" err="1"/>
               <a:t>sum</a:t>
             </a:r>
             <a:r>
-              <a:rPr lang="de-DE" dirty="0" smtClean="0"/>
+              <a:rPr lang="de-DE" dirty="0"/>
               <a:t> </a:t>
             </a:r>
             <a:r>
-              <a:rPr lang="de-DE" dirty="0" err="1" smtClean="0"/>
+              <a:rPr lang="de-DE" dirty="0" err="1"/>
               <a:t>doloreperum</a:t>
             </a:r>
             <a:r>
-              <a:rPr lang="de-DE" dirty="0" smtClean="0"/>
+              <a:rPr lang="de-DE" dirty="0"/>
               <a:t>.</a:t>
             </a:r>
           </a:p>
@@ -8897,7 +8822,7 @@
           <a:p>
             <a:pPr lvl="0"/>
             <a:r>
-              <a:rPr lang="de-DE" smtClean="0"/>
+              <a:rPr lang="de-DE"/>
               <a:t>Textmasterformat bearbeiten</a:t>
             </a:r>
           </a:p>
@@ -9013,7 +8938,7 @@
           <a:p>
             <a:pPr lvl="0"/>
             <a:r>
-              <a:rPr lang="de-DE" smtClean="0"/>
+              <a:rPr lang="de-DE"/>
               <a:t>Textmasterformat bearbeiten</a:t>
             </a:r>
           </a:p>
@@ -9132,195 +9057,195 @@
           <a:p>
             <a:pPr lvl="0"/>
             <a:r>
-              <a:rPr lang="de-DE" dirty="0" err="1" smtClean="0"/>
+              <a:rPr lang="de-DE" dirty="0" err="1"/>
               <a:t>Harum</a:t>
             </a:r>
             <a:r>
-              <a:rPr lang="de-DE" dirty="0" smtClean="0"/>
+              <a:rPr lang="de-DE" dirty="0"/>
               <a:t> </a:t>
             </a:r>
             <a:r>
-              <a:rPr lang="de-DE" dirty="0" err="1" smtClean="0"/>
+              <a:rPr lang="de-DE" dirty="0" err="1"/>
               <a:t>volorpo</a:t>
             </a:r>
             <a:r>
-              <a:rPr lang="de-DE" dirty="0" smtClean="0"/>
+              <a:rPr lang="de-DE" dirty="0"/>
               <a:t> </a:t>
             </a:r>
             <a:r>
-              <a:rPr lang="de-DE" dirty="0" err="1" smtClean="0"/>
+              <a:rPr lang="de-DE" dirty="0" err="1"/>
               <a:t>ssitatiunt</a:t>
             </a:r>
             <a:r>
-              <a:rPr lang="de-DE" dirty="0" smtClean="0"/>
+              <a:rPr lang="de-DE" dirty="0"/>
               <a:t> </a:t>
             </a:r>
             <a:r>
-              <a:rPr lang="de-DE" dirty="0" err="1" smtClean="0"/>
+              <a:rPr lang="de-DE" dirty="0" err="1"/>
               <a:t>pa</a:t>
             </a:r>
             <a:r>
-              <a:rPr lang="de-DE" dirty="0" smtClean="0"/>
+              <a:rPr lang="de-DE" dirty="0"/>
               <a:t> aut.</a:t>
             </a:r>
           </a:p>
           <a:p>
             <a:pPr lvl="0"/>
             <a:r>
-              <a:rPr lang="de-DE" dirty="0" err="1" smtClean="0"/>
+              <a:rPr lang="de-DE" dirty="0" err="1"/>
               <a:t>Excero</a:t>
             </a:r>
             <a:r>
-              <a:rPr lang="de-DE" dirty="0" smtClean="0"/>
+              <a:rPr lang="de-DE" dirty="0"/>
               <a:t> </a:t>
             </a:r>
             <a:r>
-              <a:rPr lang="de-DE" dirty="0" err="1" smtClean="0"/>
+              <a:rPr lang="de-DE" dirty="0" err="1"/>
               <a:t>esto</a:t>
             </a:r>
             <a:r>
-              <a:rPr lang="de-DE" dirty="0" smtClean="0"/>
+              <a:rPr lang="de-DE" dirty="0"/>
               <a:t> </a:t>
             </a:r>
             <a:r>
-              <a:rPr lang="de-DE" dirty="0" err="1" smtClean="0"/>
+              <a:rPr lang="de-DE" dirty="0" err="1"/>
               <a:t>dolorib</a:t>
             </a:r>
             <a:r>
-              <a:rPr lang="de-DE" dirty="0" smtClean="0"/>
+              <a:rPr lang="de-DE" dirty="0"/>
               <a:t> </a:t>
             </a:r>
             <a:r>
-              <a:rPr lang="de-DE" dirty="0" err="1" smtClean="0"/>
+              <a:rPr lang="de-DE" dirty="0" err="1"/>
               <a:t>usandis</a:t>
             </a:r>
             <a:r>
-              <a:rPr lang="de-DE" dirty="0" smtClean="0"/>
+              <a:rPr lang="de-DE" dirty="0"/>
               <a:t> </a:t>
             </a:r>
             <a:r>
-              <a:rPr lang="de-DE" dirty="0" err="1" smtClean="0"/>
+              <a:rPr lang="de-DE" dirty="0" err="1"/>
               <a:t>restiis</a:t>
             </a:r>
             <a:r>
-              <a:rPr lang="de-DE" dirty="0" smtClean="0"/>
+              <a:rPr lang="de-DE" dirty="0"/>
               <a:t> </a:t>
             </a:r>
             <a:r>
-              <a:rPr lang="de-DE" dirty="0" err="1" smtClean="0"/>
+              <a:rPr lang="de-DE" dirty="0" err="1"/>
               <a:t>cietur</a:t>
             </a:r>
             <a:r>
-              <a:rPr lang="de-DE" dirty="0" smtClean="0"/>
+              <a:rPr lang="de-DE" dirty="0"/>
               <a:t>, </a:t>
             </a:r>
             <a:r>
-              <a:rPr lang="de-DE" dirty="0" err="1" smtClean="0"/>
+              <a:rPr lang="de-DE" dirty="0" err="1"/>
               <a:t>sedigen</a:t>
             </a:r>
             <a:r>
-              <a:rPr lang="de-DE" dirty="0" smtClean="0"/>
+              <a:rPr lang="de-DE" dirty="0"/>
               <a:t>.</a:t>
             </a:r>
           </a:p>
           <a:p>
             <a:pPr lvl="0"/>
             <a:r>
-              <a:rPr lang="de-DE" dirty="0" err="1" smtClean="0"/>
+              <a:rPr lang="de-DE" dirty="0" err="1"/>
               <a:t>Nequia</a:t>
             </a:r>
             <a:r>
-              <a:rPr lang="de-DE" dirty="0" smtClean="0"/>
+              <a:rPr lang="de-DE" dirty="0"/>
               <a:t> </a:t>
             </a:r>
             <a:r>
-              <a:rPr lang="de-DE" dirty="0" err="1" smtClean="0"/>
+              <a:rPr lang="de-DE" dirty="0" err="1"/>
               <a:t>dolest</a:t>
             </a:r>
             <a:r>
-              <a:rPr lang="de-DE" dirty="0" smtClean="0"/>
+              <a:rPr lang="de-DE" dirty="0"/>
               <a:t>, </a:t>
             </a:r>
             <a:r>
-              <a:rPr lang="de-DE" dirty="0" err="1" smtClean="0"/>
+              <a:rPr lang="de-DE" dirty="0" err="1"/>
               <a:t>que</a:t>
             </a:r>
             <a:r>
-              <a:rPr lang="de-DE" dirty="0" smtClean="0"/>
+              <a:rPr lang="de-DE" dirty="0"/>
               <a:t> </a:t>
             </a:r>
             <a:r>
-              <a:rPr lang="de-DE" dirty="0" err="1" smtClean="0"/>
+              <a:rPr lang="de-DE" dirty="0" err="1"/>
               <a:t>denit</a:t>
             </a:r>
             <a:r>
-              <a:rPr lang="de-DE" dirty="0" smtClean="0"/>
+              <a:rPr lang="de-DE" dirty="0"/>
               <a:t>.</a:t>
             </a:r>
           </a:p>
           <a:p>
             <a:pPr lvl="0"/>
             <a:r>
-              <a:rPr lang="de-DE" dirty="0" err="1" smtClean="0"/>
+              <a:rPr lang="de-DE" dirty="0" err="1"/>
               <a:t>Lur</a:t>
             </a:r>
             <a:r>
-              <a:rPr lang="de-DE" dirty="0" smtClean="0"/>
+              <a:rPr lang="de-DE" dirty="0"/>
               <a:t> </a:t>
             </a:r>
             <a:r>
-              <a:rPr lang="de-DE" dirty="0" err="1" smtClean="0"/>
+              <a:rPr lang="de-DE" dirty="0" err="1"/>
               <a:t>sitam</a:t>
             </a:r>
             <a:r>
-              <a:rPr lang="de-DE" dirty="0" smtClean="0"/>
+              <a:rPr lang="de-DE" dirty="0"/>
               <a:t> rat </a:t>
             </a:r>
             <a:r>
-              <a:rPr lang="de-DE" dirty="0" err="1" smtClean="0"/>
+              <a:rPr lang="de-DE" dirty="0" err="1"/>
               <a:t>verum</a:t>
             </a:r>
             <a:r>
-              <a:rPr lang="de-DE" dirty="0" smtClean="0"/>
+              <a:rPr lang="de-DE" dirty="0"/>
               <a:t> </a:t>
             </a:r>
             <a:r>
-              <a:rPr lang="de-DE" dirty="0" err="1" smtClean="0"/>
+              <a:rPr lang="de-DE" dirty="0" err="1"/>
               <a:t>acepe</a:t>
             </a:r>
             <a:r>
-              <a:rPr lang="de-DE" dirty="0" smtClean="0"/>
+              <a:rPr lang="de-DE" dirty="0"/>
               <a:t>.</a:t>
             </a:r>
           </a:p>
           <a:p>
             <a:pPr lvl="0"/>
             <a:r>
-              <a:rPr lang="de-DE" dirty="0" smtClean="0"/>
+              <a:rPr lang="de-DE" dirty="0"/>
               <a:t>Cum </a:t>
             </a:r>
             <a:r>
-              <a:rPr lang="de-DE" dirty="0" err="1" smtClean="0"/>
+              <a:rPr lang="de-DE" dirty="0" err="1"/>
               <a:t>esequos</a:t>
             </a:r>
             <a:r>
-              <a:rPr lang="de-DE" dirty="0" smtClean="0"/>
+              <a:rPr lang="de-DE" dirty="0"/>
               <a:t> ex et </a:t>
             </a:r>
             <a:r>
-              <a:rPr lang="de-DE" dirty="0" err="1" smtClean="0"/>
+              <a:rPr lang="de-DE" dirty="0" err="1"/>
               <a:t>litatm</a:t>
             </a:r>
             <a:r>
-              <a:rPr lang="de-DE" dirty="0" smtClean="0"/>
+              <a:rPr lang="de-DE" dirty="0"/>
               <a:t> </a:t>
             </a:r>
             <a:r>
-              <a:rPr lang="de-DE" dirty="0" err="1" smtClean="0"/>
+              <a:rPr lang="de-DE" dirty="0" err="1"/>
               <a:t>sum</a:t>
             </a:r>
             <a:r>
-              <a:rPr lang="de-DE" dirty="0" smtClean="0"/>
+              <a:rPr lang="de-DE" dirty="0"/>
               <a:t>.</a:t>
             </a:r>
           </a:p>
@@ -9363,7 +9288,7 @@
           <a:p>
             <a:pPr lvl="0"/>
             <a:r>
-              <a:rPr lang="de-DE" smtClean="0"/>
+              <a:rPr lang="de-DE"/>
               <a:t>Textmasterformat bearbeiten</a:t>
             </a:r>
           </a:p>
@@ -9496,7 +9421,7 @@
           <a:p>
             <a:pPr lvl="0"/>
             <a:r>
-              <a:rPr lang="de-DE" smtClean="0"/>
+              <a:rPr lang="de-DE"/>
               <a:t>Textmasterformat bearbeiten</a:t>
             </a:r>
           </a:p>
@@ -9556,7 +9481,7 @@
           </a:lstStyle>
           <a:p>
             <a:r>
-              <a:rPr lang="de-DE" smtClean="0"/>
+              <a:rPr lang="de-DE"/>
               <a:t>Titelmasterformat durch Klicken bearbeiten</a:t>
             </a:r>
             <a:endParaRPr lang="de-DE" dirty="0"/>
@@ -9673,7 +9598,7 @@
           <a:p>
             <a:pPr lvl="0"/>
             <a:r>
-              <a:rPr lang="de-DE" smtClean="0"/>
+              <a:rPr lang="de-DE"/>
               <a:t>Textmasterformat bearbeiten</a:t>
             </a:r>
           </a:p>
@@ -9792,164 +9717,164 @@
           <a:p>
             <a:pPr lvl="0"/>
             <a:r>
-              <a:rPr lang="de-DE" dirty="0" err="1" smtClean="0"/>
+              <a:rPr lang="de-DE" dirty="0" err="1"/>
               <a:t>Harum</a:t>
             </a:r>
             <a:r>
-              <a:rPr lang="de-DE" dirty="0" smtClean="0"/>
+              <a:rPr lang="de-DE" dirty="0"/>
               <a:t> </a:t>
             </a:r>
             <a:r>
-              <a:rPr lang="de-DE" dirty="0" err="1" smtClean="0"/>
+              <a:rPr lang="de-DE" dirty="0" err="1"/>
               <a:t>volorpo</a:t>
             </a:r>
             <a:r>
-              <a:rPr lang="de-DE" dirty="0" smtClean="0"/>
+              <a:rPr lang="de-DE" dirty="0"/>
               <a:t> </a:t>
             </a:r>
             <a:r>
-              <a:rPr lang="de-DE" dirty="0" err="1" smtClean="0"/>
+              <a:rPr lang="de-DE" dirty="0" err="1"/>
               <a:t>ssitatiunt</a:t>
             </a:r>
             <a:r>
-              <a:rPr lang="de-DE" dirty="0" smtClean="0"/>
+              <a:rPr lang="de-DE" dirty="0"/>
               <a:t> </a:t>
             </a:r>
             <a:r>
-              <a:rPr lang="de-DE" dirty="0" err="1" smtClean="0"/>
+              <a:rPr lang="de-DE" dirty="0" err="1"/>
               <a:t>pa</a:t>
             </a:r>
             <a:r>
-              <a:rPr lang="de-DE" dirty="0" smtClean="0"/>
+              <a:rPr lang="de-DE" dirty="0"/>
               <a:t> aut.</a:t>
             </a:r>
           </a:p>
           <a:p>
             <a:pPr lvl="0"/>
             <a:r>
-              <a:rPr lang="de-DE" dirty="0" err="1" smtClean="0"/>
+              <a:rPr lang="de-DE" dirty="0" err="1"/>
               <a:t>Excero</a:t>
             </a:r>
             <a:r>
-              <a:rPr lang="de-DE" dirty="0" smtClean="0"/>
+              <a:rPr lang="de-DE" dirty="0"/>
               <a:t> </a:t>
             </a:r>
             <a:r>
-              <a:rPr lang="de-DE" dirty="0" err="1" smtClean="0"/>
+              <a:rPr lang="de-DE" dirty="0" err="1"/>
               <a:t>esto</a:t>
             </a:r>
             <a:r>
-              <a:rPr lang="de-DE" dirty="0" smtClean="0"/>
+              <a:rPr lang="de-DE" dirty="0"/>
               <a:t> </a:t>
             </a:r>
             <a:r>
-              <a:rPr lang="de-DE" dirty="0" err="1" smtClean="0"/>
+              <a:rPr lang="de-DE" dirty="0" err="1"/>
               <a:t>dolorib</a:t>
             </a:r>
             <a:r>
-              <a:rPr lang="de-DE" dirty="0" smtClean="0"/>
+              <a:rPr lang="de-DE" dirty="0"/>
               <a:t> </a:t>
             </a:r>
             <a:r>
-              <a:rPr lang="de-DE" dirty="0" err="1" smtClean="0"/>
+              <a:rPr lang="de-DE" dirty="0" err="1"/>
               <a:t>usandis</a:t>
             </a:r>
             <a:r>
-              <a:rPr lang="de-DE" dirty="0" smtClean="0"/>
+              <a:rPr lang="de-DE" dirty="0"/>
               <a:t> </a:t>
             </a:r>
             <a:r>
-              <a:rPr lang="de-DE" dirty="0" err="1" smtClean="0"/>
+              <a:rPr lang="de-DE" dirty="0" err="1"/>
               <a:t>restiis</a:t>
             </a:r>
             <a:r>
-              <a:rPr lang="de-DE" dirty="0" smtClean="0"/>
+              <a:rPr lang="de-DE" dirty="0"/>
               <a:t> </a:t>
             </a:r>
             <a:r>
-              <a:rPr lang="de-DE" dirty="0" err="1" smtClean="0"/>
+              <a:rPr lang="de-DE" dirty="0" err="1"/>
               <a:t>cietur</a:t>
             </a:r>
             <a:r>
-              <a:rPr lang="de-DE" dirty="0" smtClean="0"/>
+              <a:rPr lang="de-DE" dirty="0"/>
               <a:t>, </a:t>
             </a:r>
             <a:r>
-              <a:rPr lang="de-DE" dirty="0" err="1" smtClean="0"/>
+              <a:rPr lang="de-DE" dirty="0" err="1"/>
               <a:t>sedigen</a:t>
             </a:r>
             <a:r>
-              <a:rPr lang="de-DE" dirty="0" smtClean="0"/>
+              <a:rPr lang="de-DE" dirty="0"/>
               <a:t>.</a:t>
             </a:r>
           </a:p>
           <a:p>
             <a:pPr lvl="0"/>
             <a:r>
-              <a:rPr lang="de-DE" dirty="0" err="1" smtClean="0"/>
+              <a:rPr lang="de-DE" dirty="0" err="1"/>
               <a:t>Nequia</a:t>
             </a:r>
             <a:r>
-              <a:rPr lang="de-DE" dirty="0" smtClean="0"/>
+              <a:rPr lang="de-DE" dirty="0"/>
               <a:t> </a:t>
             </a:r>
             <a:r>
-              <a:rPr lang="de-DE" dirty="0" err="1" smtClean="0"/>
+              <a:rPr lang="de-DE" dirty="0" err="1"/>
               <a:t>dolest</a:t>
             </a:r>
             <a:r>
-              <a:rPr lang="de-DE" dirty="0" smtClean="0"/>
+              <a:rPr lang="de-DE" dirty="0"/>
               <a:t>, </a:t>
             </a:r>
             <a:r>
-              <a:rPr lang="de-DE" dirty="0" err="1" smtClean="0"/>
+              <a:rPr lang="de-DE" dirty="0" err="1"/>
               <a:t>que</a:t>
             </a:r>
             <a:r>
-              <a:rPr lang="de-DE" dirty="0" smtClean="0"/>
+              <a:rPr lang="de-DE" dirty="0"/>
               <a:t> </a:t>
             </a:r>
             <a:r>
-              <a:rPr lang="de-DE" dirty="0" err="1" smtClean="0"/>
+              <a:rPr lang="de-DE" dirty="0" err="1"/>
               <a:t>denit</a:t>
             </a:r>
             <a:r>
-              <a:rPr lang="de-DE" dirty="0" smtClean="0"/>
+              <a:rPr lang="de-DE" dirty="0"/>
               <a:t>.</a:t>
             </a:r>
           </a:p>
           <a:p>
             <a:pPr lvl="0"/>
             <a:r>
-              <a:rPr lang="de-DE" dirty="0" err="1" smtClean="0"/>
+              <a:rPr lang="de-DE" dirty="0" err="1"/>
               <a:t>Lur</a:t>
             </a:r>
             <a:r>
-              <a:rPr lang="de-DE" dirty="0" smtClean="0"/>
+              <a:rPr lang="de-DE" dirty="0"/>
               <a:t> </a:t>
             </a:r>
             <a:r>
-              <a:rPr lang="de-DE" dirty="0" err="1" smtClean="0"/>
+              <a:rPr lang="de-DE" dirty="0" err="1"/>
               <a:t>sitam</a:t>
             </a:r>
             <a:r>
-              <a:rPr lang="de-DE" dirty="0" smtClean="0"/>
+              <a:rPr lang="de-DE" dirty="0"/>
               <a:t> rat </a:t>
             </a:r>
             <a:r>
-              <a:rPr lang="de-DE" dirty="0" err="1" smtClean="0"/>
+              <a:rPr lang="de-DE" dirty="0" err="1"/>
               <a:t>verum</a:t>
             </a:r>
             <a:r>
-              <a:rPr lang="de-DE" dirty="0" smtClean="0"/>
+              <a:rPr lang="de-DE" dirty="0"/>
               <a:t> </a:t>
             </a:r>
             <a:r>
-              <a:rPr lang="de-DE" dirty="0" err="1" smtClean="0"/>
+              <a:rPr lang="de-DE" dirty="0" err="1"/>
               <a:t>acepe</a:t>
             </a:r>
             <a:r>
-              <a:rPr lang="de-DE" dirty="0" smtClean="0"/>
+              <a:rPr lang="de-DE" dirty="0"/>
               <a:t>.</a:t>
             </a:r>
           </a:p>
@@ -9992,7 +9917,7 @@
           <a:p>
             <a:pPr lvl="0"/>
             <a:r>
-              <a:rPr lang="de-DE" smtClean="0"/>
+              <a:rPr lang="de-DE"/>
               <a:t>Textmasterformat bearbeiten</a:t>
             </a:r>
           </a:p>
@@ -10040,10 +9965,9 @@
           <a:p>
             <a:pPr lvl="0"/>
             <a:r>
-              <a:rPr lang="de-DE" dirty="0" smtClean="0"/>
+              <a:rPr lang="de-DE" dirty="0"/>
               <a:t>Summary</a:t>
             </a:r>
-            <a:endParaRPr lang="de-DE" dirty="0"/>
           </a:p>
         </p:txBody>
       </p:sp>
@@ -10089,283 +10013,283 @@
           <a:p>
             <a:pPr lvl="0"/>
             <a:r>
-              <a:rPr lang="de-DE" dirty="0" err="1" smtClean="0"/>
+              <a:rPr lang="de-DE" dirty="0" err="1"/>
               <a:t>Harum</a:t>
             </a:r>
             <a:r>
-              <a:rPr lang="de-DE" dirty="0" smtClean="0"/>
+              <a:rPr lang="de-DE" dirty="0"/>
               <a:t> </a:t>
             </a:r>
             <a:r>
-              <a:rPr lang="de-DE" dirty="0" err="1" smtClean="0"/>
+              <a:rPr lang="de-DE" dirty="0" err="1"/>
               <a:t>volorpo</a:t>
             </a:r>
             <a:r>
-              <a:rPr lang="de-DE" dirty="0" smtClean="0"/>
+              <a:rPr lang="de-DE" dirty="0"/>
               <a:t> </a:t>
             </a:r>
             <a:r>
-              <a:rPr lang="de-DE" dirty="0" err="1" smtClean="0"/>
+              <a:rPr lang="de-DE" dirty="0" err="1"/>
               <a:t>ssitatiunt</a:t>
             </a:r>
             <a:r>
-              <a:rPr lang="de-DE" dirty="0" smtClean="0"/>
+              <a:rPr lang="de-DE" dirty="0"/>
               <a:t> </a:t>
             </a:r>
             <a:r>
-              <a:rPr lang="de-DE" dirty="0" err="1" smtClean="0"/>
+              <a:rPr lang="de-DE" dirty="0" err="1"/>
               <a:t>pa</a:t>
             </a:r>
             <a:r>
-              <a:rPr lang="de-DE" dirty="0" smtClean="0"/>
+              <a:rPr lang="de-DE" dirty="0"/>
               <a:t> </a:t>
             </a:r>
             <a:r>
-              <a:rPr lang="de-DE" dirty="0" err="1" smtClean="0"/>
+              <a:rPr lang="de-DE" dirty="0" err="1"/>
               <a:t>aut</a:t>
             </a:r>
             <a:r>
-              <a:rPr lang="de-DE" dirty="0" smtClean="0"/>
+              <a:rPr lang="de-DE" dirty="0"/>
               <a:t> </a:t>
             </a:r>
             <a:r>
-              <a:rPr lang="de-DE" dirty="0" err="1" smtClean="0"/>
+              <a:rPr lang="de-DE" dirty="0" err="1"/>
               <a:t>estrumquam</a:t>
             </a:r>
             <a:r>
-              <a:rPr lang="de-DE" dirty="0" smtClean="0"/>
+              <a:rPr lang="de-DE" dirty="0"/>
               <a:t> </a:t>
             </a:r>
             <a:r>
-              <a:rPr lang="de-DE" dirty="0" err="1" smtClean="0"/>
+              <a:rPr lang="de-DE" dirty="0" err="1"/>
               <a:t>aspidellis</a:t>
             </a:r>
             <a:r>
-              <a:rPr lang="de-DE" dirty="0" smtClean="0"/>
+              <a:rPr lang="de-DE" dirty="0"/>
               <a:t>. </a:t>
             </a:r>
             <a:r>
-              <a:rPr lang="de-DE" dirty="0" err="1" smtClean="0"/>
+              <a:rPr lang="de-DE" dirty="0" err="1"/>
               <a:t>Excero</a:t>
             </a:r>
             <a:r>
-              <a:rPr lang="de-DE" dirty="0" smtClean="0"/>
+              <a:rPr lang="de-DE" dirty="0"/>
               <a:t> </a:t>
             </a:r>
             <a:r>
-              <a:rPr lang="de-DE" dirty="0" err="1" smtClean="0"/>
+              <a:rPr lang="de-DE" dirty="0" err="1"/>
               <a:t>esto</a:t>
             </a:r>
             <a:r>
-              <a:rPr lang="de-DE" dirty="0" smtClean="0"/>
+              <a:rPr lang="de-DE" dirty="0"/>
               <a:t> </a:t>
             </a:r>
             <a:r>
-              <a:rPr lang="de-DE" dirty="0" err="1" smtClean="0"/>
+              <a:rPr lang="de-DE" dirty="0" err="1"/>
               <a:t>dolorib</a:t>
             </a:r>
             <a:r>
-              <a:rPr lang="de-DE" dirty="0" smtClean="0"/>
+              <a:rPr lang="de-DE" dirty="0"/>
               <a:t> </a:t>
             </a:r>
             <a:r>
-              <a:rPr lang="de-DE" dirty="0" err="1" smtClean="0"/>
+              <a:rPr lang="de-DE" dirty="0" err="1"/>
               <a:t>usandis</a:t>
             </a:r>
             <a:r>
-              <a:rPr lang="de-DE" dirty="0" smtClean="0"/>
+              <a:rPr lang="de-DE" dirty="0"/>
               <a:t> </a:t>
             </a:r>
             <a:r>
-              <a:rPr lang="de-DE" dirty="0" err="1" smtClean="0"/>
+              <a:rPr lang="de-DE" dirty="0" err="1"/>
               <a:t>restiis</a:t>
             </a:r>
             <a:r>
-              <a:rPr lang="de-DE" dirty="0" smtClean="0"/>
+              <a:rPr lang="de-DE" dirty="0"/>
               <a:t> </a:t>
             </a:r>
             <a:r>
-              <a:rPr lang="de-DE" dirty="0" err="1" smtClean="0"/>
+              <a:rPr lang="de-DE" dirty="0" err="1"/>
               <a:t>cietur</a:t>
             </a:r>
             <a:r>
-              <a:rPr lang="de-DE" dirty="0" smtClean="0"/>
+              <a:rPr lang="de-DE" dirty="0"/>
               <a:t>, </a:t>
             </a:r>
             <a:r>
-              <a:rPr lang="de-DE" dirty="0" err="1" smtClean="0"/>
+              <a:rPr lang="de-DE" dirty="0" err="1"/>
               <a:t>sedigen</a:t>
             </a:r>
             <a:r>
-              <a:rPr lang="de-DE" dirty="0" smtClean="0"/>
+              <a:rPr lang="de-DE" dirty="0"/>
               <a:t> </a:t>
             </a:r>
             <a:r>
-              <a:rPr lang="de-DE" dirty="0" err="1" smtClean="0"/>
+              <a:rPr lang="de-DE" dirty="0" err="1"/>
               <a:t>issimaximin</a:t>
             </a:r>
             <a:r>
-              <a:rPr lang="de-DE" dirty="0" smtClean="0"/>
+              <a:rPr lang="de-DE" dirty="0"/>
               <a:t> </a:t>
             </a:r>
             <a:r>
-              <a:rPr lang="de-DE" dirty="0" err="1" smtClean="0"/>
+              <a:rPr lang="de-DE" dirty="0" err="1"/>
               <a:t>pa</a:t>
             </a:r>
             <a:r>
-              <a:rPr lang="de-DE" dirty="0" smtClean="0"/>
+              <a:rPr lang="de-DE" dirty="0"/>
               <a:t> </a:t>
             </a:r>
             <a:r>
-              <a:rPr lang="de-DE" dirty="0" err="1" smtClean="0"/>
+              <a:rPr lang="de-DE" dirty="0" err="1"/>
               <a:t>voloreped</a:t>
             </a:r>
             <a:r>
-              <a:rPr lang="de-DE" dirty="0" smtClean="0"/>
+              <a:rPr lang="de-DE" dirty="0"/>
               <a:t> </a:t>
             </a:r>
             <a:r>
-              <a:rPr lang="de-DE" dirty="0" err="1" smtClean="0"/>
+              <a:rPr lang="de-DE" dirty="0" err="1"/>
               <a:t>mo</a:t>
             </a:r>
             <a:r>
-              <a:rPr lang="de-DE" dirty="0" smtClean="0"/>
+              <a:rPr lang="de-DE" dirty="0"/>
               <a:t> </a:t>
             </a:r>
             <a:r>
-              <a:rPr lang="de-DE" dirty="0" err="1" smtClean="0"/>
+              <a:rPr lang="de-DE" dirty="0" err="1"/>
               <a:t>inis</a:t>
             </a:r>
             <a:r>
-              <a:rPr lang="de-DE" dirty="0" smtClean="0"/>
+              <a:rPr lang="de-DE" dirty="0"/>
               <a:t> </a:t>
             </a:r>
             <a:r>
-              <a:rPr lang="de-DE" dirty="0" err="1" smtClean="0"/>
+              <a:rPr lang="de-DE" dirty="0" err="1"/>
               <a:t>quibus</a:t>
             </a:r>
             <a:r>
-              <a:rPr lang="de-DE" dirty="0" smtClean="0"/>
+              <a:rPr lang="de-DE" dirty="0"/>
               <a:t>. </a:t>
             </a:r>
             <a:r>
-              <a:rPr lang="de-DE" dirty="0" err="1" smtClean="0"/>
+              <a:rPr lang="de-DE" dirty="0" err="1"/>
               <a:t>Nequia</a:t>
             </a:r>
             <a:r>
-              <a:rPr lang="de-DE" dirty="0" smtClean="0"/>
+              <a:rPr lang="de-DE" dirty="0"/>
               <a:t> </a:t>
             </a:r>
             <a:r>
-              <a:rPr lang="de-DE" dirty="0" err="1" smtClean="0"/>
+              <a:rPr lang="de-DE" dirty="0" err="1"/>
               <a:t>dolest</a:t>
             </a:r>
             <a:r>
-              <a:rPr lang="de-DE" dirty="0" smtClean="0"/>
+              <a:rPr lang="de-DE" dirty="0"/>
               <a:t>, </a:t>
             </a:r>
             <a:r>
-              <a:rPr lang="de-DE" dirty="0" err="1" smtClean="0"/>
+              <a:rPr lang="de-DE" dirty="0" err="1"/>
               <a:t>que</a:t>
             </a:r>
             <a:r>
-              <a:rPr lang="de-DE" dirty="0" smtClean="0"/>
+              <a:rPr lang="de-DE" dirty="0"/>
               <a:t> </a:t>
             </a:r>
             <a:r>
-              <a:rPr lang="de-DE" dirty="0" err="1" smtClean="0"/>
+              <a:rPr lang="de-DE" dirty="0" err="1"/>
               <a:t>denit</a:t>
             </a:r>
             <a:r>
-              <a:rPr lang="de-DE" dirty="0" smtClean="0"/>
+              <a:rPr lang="de-DE" dirty="0"/>
               <a:t> </a:t>
             </a:r>
             <a:r>
-              <a:rPr lang="de-DE" dirty="0" err="1" smtClean="0"/>
+              <a:rPr lang="de-DE" dirty="0" err="1"/>
               <a:t>apist</a:t>
             </a:r>
             <a:r>
-              <a:rPr lang="de-DE" dirty="0" smtClean="0"/>
+              <a:rPr lang="de-DE" dirty="0"/>
               <a:t> </a:t>
             </a:r>
             <a:r>
-              <a:rPr lang="de-DE" dirty="0" err="1" smtClean="0"/>
+              <a:rPr lang="de-DE" dirty="0" err="1"/>
               <a:t>verum</a:t>
             </a:r>
             <a:r>
-              <a:rPr lang="de-DE" dirty="0" smtClean="0"/>
+              <a:rPr lang="de-DE" dirty="0"/>
               <a:t> </a:t>
             </a:r>
             <a:r>
-              <a:rPr lang="de-DE" dirty="0" err="1" smtClean="0"/>
+              <a:rPr lang="de-DE" dirty="0" err="1"/>
               <a:t>harum</a:t>
             </a:r>
             <a:r>
-              <a:rPr lang="de-DE" dirty="0" smtClean="0"/>
+              <a:rPr lang="de-DE" dirty="0"/>
               <a:t> </a:t>
             </a:r>
             <a:r>
-              <a:rPr lang="de-DE" dirty="0" err="1" smtClean="0"/>
+              <a:rPr lang="de-DE" dirty="0" err="1"/>
               <a:t>andenem</a:t>
             </a:r>
             <a:r>
-              <a:rPr lang="de-DE" dirty="0" smtClean="0"/>
+              <a:rPr lang="de-DE" dirty="0"/>
               <a:t> quo. </a:t>
             </a:r>
             <a:r>
-              <a:rPr lang="de-DE" dirty="0" err="1" smtClean="0"/>
+              <a:rPr lang="de-DE" dirty="0" err="1"/>
               <a:t>Lur</a:t>
             </a:r>
             <a:r>
-              <a:rPr lang="de-DE" dirty="0" smtClean="0"/>
+              <a:rPr lang="de-DE" dirty="0"/>
               <a:t> </a:t>
             </a:r>
             <a:r>
-              <a:rPr lang="de-DE" dirty="0" err="1" smtClean="0"/>
+              <a:rPr lang="de-DE" dirty="0" err="1"/>
               <a:t>sitam</a:t>
             </a:r>
             <a:r>
-              <a:rPr lang="de-DE" dirty="0" smtClean="0"/>
+              <a:rPr lang="de-DE" dirty="0"/>
               <a:t> rat </a:t>
             </a:r>
             <a:r>
-              <a:rPr lang="de-DE" dirty="0" err="1" smtClean="0"/>
+              <a:rPr lang="de-DE" dirty="0" err="1"/>
               <a:t>verum</a:t>
             </a:r>
             <a:r>
-              <a:rPr lang="de-DE" dirty="0" smtClean="0"/>
+              <a:rPr lang="de-DE" dirty="0"/>
               <a:t> </a:t>
             </a:r>
             <a:r>
-              <a:rPr lang="de-DE" dirty="0" err="1" smtClean="0"/>
+              <a:rPr lang="de-DE" dirty="0" err="1"/>
               <a:t>acepe</a:t>
             </a:r>
             <a:r>
-              <a:rPr lang="de-DE" dirty="0" smtClean="0"/>
+              <a:rPr lang="de-DE" dirty="0"/>
               <a:t> cum </a:t>
             </a:r>
             <a:r>
-              <a:rPr lang="de-DE" dirty="0" err="1" smtClean="0"/>
+              <a:rPr lang="de-DE" dirty="0" err="1"/>
               <a:t>esequos</a:t>
             </a:r>
             <a:r>
-              <a:rPr lang="de-DE" dirty="0" smtClean="0"/>
+              <a:rPr lang="de-DE" dirty="0"/>
               <a:t> ex et </a:t>
             </a:r>
             <a:r>
-              <a:rPr lang="de-DE" dirty="0" err="1" smtClean="0"/>
+              <a:rPr lang="de-DE" dirty="0" err="1"/>
               <a:t>litatem</a:t>
             </a:r>
             <a:r>
-              <a:rPr lang="de-DE" dirty="0" smtClean="0"/>
+              <a:rPr lang="de-DE" dirty="0"/>
               <a:t> </a:t>
             </a:r>
             <a:r>
-              <a:rPr lang="de-DE" dirty="0" err="1" smtClean="0"/>
+              <a:rPr lang="de-DE" dirty="0" err="1"/>
               <a:t>sum</a:t>
             </a:r>
             <a:r>
-              <a:rPr lang="de-DE" dirty="0" smtClean="0"/>
+              <a:rPr lang="de-DE" dirty="0"/>
               <a:t>.</a:t>
             </a:r>
           </a:p>
@@ -10460,7 +10384,7 @@
           <a:p>
             <a:pPr lvl="0"/>
             <a:r>
-              <a:rPr lang="de-DE" smtClean="0"/>
+              <a:rPr lang="de-DE"/>
               <a:t>Textmasterformat bearbeiten</a:t>
             </a:r>
           </a:p>
@@ -10602,10 +10526,9 @@
           <a:lstStyle/>
           <a:p>
             <a:r>
-              <a:rPr lang="de-DE" dirty="0" smtClean="0"/>
+              <a:rPr lang="de-DE" dirty="0"/>
               <a:t>Mastertitelformat bearbeiten</a:t>
             </a:r>
-            <a:endParaRPr lang="de-DE" dirty="0"/>
           </a:p>
         </p:txBody>
       </p:sp>
@@ -10972,14 +10895,14 @@
           <a:p>
             <a:pPr marL="54000"/>
             <a:r>
-              <a:rPr lang="de-DE" sz="1100" dirty="0" smtClean="0">
+              <a:rPr lang="de-DE" sz="1100" dirty="0">
                 <a:latin typeface="Arial"/>
                 <a:cs typeface="Arial"/>
               </a:rPr>
               <a:t>Erweiterung des Masterportals um neue</a:t>
             </a:r>
             <a:r>
-              <a:rPr lang="de-DE" sz="1100" baseline="0" dirty="0" smtClean="0">
+              <a:rPr lang="de-DE" sz="1100" baseline="0" dirty="0">
                 <a:latin typeface="Arial"/>
                 <a:cs typeface="Arial"/>
               </a:rPr>
@@ -11014,13 +10937,6 @@
     <p:sldLayoutId id="2147483665" r:id="rId11"/>
     <p:sldLayoutId id="2147483666" r:id="rId12"/>
   </p:sldLayoutIdLst>
-  <p:timing>
-    <p:tnLst>
-      <p:par>
-        <p:cTn id="1" dur="indefinite" restart="never" nodeType="tmRoot"/>
-      </p:par>
-    </p:tnLst>
-  </p:timing>
   <p:txStyles>
     <p:titleStyle>
       <a:lvl1pPr algn="l" defTabSz="457200" rtl="0" eaLnBrk="1" latinLnBrk="0" hangingPunct="1">
@@ -11461,10 +11377,9 @@
           <a:lstStyle/>
           <a:p>
             <a:r>
-              <a:rPr lang="de-DE" dirty="0" smtClean="0"/>
+              <a:rPr lang="de-DE" dirty="0"/>
               <a:t>MASTERTITELFORMAT BEARBEITEN</a:t>
             </a:r>
-            <a:endParaRPr lang="de-DE" dirty="0"/>
           </a:p>
         </p:txBody>
       </p:sp>
@@ -11920,10 +11835,9 @@
           <a:lstStyle/>
           <a:p>
             <a:r>
-              <a:rPr lang="de-DE" dirty="0" smtClean="0"/>
+              <a:rPr lang="de-DE" dirty="0"/>
               <a:t>MASTERTITELFORMAT BEARBEITEN</a:t>
             </a:r>
-            <a:endParaRPr lang="de-DE" dirty="0"/>
           </a:p>
         </p:txBody>
       </p:sp>
@@ -12346,10 +12260,9 @@
           <a:lstStyle/>
           <a:p>
             <a:r>
-              <a:rPr lang="de-DE" dirty="0" smtClean="0"/>
+              <a:rPr lang="de-DE" dirty="0"/>
               <a:t>MASTERTITELFORMAT BEARBEITEN</a:t>
             </a:r>
-            <a:endParaRPr lang="de-DE" dirty="0"/>
           </a:p>
         </p:txBody>
       </p:sp>
@@ -12801,10 +12714,9 @@
           <a:lstStyle/>
           <a:p>
             <a:r>
-              <a:rPr lang="de-DE" dirty="0" smtClean="0"/>
+              <a:rPr lang="de-DE" dirty="0"/>
               <a:t>MASTERTITELFORMAT BEARBEITEN</a:t>
             </a:r>
-            <a:endParaRPr lang="de-DE" dirty="0"/>
           </a:p>
         </p:txBody>
       </p:sp>
@@ -13423,10 +13335,9 @@
           <a:lstStyle/>
           <a:p>
             <a:r>
-              <a:rPr lang="de-DE" dirty="0" smtClean="0"/>
+              <a:rPr lang="de-DE" dirty="0"/>
               <a:t>Einführung neuer Bibliotheken</a:t>
             </a:r>
-            <a:endParaRPr lang="de-DE" dirty="0"/>
           </a:p>
         </p:txBody>
       </p:sp>
@@ -13439,7 +13350,7 @@
         <p:spPr>
           <a:xfrm>
             <a:off x="265330" y="1495762"/>
-            <a:ext cx="8450045" cy="3416320"/>
+            <a:ext cx="8450045" cy="4339650"/>
           </a:xfrm>
           <a:prstGeom prst="rect">
             <a:avLst/>
@@ -13453,7 +13364,7 @@
           <a:lstStyle/>
           <a:p>
             <a:r>
-              <a:rPr lang="de-DE" sz="1200" b="0" i="0" dirty="0" smtClean="0">
+              <a:rPr lang="de-DE" sz="1200" b="0" i="0" dirty="0">
                 <a:solidFill>
                   <a:srgbClr val="003063"/>
                 </a:solidFill>
@@ -13463,7 +13374,7 @@
               <a:t>Das Masterportal ist ein </a:t>
             </a:r>
             <a:r>
-              <a:rPr lang="de-DE" sz="1200" b="0" i="0" dirty="0" err="1" smtClean="0">
+              <a:rPr lang="de-DE" sz="1200" b="0" i="0" dirty="0" err="1">
                 <a:solidFill>
                   <a:srgbClr val="003063"/>
                 </a:solidFill>
@@ -13473,7 +13384,7 @@
               <a:t>OpenSource</a:t>
             </a:r>
             <a:r>
-              <a:rPr lang="de-DE" sz="1200" b="0" i="0" dirty="0" smtClean="0">
+              <a:rPr lang="de-DE" sz="1200" b="0" i="0" dirty="0">
                 <a:solidFill>
                   <a:srgbClr val="003063"/>
                 </a:solidFill>
@@ -13483,7 +13394,7 @@
               <a:t>-Projekt und basiert als solches auf einer Vielzahl von anderen </a:t>
             </a:r>
             <a:r>
-              <a:rPr lang="de-DE" sz="1200" dirty="0" err="1" smtClean="0">
+              <a:rPr lang="de-DE" sz="1200" dirty="0" err="1">
                 <a:solidFill>
                   <a:srgbClr val="003063"/>
                 </a:solidFill>
@@ -13493,7 +13404,7 @@
               <a:t>O</a:t>
             </a:r>
             <a:r>
-              <a:rPr lang="de-DE" sz="1200" b="0" i="0" dirty="0" err="1" smtClean="0">
+              <a:rPr lang="de-DE" sz="1200" b="0" i="0" dirty="0" err="1">
                 <a:solidFill>
                   <a:srgbClr val="003063"/>
                 </a:solidFill>
@@ -13503,7 +13414,7 @@
               <a:t>penSource</a:t>
             </a:r>
             <a:r>
-              <a:rPr lang="de-DE" sz="1200" b="0" i="0" dirty="0" smtClean="0">
+              <a:rPr lang="de-DE" sz="1200" b="0" i="0" dirty="0">
                 <a:solidFill>
                   <a:srgbClr val="003063"/>
                 </a:solidFill>
@@ -13515,7 +13426,7 @@
           </a:p>
           <a:p>
             <a:r>
-              <a:rPr lang="de-DE" sz="1200" b="0" i="0" dirty="0" smtClean="0">
+              <a:rPr lang="de-DE" sz="1200" b="0" i="0" dirty="0">
                 <a:solidFill>
                   <a:srgbClr val="003063"/>
                 </a:solidFill>
@@ -13525,7 +13436,7 @@
               <a:t>Im Vordergrund stehen bei uns </a:t>
             </a:r>
             <a:r>
-              <a:rPr lang="de-DE" sz="1200" dirty="0" smtClean="0">
+              <a:rPr lang="de-DE" sz="1200" dirty="0">
                 <a:solidFill>
                   <a:srgbClr val="003063"/>
                 </a:solidFill>
@@ -13535,17 +13446,17 @@
               <a:t>u.a. </a:t>
             </a:r>
             <a:r>
-              <a:rPr lang="de-DE" sz="1200" b="0" i="0" dirty="0" smtClean="0">
+              <a:rPr lang="de-DE" sz="1200" b="0" i="0" dirty="0">
                 <a:solidFill>
                   <a:srgbClr val="003063"/>
                 </a:solidFill>
                 <a:latin typeface="HamburgSans"/>
                 <a:cs typeface="HamburgSans"/>
               </a:rPr>
-              <a:t>die Bewertung der Stabilität, Nachhaltigkeit, Dokumentation und Community von anderen Projekten um ein möglichst stabiles Produkt zu gewährleisten. Da die Integration einer neuen Bibliothek in den </a:t>
-            </a:r>
-            <a:r>
-              <a:rPr lang="de-DE" sz="1200" b="0" i="0" dirty="0" err="1" smtClean="0">
+              <a:t>die Bewertung der Lizenzbedingungen, Stabilität, Nachhaltigkeit, Dokumentation und Community von anderen Projekten um ein möglichst stabiles Produkt zu gewährleisten. Da die Integration einer neuen Bibliothek in den </a:t>
+            </a:r>
+            <a:r>
+              <a:rPr lang="de-DE" sz="1200" b="0" i="0" dirty="0" err="1">
                 <a:solidFill>
                   <a:srgbClr val="003063"/>
                 </a:solidFill>
@@ -13555,7 +13466,7 @@
               <a:t>Softwarestack</a:t>
             </a:r>
             <a:r>
-              <a:rPr lang="de-DE" sz="1200" b="0" i="0" dirty="0" smtClean="0">
+              <a:rPr lang="de-DE" sz="1200" b="0" i="0" dirty="0">
                 <a:solidFill>
                   <a:srgbClr val="003063"/>
                 </a:solidFill>
@@ -13576,7 +13487,7 @@
           </a:p>
           <a:p>
             <a:r>
-              <a:rPr lang="de-DE" sz="1200" b="0" i="0" dirty="0" smtClean="0">
+              <a:rPr lang="de-DE" sz="1200" b="0" i="0" dirty="0">
                 <a:solidFill>
                   <a:srgbClr val="003063"/>
                 </a:solidFill>
@@ -13595,20 +13506,10 @@
                 <a:latin typeface="HamburgSans"/>
                 <a:cs typeface="HamburgSans"/>
               </a:rPr>
-              <a:t>	</a:t>
-            </a:r>
-            <a:r>
-              <a:rPr lang="de-DE" sz="1200" dirty="0" smtClean="0">
-                <a:solidFill>
-                  <a:srgbClr val="003063"/>
-                </a:solidFill>
-                <a:latin typeface="HamburgSans"/>
-                <a:cs typeface="HamburgSans"/>
-              </a:rPr>
-              <a:t>1. Prüfen ob der vorhandene </a:t>
-            </a:r>
-            <a:r>
-              <a:rPr lang="de-DE" sz="1200" dirty="0" err="1" smtClean="0">
+              <a:t>	1. Prüfen ob der vorhandene </a:t>
+            </a:r>
+            <a:r>
+              <a:rPr lang="de-DE" sz="1200" dirty="0" err="1">
                 <a:solidFill>
                   <a:srgbClr val="003063"/>
                 </a:solidFill>
@@ -13618,7 +13519,7 @@
               <a:t>Softwarestack</a:t>
             </a:r>
             <a:r>
-              <a:rPr lang="de-DE" sz="1200" dirty="0" smtClean="0">
+              <a:rPr lang="de-DE" sz="1200" dirty="0">
                 <a:solidFill>
                   <a:srgbClr val="003063"/>
                 </a:solidFill>
@@ -13628,7 +13529,7 @@
               <a:t> (</a:t>
             </a:r>
             <a:r>
-              <a:rPr lang="de-DE" sz="1200" dirty="0" err="1" smtClean="0">
+              <a:rPr lang="de-DE" sz="1200" dirty="0" err="1">
                 <a:solidFill>
                   <a:srgbClr val="003063"/>
                 </a:solidFill>
@@ -13638,7 +13539,7 @@
               <a:t>package.json</a:t>
             </a:r>
             <a:r>
-              <a:rPr lang="de-DE" sz="1200" dirty="0" smtClean="0">
+              <a:rPr lang="de-DE" sz="1200" dirty="0">
                 <a:solidFill>
                   <a:srgbClr val="003063"/>
                 </a:solidFill>
@@ -13657,64 +13558,34 @@
                 <a:latin typeface="HamburgSans"/>
                 <a:cs typeface="HamburgSans"/>
               </a:rPr>
-              <a:t>	 </a:t>
-            </a:r>
-            <a:r>
-              <a:rPr lang="de-DE" sz="1200" dirty="0" smtClean="0">
+              <a:t>	    vorliegende Aufgabe ausgeführt werden kann. Wenn ja muss diese genutzt werden.</a:t>
+            </a:r>
+          </a:p>
+          <a:p>
+            <a:r>
+              <a:rPr lang="de-DE" sz="1200" b="0" i="0" dirty="0">
                 <a:solidFill>
                   <a:srgbClr val="003063"/>
                 </a:solidFill>
                 <a:latin typeface="HamburgSans"/>
                 <a:cs typeface="HamburgSans"/>
               </a:rPr>
-              <a:t>   vorliegende Aufgabe ausgeführt werden kann. Wenn ja muss diese genutzt werden.</a:t>
+              <a:t>	2. Wenn zur Bewältigung der Aufgabe keine Bibliothek vorliegt, soll eine kleine Marktrecherche betrieben 		    werden und die Ergebnisse in den folgenden Seiten dokumentiert werden. Das Dokument soll dem </a:t>
             </a:r>
           </a:p>
           <a:p>
             <a:r>
-              <a:rPr lang="de-DE" sz="1200" b="0" i="0" dirty="0">
+              <a:rPr lang="de-DE" sz="1200" dirty="0">
                 <a:solidFill>
                   <a:srgbClr val="003063"/>
                 </a:solidFill>
                 <a:latin typeface="HamburgSans"/>
                 <a:cs typeface="HamburgSans"/>
               </a:rPr>
-              <a:t>	</a:t>
-            </a:r>
-            <a:r>
-              <a:rPr lang="de-DE" sz="1200" b="0" i="0" dirty="0" smtClean="0">
-                <a:solidFill>
-                  <a:srgbClr val="003063"/>
-                </a:solidFill>
-                <a:latin typeface="HamburgSans"/>
-                <a:cs typeface="HamburgSans"/>
-              </a:rPr>
-              <a:t>2. Wenn zur Bewältigung der Aufgabe keine Bibliothek vorliegt, soll eine kleine Marktrecherche betrieben 		    werden und die Ergebnisse in den folgenden Seiten dokumentiert werden. Das Dokument soll dem </a:t>
-            </a:r>
-          </a:p>
-          <a:p>
-            <a:r>
-              <a:rPr lang="de-DE" sz="1200" dirty="0">
-                <a:solidFill>
-                  <a:srgbClr val="003063"/>
-                </a:solidFill>
-                <a:latin typeface="HamburgSans"/>
-                <a:cs typeface="HamburgSans"/>
-              </a:rPr>
-              <a:t>	</a:t>
-            </a:r>
-            <a:r>
-              <a:rPr lang="de-DE" sz="1200" dirty="0" smtClean="0">
-                <a:solidFill>
-                  <a:srgbClr val="003063"/>
-                </a:solidFill>
-                <a:latin typeface="HamburgSans"/>
-                <a:cs typeface="HamburgSans"/>
-              </a:rPr>
-              <a:t>    </a:t>
-            </a:r>
-            <a:r>
-              <a:rPr lang="de-DE" sz="1200" b="0" i="0" dirty="0" err="1" smtClean="0">
+              <a:t>	    </a:t>
+            </a:r>
+            <a:r>
+              <a:rPr lang="de-DE" sz="1200" b="0" i="0" dirty="0" err="1">
                 <a:solidFill>
                   <a:srgbClr val="003063"/>
                 </a:solidFill>
@@ -13724,18 +13595,42 @@
               <a:t>PullRequest</a:t>
             </a:r>
             <a:r>
-              <a:rPr lang="de-DE" sz="1200" b="0" i="0" dirty="0" smtClean="0">
+              <a:rPr lang="de-DE" sz="1200" b="0" i="0" dirty="0">
                 <a:solidFill>
                   <a:srgbClr val="003063"/>
                 </a:solidFill>
                 <a:latin typeface="HamburgSans"/>
                 <a:cs typeface="HamburgSans"/>
               </a:rPr>
-              <a:t> beigelegt werden. </a:t>
+              <a:t> beigelegt werden.</a:t>
             </a:r>
           </a:p>
           <a:p>
-            <a:endParaRPr lang="de-DE" sz="1200" b="0" i="0" dirty="0" smtClean="0">
+            <a:r>
+              <a:rPr lang="de-DE" sz="1200" dirty="0">
+                <a:solidFill>
+                  <a:srgbClr val="003063"/>
+                </a:solidFill>
+                <a:latin typeface="HamburgSans"/>
+                <a:cs typeface="HamburgSans"/>
+              </a:rPr>
+              <a:t>		2.1 	Der Masterportal Code ist unter der MIT-Lizenz veröffentlicht. Bitte beachten Sie bei der Auswahl 			ihrer Bibliotheken auf deren Lizenz-Kompatibilität. Kompatibel ist z. B. MIT, Apache 2.0,… . </a:t>
+            </a:r>
+          </a:p>
+          <a:p>
+            <a:r>
+              <a:rPr lang="de-DE" sz="1200" dirty="0">
+                <a:solidFill>
+                  <a:srgbClr val="003063"/>
+                </a:solidFill>
+                <a:latin typeface="HamburgSans"/>
+                <a:cs typeface="HamburgSans"/>
+              </a:rPr>
+              <a:t>			Eine Softwarebibliothek mit nicht kompatibler Lizenz verhindert die Übernahme in das 					Masterportal Projekt.</a:t>
+            </a:r>
+          </a:p>
+          <a:p>
+            <a:endParaRPr lang="de-DE" sz="1200" b="0" i="0" dirty="0">
               <a:solidFill>
                 <a:srgbClr val="003063"/>
               </a:solidFill>
@@ -13744,17 +13639,26 @@
             </a:endParaRPr>
           </a:p>
           <a:p>
-            <a:r>
-              <a:rPr lang="de-DE" sz="1200" b="0" i="0" dirty="0" smtClean="0">
+            <a:endParaRPr lang="de-DE" sz="1200" b="0" i="0" dirty="0">
+              <a:solidFill>
+                <a:srgbClr val="003063"/>
+              </a:solidFill>
+              <a:latin typeface="HamburgSans"/>
+              <a:cs typeface="HamburgSans"/>
+            </a:endParaRPr>
+          </a:p>
+          <a:p>
+            <a:r>
+              <a:rPr lang="de-DE" sz="1200" b="0" i="0" dirty="0">
                 <a:solidFill>
                   <a:srgbClr val="003063"/>
                 </a:solidFill>
                 <a:latin typeface="HamburgSans"/>
                 <a:cs typeface="HamburgSans"/>
               </a:rPr>
-              <a:t>Es ist zu empfehlen, sich im Vorfeld mit dem Produktmanagement Masterportal kurz abzustimmen um Erfahrungen ggf. schon austauschen zu können. </a:t>
-            </a:r>
-            <a:endParaRPr lang="de-DE" sz="800" b="0" i="0" dirty="0" smtClean="0">
+              <a:t>Es ist zu empfehlen, sich im Vorfeld mit dem Produktmanagement Masterportal kurz abzustimmen, um Erfahrungen ggf. schon austauschen zu können. </a:t>
+            </a:r>
+            <a:endParaRPr lang="de-DE" sz="800" b="0" i="0" dirty="0">
               <a:solidFill>
                 <a:srgbClr val="003063"/>
               </a:solidFill>
@@ -13774,13 +13678,6 @@
   <p:clrMapOvr>
     <a:masterClrMapping/>
   </p:clrMapOvr>
-  <p:timing>
-    <p:tnLst>
-      <p:par>
-        <p:cTn id="1" dur="indefinite" restart="never" nodeType="tmRoot"/>
-      </p:par>
-    </p:tnLst>
-  </p:timing>
 </p:sld>
 </file>
 
@@ -13817,10 +13714,9 @@
           <a:lstStyle/>
           <a:p>
             <a:r>
-              <a:rPr lang="de-DE" dirty="0" smtClean="0"/>
+              <a:rPr lang="de-DE" dirty="0"/>
               <a:t>Vergleich Bibliotheken</a:t>
             </a:r>
-            <a:endParaRPr lang="de-DE" dirty="0"/>
           </a:p>
         </p:txBody>
       </p:sp>
@@ -13834,7 +13730,7 @@
             <p:ph sz="half" idx="2"/>
             <p:extLst>
               <p:ext uri="{D42A27DB-BD31-4B8C-83A1-F6EECF244321}">
-                <p14:modId xmlns:p14="http://schemas.microsoft.com/office/powerpoint/2010/main" val="2846771671"/>
+                <p14:modId xmlns:p14="http://schemas.microsoft.com/office/powerpoint/2010/main" val="3914208339"/>
               </p:ext>
             </p:extLst>
           </p:nvPr>
@@ -13850,11 +13746,41 @@
                 <a:tableStyleId>{5C22544A-7EE6-4342-B048-85BDC9FD1C3A}</a:tableStyleId>
               </a:tblPr>
               <a:tblGrid>
-                <a:gridCol w="2001493"/>
-                <a:gridCol w="1569032"/>
-                <a:gridCol w="1577201"/>
-                <a:gridCol w="1504853"/>
-                <a:gridCol w="1562733"/>
+                <a:gridCol w="2001493">
+                  <a:extLst>
+                    <a:ext uri="{9D8B030D-6E8A-4147-A177-3AD203B41FA5}">
+                      <a16:colId xmlns:a16="http://schemas.microsoft.com/office/drawing/2014/main" val="20000"/>
+                    </a:ext>
+                  </a:extLst>
+                </a:gridCol>
+                <a:gridCol w="1569032">
+                  <a:extLst>
+                    <a:ext uri="{9D8B030D-6E8A-4147-A177-3AD203B41FA5}">
+                      <a16:colId xmlns:a16="http://schemas.microsoft.com/office/drawing/2014/main" val="20001"/>
+                    </a:ext>
+                  </a:extLst>
+                </a:gridCol>
+                <a:gridCol w="1577201">
+                  <a:extLst>
+                    <a:ext uri="{9D8B030D-6E8A-4147-A177-3AD203B41FA5}">
+                      <a16:colId xmlns:a16="http://schemas.microsoft.com/office/drawing/2014/main" val="20002"/>
+                    </a:ext>
+                  </a:extLst>
+                </a:gridCol>
+                <a:gridCol w="1504853">
+                  <a:extLst>
+                    <a:ext uri="{9D8B030D-6E8A-4147-A177-3AD203B41FA5}">
+                      <a16:colId xmlns:a16="http://schemas.microsoft.com/office/drawing/2014/main" val="20003"/>
+                    </a:ext>
+                  </a:extLst>
+                </a:gridCol>
+                <a:gridCol w="1562733">
+                  <a:extLst>
+                    <a:ext uri="{9D8B030D-6E8A-4147-A177-3AD203B41FA5}">
+                      <a16:colId xmlns:a16="http://schemas.microsoft.com/office/drawing/2014/main" val="20004"/>
+                    </a:ext>
+                  </a:extLst>
+                </a:gridCol>
               </a:tblGrid>
               <a:tr h="439262">
                 <a:tc>
@@ -13863,10 +13789,9 @@
                     <a:lstStyle/>
                     <a:p>
                       <a:r>
-                        <a:rPr lang="de-DE" sz="1100" dirty="0" smtClean="0"/>
+                        <a:rPr lang="de-DE" sz="1100" dirty="0"/>
                         <a:t>Bibliothek</a:t>
                       </a:r>
-                      <a:endParaRPr lang="de-DE" sz="1100" dirty="0"/>
                     </a:p>
                   </a:txBody>
                   <a:tcPr/>
@@ -13911,6 +13836,11 @@
                   </a:txBody>
                   <a:tcPr/>
                 </a:tc>
+                <a:extLst>
+                  <a:ext uri="{0D108BD9-81ED-4DB2-BD59-A6C34878D82A}">
+                    <a16:rowId xmlns:a16="http://schemas.microsoft.com/office/drawing/2014/main" val="10000"/>
+                  </a:ext>
+                </a:extLst>
               </a:tr>
               <a:tr h="351410">
                 <a:tc>
@@ -13919,10 +13849,9 @@
                     <a:lstStyle/>
                     <a:p>
                       <a:r>
-                        <a:rPr lang="de-DE" sz="1100" dirty="0" smtClean="0"/>
-                        <a:t>Lizenz</a:t>
+                        <a:rPr lang="de-DE" sz="1100" dirty="0"/>
+                        <a:t>Lizenz*</a:t>
                       </a:r>
-                      <a:endParaRPr lang="de-DE" sz="1100" dirty="0"/>
                     </a:p>
                   </a:txBody>
                   <a:tcPr/>
@@ -13959,7 +13888,7 @@
                         <a:tabLst/>
                         <a:defRPr/>
                       </a:pPr>
-                      <a:endParaRPr lang="de-DE" sz="1100" dirty="0" smtClean="0"/>
+                      <a:endParaRPr lang="de-DE" sz="1100" dirty="0"/>
                     </a:p>
                   </a:txBody>
                   <a:tcPr/>
@@ -13984,6 +13913,11 @@
                   </a:txBody>
                   <a:tcPr/>
                 </a:tc>
+                <a:extLst>
+                  <a:ext uri="{0D108BD9-81ED-4DB2-BD59-A6C34878D82A}">
+                    <a16:rowId xmlns:a16="http://schemas.microsoft.com/office/drawing/2014/main" val="10001"/>
+                  </a:ext>
+                </a:extLst>
               </a:tr>
               <a:tr h="497830">
                 <a:tc>
@@ -13992,15 +13926,15 @@
                     <a:lstStyle/>
                     <a:p>
                       <a:r>
-                        <a:rPr lang="de-DE" sz="1100" dirty="0" smtClean="0"/>
+                        <a:rPr lang="de-DE" sz="1100" dirty="0"/>
                         <a:t>Anzahl</a:t>
                       </a:r>
                       <a:r>
-                        <a:rPr lang="de-DE" sz="1100" baseline="0" dirty="0" smtClean="0"/>
+                        <a:rPr lang="de-DE" sz="1100" baseline="0" dirty="0"/>
                         <a:t> </a:t>
                       </a:r>
                       <a:r>
-                        <a:rPr lang="de-DE" sz="1100" baseline="0" dirty="0" err="1" smtClean="0"/>
+                        <a:rPr lang="de-DE" sz="1100" baseline="0" dirty="0" err="1"/>
                         <a:t>Contributors</a:t>
                       </a:r>
                       <a:endParaRPr lang="de-DE" sz="1100" dirty="0"/>
@@ -14048,6 +13982,11 @@
                   </a:txBody>
                   <a:tcPr/>
                 </a:tc>
+                <a:extLst>
+                  <a:ext uri="{0D108BD9-81ED-4DB2-BD59-A6C34878D82A}">
+                    <a16:rowId xmlns:a16="http://schemas.microsoft.com/office/drawing/2014/main" val="10002"/>
+                  </a:ext>
+                </a:extLst>
               </a:tr>
               <a:tr h="351410">
                 <a:tc>
@@ -14056,11 +13995,11 @@
                     <a:lstStyle/>
                     <a:p>
                       <a:r>
-                        <a:rPr lang="de-DE" sz="1100" dirty="0" err="1" smtClean="0"/>
+                        <a:rPr lang="de-DE" sz="1100" dirty="0" err="1"/>
                         <a:t>GitHub</a:t>
                       </a:r>
                       <a:r>
-                        <a:rPr lang="de-DE" sz="1100" dirty="0" smtClean="0"/>
+                        <a:rPr lang="de-DE" sz="1100" dirty="0"/>
                         <a:t> Stars</a:t>
                       </a:r>
                     </a:p>
@@ -14107,6 +14046,11 @@
                   </a:txBody>
                   <a:tcPr/>
                 </a:tc>
+                <a:extLst>
+                  <a:ext uri="{0D108BD9-81ED-4DB2-BD59-A6C34878D82A}">
+                    <a16:rowId xmlns:a16="http://schemas.microsoft.com/office/drawing/2014/main" val="10003"/>
+                  </a:ext>
+                </a:extLst>
               </a:tr>
               <a:tr h="702821">
                 <a:tc>
@@ -14115,30 +14059,25 @@
                     <a:lstStyle/>
                     <a:p>
                       <a:r>
-                        <a:rPr lang="de-DE" sz="1100" dirty="0" smtClean="0"/>
+                        <a:rPr lang="de-DE" sz="1100" dirty="0"/>
                         <a:t>Anzahl </a:t>
                       </a:r>
                       <a:r>
-                        <a:rPr lang="de-DE" sz="1100" dirty="0" err="1" smtClean="0"/>
+                        <a:rPr lang="de-DE" sz="1100" dirty="0" err="1"/>
                         <a:t>Closed</a:t>
                       </a:r>
                       <a:r>
-                        <a:rPr lang="de-DE" sz="1100" dirty="0" smtClean="0"/>
+                        <a:rPr lang="de-DE" sz="1100" dirty="0"/>
                         <a:t> </a:t>
                       </a:r>
                       <a:r>
-                        <a:rPr lang="de-DE" sz="1100" dirty="0" err="1" smtClean="0"/>
+                        <a:rPr lang="de-DE" sz="1100" dirty="0" err="1"/>
                         <a:t>Issues</a:t>
                       </a:r>
                       <a:r>
-                        <a:rPr lang="de-DE" sz="1100" dirty="0" smtClean="0"/>
-                        <a:t> im </a:t>
+                        <a:rPr lang="de-DE" sz="1100" dirty="0"/>
+                        <a:t> im letzten Monat</a:t>
                       </a:r>
-                      <a:r>
-                        <a:rPr lang="de-DE" sz="1100" dirty="0" smtClean="0"/>
-                        <a:t>letzten Monat</a:t>
-                      </a:r>
-                      <a:endParaRPr lang="de-DE" sz="1100" dirty="0" smtClean="0"/>
                     </a:p>
                   </a:txBody>
                   <a:tcPr/>
@@ -14183,6 +14122,11 @@
                   </a:txBody>
                   <a:tcPr/>
                 </a:tc>
+                <a:extLst>
+                  <a:ext uri="{0D108BD9-81ED-4DB2-BD59-A6C34878D82A}">
+                    <a16:rowId xmlns:a16="http://schemas.microsoft.com/office/drawing/2014/main" val="10004"/>
+                  </a:ext>
+                </a:extLst>
               </a:tr>
               <a:tr h="702821">
                 <a:tc>
@@ -14208,38 +14152,33 @@
                         <a:defRPr/>
                       </a:pPr>
                       <a:r>
-                        <a:rPr lang="de-DE" sz="1100" dirty="0" smtClean="0"/>
+                        <a:rPr lang="de-DE" sz="1100" dirty="0"/>
                         <a:t>Anzahl </a:t>
                       </a:r>
                       <a:r>
-                        <a:rPr lang="de-DE" sz="1100" dirty="0" err="1" smtClean="0"/>
+                        <a:rPr lang="de-DE" sz="1100" dirty="0" err="1"/>
                         <a:t>Active</a:t>
                       </a:r>
                       <a:r>
-                        <a:rPr lang="de-DE" sz="1100" dirty="0" smtClean="0"/>
+                        <a:rPr lang="de-DE" sz="1100" dirty="0"/>
                         <a:t> </a:t>
                       </a:r>
                       <a:r>
-                        <a:rPr lang="de-DE" sz="1100" dirty="0" err="1" smtClean="0"/>
+                        <a:rPr lang="de-DE" sz="1100" dirty="0" err="1"/>
                         <a:t>Issues</a:t>
                       </a:r>
                       <a:r>
-                        <a:rPr lang="de-DE" sz="1100" dirty="0" smtClean="0"/>
-                        <a:t> </a:t>
+                        <a:rPr lang="de-DE" sz="1100" dirty="0"/>
+                        <a:t> im </a:t>
                       </a:r>
                       <a:r>
-                        <a:rPr lang="de-DE" sz="1100" dirty="0" smtClean="0"/>
-                        <a:t>im </a:t>
-                      </a:r>
-                      <a:r>
-                        <a:rPr lang="de-DE" sz="1100" dirty="0" err="1" smtClean="0"/>
+                        <a:rPr lang="de-DE" sz="1100" dirty="0" err="1"/>
                         <a:t>letzen</a:t>
                       </a:r>
                       <a:r>
-                        <a:rPr lang="de-DE" sz="1100" dirty="0" smtClean="0"/>
+                        <a:rPr lang="de-DE" sz="1100" dirty="0"/>
                         <a:t> Monat</a:t>
                       </a:r>
-                      <a:endParaRPr lang="de-DE" sz="1100" dirty="0" smtClean="0"/>
                     </a:p>
                   </a:txBody>
                   <a:tcPr/>
@@ -14284,6 +14223,11 @@
                   </a:txBody>
                   <a:tcPr/>
                 </a:tc>
+                <a:extLst>
+                  <a:ext uri="{0D108BD9-81ED-4DB2-BD59-A6C34878D82A}">
+                    <a16:rowId xmlns:a16="http://schemas.microsoft.com/office/drawing/2014/main" val="10005"/>
+                  </a:ext>
+                </a:extLst>
               </a:tr>
               <a:tr h="706973">
                 <a:tc>
@@ -14309,18 +14253,18 @@
                         <a:defRPr/>
                       </a:pPr>
                       <a:r>
-                        <a:rPr lang="de-DE" sz="1100" dirty="0" smtClean="0"/>
+                        <a:rPr lang="de-DE" sz="1100" dirty="0"/>
                         <a:t>Anzahl von Fragen mit dem entsprechenden Produkt-tag</a:t>
                       </a:r>
                       <a:r>
-                        <a:rPr lang="de-DE" sz="1100" baseline="0" dirty="0" smtClean="0"/>
+                        <a:rPr lang="de-DE" sz="1100" baseline="0" dirty="0"/>
                         <a:t> bei </a:t>
                       </a:r>
                       <a:r>
-                        <a:rPr lang="de-DE" sz="1100" baseline="0" dirty="0" err="1" smtClean="0"/>
+                        <a:rPr lang="de-DE" sz="1100" baseline="0" dirty="0" err="1"/>
                         <a:t>stackoverflow</a:t>
                       </a:r>
-                      <a:endParaRPr lang="de-DE" sz="1100" dirty="0" smtClean="0"/>
+                      <a:endParaRPr lang="de-DE" sz="1100" dirty="0"/>
                     </a:p>
                   </a:txBody>
                   <a:tcPr/>
@@ -14365,6 +14309,11 @@
                   </a:txBody>
                   <a:tcPr/>
                 </a:tc>
+                <a:extLst>
+                  <a:ext uri="{0D108BD9-81ED-4DB2-BD59-A6C34878D82A}">
+                    <a16:rowId xmlns:a16="http://schemas.microsoft.com/office/drawing/2014/main" val="10006"/>
+                  </a:ext>
+                </a:extLst>
               </a:tr>
               <a:tr h="351410">
                 <a:tc>
@@ -14390,7 +14339,7 @@
                         <a:defRPr/>
                       </a:pPr>
                       <a:r>
-                        <a:rPr lang="de-DE" sz="1100" dirty="0" smtClean="0"/>
+                        <a:rPr lang="de-DE" sz="1100" dirty="0"/>
                         <a:t>Größe Package</a:t>
                       </a:r>
                     </a:p>
@@ -14437,6 +14386,11 @@
                   </a:txBody>
                   <a:tcPr/>
                 </a:tc>
+                <a:extLst>
+                  <a:ext uri="{0D108BD9-81ED-4DB2-BD59-A6C34878D82A}">
+                    <a16:rowId xmlns:a16="http://schemas.microsoft.com/office/drawing/2014/main" val="10007"/>
+                  </a:ext>
+                </a:extLst>
               </a:tr>
             </a:tbl>
           </a:graphicData>
@@ -14451,7 +14405,7 @@
         <p:spPr>
           <a:xfrm>
             <a:off x="385764" y="5396250"/>
-            <a:ext cx="7853359" cy="215444"/>
+            <a:ext cx="7853359" cy="830997"/>
           </a:xfrm>
           <a:prstGeom prst="rect">
             <a:avLst/>
@@ -14465,22 +14419,72 @@
           <a:lstStyle/>
           <a:p>
             <a:r>
-              <a:rPr lang="de-DE" sz="800" b="0" i="0" dirty="0" smtClean="0">
+              <a:rPr lang="de-DE" sz="800" b="0" i="0" dirty="0">
                 <a:solidFill>
                   <a:srgbClr val="003063"/>
                 </a:solidFill>
                 <a:latin typeface="HamburgSans"/>
                 <a:cs typeface="HamburgSans"/>
               </a:rPr>
-              <a:t>Hinweis: Hier sollen 3 bis 4 Bibliotheken bezüglich Nachhaltigkeit, Verbreitung, Community etc. verglichen werden. </a:t>
-            </a:r>
-            <a:endParaRPr lang="de-DE" sz="800" b="0" i="0" dirty="0" smtClean="0">
+              <a:t>Hinweis: </a:t>
+            </a:r>
+          </a:p>
+          <a:p>
+            <a:r>
+              <a:rPr lang="de-DE" sz="800" b="0" i="0" dirty="0">
+                <a:solidFill>
+                  <a:srgbClr val="003063"/>
+                </a:solidFill>
+                <a:latin typeface="HamburgSans"/>
+                <a:cs typeface="HamburgSans"/>
+              </a:rPr>
+              <a:t>Hier sollen 3 bis 4 Bibliotheken bezüglich Nachhaltigkeit, Verbreitung, Community etc. verglichen werden.</a:t>
+            </a:r>
+          </a:p>
+          <a:p>
+            <a:endParaRPr lang="de-DE" sz="800" dirty="0">
               <a:solidFill>
                 <a:srgbClr val="003063"/>
               </a:solidFill>
               <a:latin typeface="HamburgSans"/>
               <a:cs typeface="HamburgSans"/>
             </a:endParaRPr>
+          </a:p>
+          <a:p>
+            <a:r>
+              <a:rPr lang="de-DE" sz="800" b="1" i="0" dirty="0">
+                <a:solidFill>
+                  <a:srgbClr val="003063"/>
+                </a:solidFill>
+                <a:latin typeface="HamburgSans"/>
+                <a:cs typeface="HamburgSans"/>
+              </a:rPr>
+              <a:t>*= Der Masterportal Code ist unter der MIT-Lizenz veröffentlicht. Bitte beachten Sie bei der Auswahl ihrer Bibliotheken auf deren Lizenz-Kompatibilität.</a:t>
+            </a:r>
+          </a:p>
+          <a:p>
+            <a:r>
+              <a:rPr lang="de-DE" sz="800" b="1" i="0" dirty="0">
+                <a:solidFill>
+                  <a:srgbClr val="003063"/>
+                </a:solidFill>
+                <a:latin typeface="HamburgSans"/>
+                <a:cs typeface="HamburgSans"/>
+              </a:rPr>
+              <a:t>     Kompatible Lizenzen sind z. B. MIT, Apache 2.0,… . </a:t>
+            </a:r>
+          </a:p>
+          <a:p>
+            <a:r>
+              <a:rPr lang="de-DE" sz="800" b="1" i="0" dirty="0">
+                <a:solidFill>
+                  <a:srgbClr val="003063"/>
+                </a:solidFill>
+                <a:latin typeface="HamburgSans"/>
+                <a:cs typeface="HamburgSans"/>
+              </a:rPr>
+              <a:t>Eine Softwarebibliothek mit nicht kompatibler Lizenz verhindert die Übernahme in das Masterportal Projekt.</a:t>
+            </a:r>
           </a:p>
         </p:txBody>
       </p:sp>
@@ -14494,13 +14498,6 @@
   <p:clrMapOvr>
     <a:masterClrMapping/>
   </p:clrMapOvr>
-  <p:timing>
-    <p:tnLst>
-      <p:par>
-        <p:cTn id="1" dur="indefinite" restart="never" nodeType="tmRoot"/>
-      </p:par>
-    </p:tnLst>
-  </p:timing>
 </p:sld>
 </file>
 
@@ -14537,10 +14534,9 @@
           <a:lstStyle/>
           <a:p>
             <a:r>
-              <a:rPr lang="de-DE" dirty="0" smtClean="0"/>
+              <a:rPr lang="de-DE" dirty="0"/>
               <a:t>Vergleich relevanter Funktionen </a:t>
             </a:r>
-            <a:endParaRPr lang="de-DE" dirty="0"/>
           </a:p>
         </p:txBody>
       </p:sp>
@@ -14570,11 +14566,41 @@
                 <a:tableStyleId>{5C22544A-7EE6-4342-B048-85BDC9FD1C3A}</a:tableStyleId>
               </a:tblPr>
               <a:tblGrid>
-                <a:gridCol w="1986728"/>
-                <a:gridCol w="1467391"/>
-                <a:gridCol w="1557338"/>
-                <a:gridCol w="1512309"/>
-                <a:gridCol w="1630941"/>
+                <a:gridCol w="1986728">
+                  <a:extLst>
+                    <a:ext uri="{9D8B030D-6E8A-4147-A177-3AD203B41FA5}">
+                      <a16:colId xmlns:a16="http://schemas.microsoft.com/office/drawing/2014/main" val="20000"/>
+                    </a:ext>
+                  </a:extLst>
+                </a:gridCol>
+                <a:gridCol w="1467391">
+                  <a:extLst>
+                    <a:ext uri="{9D8B030D-6E8A-4147-A177-3AD203B41FA5}">
+                      <a16:colId xmlns:a16="http://schemas.microsoft.com/office/drawing/2014/main" val="20001"/>
+                    </a:ext>
+                  </a:extLst>
+                </a:gridCol>
+                <a:gridCol w="1557338">
+                  <a:extLst>
+                    <a:ext uri="{9D8B030D-6E8A-4147-A177-3AD203B41FA5}">
+                      <a16:colId xmlns:a16="http://schemas.microsoft.com/office/drawing/2014/main" val="20002"/>
+                    </a:ext>
+                  </a:extLst>
+                </a:gridCol>
+                <a:gridCol w="1512309">
+                  <a:extLst>
+                    <a:ext uri="{9D8B030D-6E8A-4147-A177-3AD203B41FA5}">
+                      <a16:colId xmlns:a16="http://schemas.microsoft.com/office/drawing/2014/main" val="20003"/>
+                    </a:ext>
+                  </a:extLst>
+                </a:gridCol>
+                <a:gridCol w="1630941">
+                  <a:extLst>
+                    <a:ext uri="{9D8B030D-6E8A-4147-A177-3AD203B41FA5}">
+                      <a16:colId xmlns:a16="http://schemas.microsoft.com/office/drawing/2014/main" val="20004"/>
+                    </a:ext>
+                  </a:extLst>
+                </a:gridCol>
               </a:tblGrid>
               <a:tr h="408942">
                 <a:tc>
@@ -14627,6 +14653,11 @@
                   </a:txBody>
                   <a:tcPr/>
                 </a:tc>
+                <a:extLst>
+                  <a:ext uri="{0D108BD9-81ED-4DB2-BD59-A6C34878D82A}">
+                    <a16:rowId xmlns:a16="http://schemas.microsoft.com/office/drawing/2014/main" val="10000"/>
+                  </a:ext>
+                </a:extLst>
               </a:tr>
               <a:tr h="504174">
                 <a:tc>
@@ -14652,12 +14683,8 @@
                         <a:defRPr/>
                       </a:pPr>
                       <a:r>
-                        <a:rPr lang="de-DE" sz="1200" dirty="0" smtClean="0"/>
-                        <a:t>z.B. Kann </a:t>
-                      </a:r>
-                      <a:r>
-                        <a:rPr lang="de-DE" sz="1200" dirty="0" smtClean="0"/>
-                        <a:t>Balkendiagramm horizontal</a:t>
+                        <a:rPr lang="de-DE" sz="1200" dirty="0"/>
+                        <a:t>z.B. Kann Balkendiagramm horizontal</a:t>
                       </a:r>
                     </a:p>
                   </a:txBody>
@@ -14669,10 +14696,9 @@
                     <a:lstStyle/>
                     <a:p>
                       <a:r>
-                        <a:rPr lang="de-DE" dirty="0" smtClean="0"/>
+                        <a:rPr lang="de-DE" dirty="0"/>
                         <a:t>ja</a:t>
                       </a:r>
-                      <a:endParaRPr lang="de-DE" dirty="0"/>
                     </a:p>
                   </a:txBody>
                   <a:tcPr/>
@@ -14700,7 +14726,7 @@
                         <a:defRPr/>
                       </a:pPr>
                       <a:r>
-                        <a:rPr lang="de-DE" dirty="0" smtClean="0"/>
+                        <a:rPr lang="de-DE" dirty="0"/>
                         <a:t>ja</a:t>
                       </a:r>
                     </a:p>
@@ -14713,10 +14739,9 @@
                     <a:lstStyle/>
                     <a:p>
                       <a:r>
-                        <a:rPr lang="de-DE" dirty="0" smtClean="0"/>
+                        <a:rPr lang="de-DE" dirty="0"/>
                         <a:t>nein</a:t>
                       </a:r>
-                      <a:endParaRPr lang="de-DE" dirty="0"/>
                     </a:p>
                   </a:txBody>
                   <a:tcPr/>
@@ -14727,14 +14752,18 @@
                     <a:lstStyle/>
                     <a:p>
                       <a:r>
-                        <a:rPr lang="de-DE" dirty="0" smtClean="0"/>
+                        <a:rPr lang="de-DE" dirty="0"/>
                         <a:t>ja</a:t>
                       </a:r>
-                      <a:endParaRPr lang="de-DE" dirty="0"/>
                     </a:p>
                   </a:txBody>
                   <a:tcPr/>
                 </a:tc>
+                <a:extLst>
+                  <a:ext uri="{0D108BD9-81ED-4DB2-BD59-A6C34878D82A}">
+                    <a16:rowId xmlns:a16="http://schemas.microsoft.com/office/drawing/2014/main" val="10001"/>
+                  </a:ext>
+                </a:extLst>
               </a:tr>
               <a:tr h="408942">
                 <a:tc>
@@ -14759,7 +14788,7 @@
                         <a:tabLst/>
                         <a:defRPr/>
                       </a:pPr>
-                      <a:endParaRPr lang="de-DE" sz="1200" dirty="0" smtClean="0"/>
+                      <a:endParaRPr lang="de-DE" sz="1200" dirty="0"/>
                     </a:p>
                   </a:txBody>
                   <a:tcPr/>
@@ -14804,6 +14833,11 @@
                   </a:txBody>
                   <a:tcPr/>
                 </a:tc>
+                <a:extLst>
+                  <a:ext uri="{0D108BD9-81ED-4DB2-BD59-A6C34878D82A}">
+                    <a16:rowId xmlns:a16="http://schemas.microsoft.com/office/drawing/2014/main" val="10002"/>
+                  </a:ext>
+                </a:extLst>
               </a:tr>
               <a:tr h="408942">
                 <a:tc>
@@ -14828,7 +14862,7 @@
                         <a:tabLst/>
                         <a:defRPr/>
                       </a:pPr>
-                      <a:endParaRPr lang="de-DE" sz="1200" dirty="0" smtClean="0"/>
+                      <a:endParaRPr lang="de-DE" sz="1200" dirty="0"/>
                     </a:p>
                   </a:txBody>
                   <a:tcPr/>
@@ -14873,6 +14907,11 @@
                   </a:txBody>
                   <a:tcPr/>
                 </a:tc>
+                <a:extLst>
+                  <a:ext uri="{0D108BD9-81ED-4DB2-BD59-A6C34878D82A}">
+                    <a16:rowId xmlns:a16="http://schemas.microsoft.com/office/drawing/2014/main" val="10003"/>
+                  </a:ext>
+                </a:extLst>
               </a:tr>
               <a:tr h="408942">
                 <a:tc>
@@ -14925,6 +14964,11 @@
                   </a:txBody>
                   <a:tcPr/>
                 </a:tc>
+                <a:extLst>
+                  <a:ext uri="{0D108BD9-81ED-4DB2-BD59-A6C34878D82A}">
+                    <a16:rowId xmlns:a16="http://schemas.microsoft.com/office/drawing/2014/main" val="10004"/>
+                  </a:ext>
+                </a:extLst>
               </a:tr>
               <a:tr h="408942">
                 <a:tc>
@@ -14977,6 +15021,11 @@
                   </a:txBody>
                   <a:tcPr/>
                 </a:tc>
+                <a:extLst>
+                  <a:ext uri="{0D108BD9-81ED-4DB2-BD59-A6C34878D82A}">
+                    <a16:rowId xmlns:a16="http://schemas.microsoft.com/office/drawing/2014/main" val="10005"/>
+                  </a:ext>
+                </a:extLst>
               </a:tr>
               <a:tr h="408942">
                 <a:tc>
@@ -15029,6 +15078,11 @@
                   </a:txBody>
                   <a:tcPr/>
                 </a:tc>
+                <a:extLst>
+                  <a:ext uri="{0D108BD9-81ED-4DB2-BD59-A6C34878D82A}">
+                    <a16:rowId xmlns:a16="http://schemas.microsoft.com/office/drawing/2014/main" val="10006"/>
+                  </a:ext>
+                </a:extLst>
               </a:tr>
               <a:tr h="408942">
                 <a:tc>
@@ -15081,6 +15135,11 @@
                   </a:txBody>
                   <a:tcPr/>
                 </a:tc>
+                <a:extLst>
+                  <a:ext uri="{0D108BD9-81ED-4DB2-BD59-A6C34878D82A}">
+                    <a16:rowId xmlns:a16="http://schemas.microsoft.com/office/drawing/2014/main" val="10007"/>
+                  </a:ext>
+                </a:extLst>
               </a:tr>
             </a:tbl>
           </a:graphicData>
@@ -15109,7 +15168,7 @@
           <a:lstStyle/>
           <a:p>
             <a:r>
-              <a:rPr lang="de-DE" sz="800" b="0" i="0" dirty="0" smtClean="0">
+              <a:rPr lang="de-DE" sz="800" b="0" i="0" dirty="0">
                 <a:solidFill>
                   <a:srgbClr val="003063"/>
                 </a:solidFill>
@@ -15118,13 +15177,6 @@
               </a:rPr>
               <a:t>Hinweis: Hier soll der Umfang an Funktionalitäten verglichen werden, v.a. die für den aktuellen Anwendungsfall relevant sind </a:t>
             </a:r>
-            <a:endParaRPr lang="de-DE" sz="800" b="0" i="0" dirty="0" smtClean="0">
-              <a:solidFill>
-                <a:srgbClr val="003063"/>
-              </a:solidFill>
-              <a:latin typeface="HamburgSans"/>
-              <a:cs typeface="HamburgSans"/>
-            </a:endParaRPr>
           </a:p>
         </p:txBody>
       </p:sp>
@@ -15138,13 +15190,6 @@
   <p:clrMapOvr>
     <a:masterClrMapping/>
   </p:clrMapOvr>
-  <p:timing>
-    <p:tnLst>
-      <p:par>
-        <p:cTn id="1" dur="indefinite" restart="never" nodeType="tmRoot"/>
-      </p:par>
-    </p:tnLst>
-  </p:timing>
 </p:sld>
 </file>
 
@@ -15181,10 +15226,9 @@
           <a:lstStyle/>
           <a:p>
             <a:r>
-              <a:rPr lang="de-DE" dirty="0" smtClean="0"/>
+              <a:rPr lang="de-DE" dirty="0"/>
               <a:t>Bewertungsmatrix: 1-10 Punkte </a:t>
             </a:r>
-            <a:endParaRPr lang="de-DE" dirty="0"/>
           </a:p>
         </p:txBody>
       </p:sp>
@@ -15214,11 +15258,41 @@
                 <a:tableStyleId>{5C22544A-7EE6-4342-B048-85BDC9FD1C3A}</a:tableStyleId>
               </a:tblPr>
               <a:tblGrid>
-                <a:gridCol w="1913311"/>
-                <a:gridCol w="1228033"/>
-                <a:gridCol w="1570672"/>
-                <a:gridCol w="1570672"/>
-                <a:gridCol w="1570672"/>
+                <a:gridCol w="1913311">
+                  <a:extLst>
+                    <a:ext uri="{9D8B030D-6E8A-4147-A177-3AD203B41FA5}">
+                      <a16:colId xmlns:a16="http://schemas.microsoft.com/office/drawing/2014/main" val="20000"/>
+                    </a:ext>
+                  </a:extLst>
+                </a:gridCol>
+                <a:gridCol w="1228033">
+                  <a:extLst>
+                    <a:ext uri="{9D8B030D-6E8A-4147-A177-3AD203B41FA5}">
+                      <a16:colId xmlns:a16="http://schemas.microsoft.com/office/drawing/2014/main" val="20001"/>
+                    </a:ext>
+                  </a:extLst>
+                </a:gridCol>
+                <a:gridCol w="1570672">
+                  <a:extLst>
+                    <a:ext uri="{9D8B030D-6E8A-4147-A177-3AD203B41FA5}">
+                      <a16:colId xmlns:a16="http://schemas.microsoft.com/office/drawing/2014/main" val="20002"/>
+                    </a:ext>
+                  </a:extLst>
+                </a:gridCol>
+                <a:gridCol w="1570672">
+                  <a:extLst>
+                    <a:ext uri="{9D8B030D-6E8A-4147-A177-3AD203B41FA5}">
+                      <a16:colId xmlns:a16="http://schemas.microsoft.com/office/drawing/2014/main" val="20003"/>
+                    </a:ext>
+                  </a:extLst>
+                </a:gridCol>
+                <a:gridCol w="1570672">
+                  <a:extLst>
+                    <a:ext uri="{9D8B030D-6E8A-4147-A177-3AD203B41FA5}">
+                      <a16:colId xmlns:a16="http://schemas.microsoft.com/office/drawing/2014/main" val="20004"/>
+                    </a:ext>
+                  </a:extLst>
+                </a:gridCol>
               </a:tblGrid>
               <a:tr h="370840">
                 <a:tc>
@@ -15271,6 +15345,11 @@
                   </a:txBody>
                   <a:tcPr/>
                 </a:tc>
+                <a:extLst>
+                  <a:ext uri="{0D108BD9-81ED-4DB2-BD59-A6C34878D82A}">
+                    <a16:rowId xmlns:a16="http://schemas.microsoft.com/office/drawing/2014/main" val="10000"/>
+                  </a:ext>
+                </a:extLst>
               </a:tr>
               <a:tr h="370840">
                 <a:tc>
@@ -15279,10 +15358,9 @@
                     <a:lstStyle/>
                     <a:p>
                       <a:r>
-                        <a:rPr lang="de-DE" sz="1400" dirty="0" smtClean="0"/>
+                        <a:rPr lang="de-DE" sz="1400" dirty="0"/>
                         <a:t>Dokumentation und Community</a:t>
                       </a:r>
-                      <a:endParaRPr lang="de-DE" sz="1400" dirty="0"/>
                     </a:p>
                   </a:txBody>
                   <a:tcPr/>
@@ -15327,6 +15405,11 @@
                   </a:txBody>
                   <a:tcPr/>
                 </a:tc>
+                <a:extLst>
+                  <a:ext uri="{0D108BD9-81ED-4DB2-BD59-A6C34878D82A}">
+                    <a16:rowId xmlns:a16="http://schemas.microsoft.com/office/drawing/2014/main" val="10001"/>
+                  </a:ext>
+                </a:extLst>
               </a:tr>
               <a:tr h="370840">
                 <a:tc>
@@ -15352,7 +15435,7 @@
                         <a:defRPr/>
                       </a:pPr>
                       <a:r>
-                        <a:rPr lang="de-DE" sz="1400" dirty="0" smtClean="0"/>
+                        <a:rPr lang="de-DE" sz="1400" dirty="0"/>
                         <a:t>Syntax einfach</a:t>
                       </a:r>
                     </a:p>
@@ -15399,6 +15482,11 @@
                   </a:txBody>
                   <a:tcPr/>
                 </a:tc>
+                <a:extLst>
+                  <a:ext uri="{0D108BD9-81ED-4DB2-BD59-A6C34878D82A}">
+                    <a16:rowId xmlns:a16="http://schemas.microsoft.com/office/drawing/2014/main" val="10002"/>
+                  </a:ext>
+                </a:extLst>
               </a:tr>
               <a:tr h="370840">
                 <a:tc>
@@ -15407,10 +15495,9 @@
                     <a:lstStyle/>
                     <a:p>
                       <a:r>
-                        <a:rPr lang="de-DE" sz="1400" dirty="0" smtClean="0"/>
+                        <a:rPr lang="de-DE" sz="1400" dirty="0"/>
                         <a:t>Nachhaltigkeit</a:t>
                       </a:r>
-                      <a:endParaRPr lang="de-DE" sz="1400" dirty="0"/>
                     </a:p>
                   </a:txBody>
                   <a:tcPr/>
@@ -15455,6 +15542,11 @@
                   </a:txBody>
                   <a:tcPr/>
                 </a:tc>
+                <a:extLst>
+                  <a:ext uri="{0D108BD9-81ED-4DB2-BD59-A6C34878D82A}">
+                    <a16:rowId xmlns:a16="http://schemas.microsoft.com/office/drawing/2014/main" val="10003"/>
+                  </a:ext>
+                </a:extLst>
               </a:tr>
               <a:tr h="370840">
                 <a:tc>
@@ -15463,10 +15555,9 @@
                     <a:lstStyle/>
                     <a:p>
                       <a:r>
-                        <a:rPr lang="de-DE" sz="1400" dirty="0" smtClean="0"/>
+                        <a:rPr lang="de-DE" sz="1400" dirty="0"/>
                         <a:t>Universalität und Stabilität</a:t>
                       </a:r>
-                      <a:endParaRPr lang="de-DE" sz="1400" dirty="0"/>
                     </a:p>
                   </a:txBody>
                   <a:tcPr/>
@@ -15511,6 +15602,11 @@
                   </a:txBody>
                   <a:tcPr/>
                 </a:tc>
+                <a:extLst>
+                  <a:ext uri="{0D108BD9-81ED-4DB2-BD59-A6C34878D82A}">
+                    <a16:rowId xmlns:a16="http://schemas.microsoft.com/office/drawing/2014/main" val="10004"/>
+                  </a:ext>
+                </a:extLst>
               </a:tr>
               <a:tr h="370840">
                 <a:tc>
@@ -15519,10 +15615,9 @@
                     <a:lstStyle/>
                     <a:p>
                       <a:r>
-                        <a:rPr lang="de-DE" sz="1400" dirty="0" smtClean="0"/>
+                        <a:rPr lang="de-DE" sz="1400" dirty="0"/>
                         <a:t>Summe</a:t>
                       </a:r>
-                      <a:endParaRPr lang="de-DE" sz="1400" dirty="0"/>
                     </a:p>
                   </a:txBody>
                   <a:tcPr/>
@@ -15567,6 +15662,11 @@
                   </a:txBody>
                   <a:tcPr/>
                 </a:tc>
+                <a:extLst>
+                  <a:ext uri="{0D108BD9-81ED-4DB2-BD59-A6C34878D82A}">
+                    <a16:rowId xmlns:a16="http://schemas.microsoft.com/office/drawing/2014/main" val="10005"/>
+                  </a:ext>
+                </a:extLst>
               </a:tr>
             </a:tbl>
           </a:graphicData>
@@ -15595,7 +15695,7 @@
           <a:lstStyle/>
           <a:p>
             <a:r>
-              <a:rPr lang="de-DE" sz="800" b="0" i="0" dirty="0" smtClean="0">
+              <a:rPr lang="de-DE" sz="800" b="0" i="0" dirty="0">
                 <a:solidFill>
                   <a:srgbClr val="003063"/>
                 </a:solidFill>
@@ -15604,13 +15704,6 @@
               </a:rPr>
               <a:t>Hinweis: Hier sollen die obigen Kategorien nach eigener subjektiver Einschätzung bewertet werden.</a:t>
             </a:r>
-            <a:endParaRPr lang="de-DE" sz="800" b="0" i="0" dirty="0" smtClean="0">
-              <a:solidFill>
-                <a:srgbClr val="003063"/>
-              </a:solidFill>
-              <a:latin typeface="HamburgSans"/>
-              <a:cs typeface="HamburgSans"/>
-            </a:endParaRPr>
           </a:p>
         </p:txBody>
       </p:sp>
@@ -15624,13 +15717,6 @@
   <p:clrMapOvr>
     <a:masterClrMapping/>
   </p:clrMapOvr>
-  <p:timing>
-    <p:tnLst>
-      <p:par>
-        <p:cTn id="1" dur="indefinite" restart="never" nodeType="tmRoot"/>
-      </p:par>
-    </p:tnLst>
-  </p:timing>
 </p:sld>
 </file>
 
@@ -15667,26 +15753,19 @@
           <a:lstStyle/>
           <a:p>
             <a:r>
-              <a:rPr lang="de-DE" dirty="0" smtClean="0"/>
+              <a:rPr lang="de-DE" dirty="0"/>
               <a:t>Popularität: Vergleich Stack Overflow (</a:t>
             </a:r>
             <a:r>
               <a:rPr lang="de-DE" dirty="0">
                 <a:hlinkClick r:id="rId2"/>
               </a:rPr>
-              <a:t>http://sotagtrends.com</a:t>
-            </a:r>
-            <a:r>
-              <a:rPr lang="de-DE" dirty="0" smtClean="0">
-                <a:hlinkClick r:id="rId2"/>
-              </a:rPr>
-              <a:t>/</a:t>
-            </a:r>
-            <a:r>
-              <a:rPr lang="de-DE" dirty="0" smtClean="0"/>
+              <a:t>http://sotagtrends.com/</a:t>
+            </a:r>
+            <a:r>
+              <a:rPr lang="de-DE" dirty="0"/>
               <a:t>)</a:t>
             </a:r>
-            <a:endParaRPr lang="de-DE" dirty="0"/>
           </a:p>
         </p:txBody>
       </p:sp>
@@ -15737,7 +15816,7 @@
           <a:lstStyle/>
           <a:p>
             <a:r>
-              <a:rPr lang="de-DE" sz="800" b="0" i="0" dirty="0" smtClean="0">
+              <a:rPr lang="de-DE" sz="800" b="0" i="0" dirty="0">
                 <a:solidFill>
                   <a:srgbClr val="003063"/>
                 </a:solidFill>
@@ -15747,7 +15826,7 @@
               <a:t>Hinweis: Hier soll ein Screenshot der Grafik von </a:t>
             </a:r>
             <a:r>
-              <a:rPr lang="de-DE" sz="800" b="0" i="0" dirty="0" err="1" smtClean="0">
+              <a:rPr lang="de-DE" sz="800" b="0" i="0" dirty="0" err="1">
                 <a:solidFill>
                   <a:srgbClr val="003063"/>
                 </a:solidFill>
@@ -15757,7 +15836,7 @@
               <a:t>sotagtrends</a:t>
             </a:r>
             <a:r>
-              <a:rPr lang="de-DE" sz="800" b="0" i="0" dirty="0" smtClean="0">
+              <a:rPr lang="de-DE" sz="800" b="0" i="0" dirty="0">
                 <a:solidFill>
                   <a:srgbClr val="003063"/>
                 </a:solidFill>
@@ -15766,13 +15845,6 @@
               </a:rPr>
               <a:t> entsprechend dem obigen Beispiel eingefügt werden. Die Grafik dient als weiterer Indikator, wie groß und aktiv die Nutzercommunity ist.</a:t>
             </a:r>
-            <a:endParaRPr lang="de-DE" sz="800" b="0" i="0" dirty="0" smtClean="0">
-              <a:solidFill>
-                <a:srgbClr val="003063"/>
-              </a:solidFill>
-              <a:latin typeface="HamburgSans"/>
-              <a:cs typeface="HamburgSans"/>
-            </a:endParaRPr>
           </a:p>
         </p:txBody>
       </p:sp>
@@ -15786,13 +15858,6 @@
   <p:clrMapOvr>
     <a:masterClrMapping/>
   </p:clrMapOvr>
-  <p:timing>
-    <p:tnLst>
-      <p:par>
-        <p:cTn id="1" dur="indefinite" restart="never" nodeType="tmRoot"/>
-      </p:par>
-    </p:tnLst>
-  </p:timing>
 </p:sld>
 </file>
 
@@ -15829,7 +15894,7 @@
           <a:lstStyle/>
           <a:p>
             <a:r>
-              <a:rPr lang="de-DE" dirty="0" smtClean="0"/>
+              <a:rPr lang="de-DE" dirty="0"/>
               <a:t>Popularität: Vergleich NPM (</a:t>
             </a:r>
             <a:r>
@@ -15889,7 +15954,7 @@
           <a:lstStyle/>
           <a:p>
             <a:r>
-              <a:rPr lang="de-DE" sz="800" b="0" i="0" dirty="0" smtClean="0">
+              <a:rPr lang="de-DE" sz="800" b="0" i="0" dirty="0">
                 <a:solidFill>
                   <a:srgbClr val="003063"/>
                 </a:solidFill>
@@ -15899,7 +15964,7 @@
               <a:t>Hinweis: Hier soll ein Screenshot der Grafik von </a:t>
             </a:r>
             <a:r>
-              <a:rPr lang="de-DE" sz="800" b="0" i="0" dirty="0" err="1" smtClean="0">
+              <a:rPr lang="de-DE" sz="800" b="0" i="0" dirty="0" err="1">
                 <a:solidFill>
                   <a:srgbClr val="003063"/>
                 </a:solidFill>
@@ -15909,7 +15974,7 @@
               <a:t>npmcharts</a:t>
             </a:r>
             <a:r>
-              <a:rPr lang="de-DE" sz="800" b="0" i="0" dirty="0" smtClean="0">
+              <a:rPr lang="de-DE" sz="800" b="0" i="0" dirty="0">
                 <a:solidFill>
                   <a:srgbClr val="003063"/>
                 </a:solidFill>
@@ -15918,13 +15983,6 @@
               </a:rPr>
               <a:t> entsprechend dem obigen Beispiel eingefügt werden. Die Grafik dient als weiterer Indikator, wie groß und aktiv die Nutzercommunity ist.</a:t>
             </a:r>
-            <a:endParaRPr lang="de-DE" sz="800" b="0" i="0" dirty="0" smtClean="0">
-              <a:solidFill>
-                <a:srgbClr val="003063"/>
-              </a:solidFill>
-              <a:latin typeface="HamburgSans"/>
-              <a:cs typeface="HamburgSans"/>
-            </a:endParaRPr>
           </a:p>
         </p:txBody>
       </p:sp>
@@ -15938,13 +15996,6 @@
   <p:clrMapOvr>
     <a:masterClrMapping/>
   </p:clrMapOvr>
-  <p:timing>
-    <p:tnLst>
-      <p:par>
-        <p:cTn id="1" dur="indefinite" restart="never" nodeType="tmRoot"/>
-      </p:par>
-    </p:tnLst>
-  </p:timing>
 </p:sld>
 </file>
 
@@ -15981,10 +16032,9 @@
           <a:lstStyle/>
           <a:p>
             <a:r>
-              <a:rPr lang="de-DE" dirty="0" smtClean="0"/>
+              <a:rPr lang="de-DE" dirty="0"/>
               <a:t>Entscheidung und Begründung</a:t>
             </a:r>
-            <a:endParaRPr lang="de-DE" dirty="0"/>
           </a:p>
         </p:txBody>
       </p:sp>
@@ -16011,7 +16061,7 @@
           <a:lstStyle/>
           <a:p>
             <a:r>
-              <a:rPr lang="de-DE" sz="800" b="0" i="0" dirty="0" smtClean="0">
+              <a:rPr lang="de-DE" sz="800" b="0" i="0" dirty="0">
                 <a:solidFill>
                   <a:srgbClr val="003063"/>
                 </a:solidFill>
@@ -16020,13 +16070,6 @@
               </a:rPr>
               <a:t>Hier sollte die Entscheidung für die ausgewählte Bibliothek kurz mit zwei drei Sätzen begründet werden.</a:t>
             </a:r>
-            <a:endParaRPr lang="de-DE" sz="800" b="0" i="0" dirty="0" smtClean="0">
-              <a:solidFill>
-                <a:srgbClr val="003063"/>
-              </a:solidFill>
-              <a:latin typeface="HamburgSans"/>
-              <a:cs typeface="HamburgSans"/>
-            </a:endParaRPr>
           </a:p>
         </p:txBody>
       </p:sp>
@@ -16040,13 +16083,6 @@
   <p:clrMapOvr>
     <a:masterClrMapping/>
   </p:clrMapOvr>
-  <p:timing>
-    <p:tnLst>
-      <p:par>
-        <p:cTn id="1" dur="indefinite" restart="never" nodeType="tmRoot"/>
-      </p:par>
-    </p:tnLst>
-  </p:timing>
 </p:sld>
 </file>
 
@@ -18660,15 +18696,6 @@
 </file>
 
 <file path=customXml/item1.xml><?xml version="1.0" encoding="utf-8"?>
-<?mso-contentType ?>
-<FormTemplates xmlns="http://schemas.microsoft.com/sharepoint/v3/contenttype/forms">
-  <Display>DocumentLibraryForm</Display>
-  <Edit>DocumentLibraryForm</Edit>
-  <New>DocumentLibraryForm</New>
-</FormTemplates>
-</file>
-
-<file path=customXml/item2.xml><?xml version="1.0" encoding="utf-8"?>
 <p:properties xmlns:p="http://schemas.microsoft.com/office/2006/metadata/properties" xmlns:xsi="http://www.w3.org/2001/XMLSchema-instance" xmlns:pc="http://schemas.microsoft.com/office/infopath/2007/PartnerControls">
   <documentManagement>
     <LikesCount xmlns="http://schemas.microsoft.com/sharepoint/v3" xsi:nil="true"/>
@@ -18691,6 +18718,15 @@
     <IconOverlay xmlns="http://schemas.microsoft.com/sharepoint/v4" xsi:nil="true"/>
   </documentManagement>
 </p:properties>
+</file>
+
+<file path=customXml/item2.xml><?xml version="1.0" encoding="utf-8"?>
+<?mso-contentType ?>
+<FormTemplates xmlns="http://schemas.microsoft.com/sharepoint/v3/contenttype/forms">
+  <Display>DocumentLibraryForm</Display>
+  <Edit>DocumentLibraryForm</Edit>
+  <New>DocumentLibraryForm</New>
+</FormTemplates>
 </file>
 
 <file path=customXml/item3.xml><?xml version="1.0" encoding="utf-8"?>
@@ -18902,14 +18938,6 @@
 </file>
 
 <file path=customXml/itemProps1.xml><?xml version="1.0" encoding="utf-8"?>
-<ds:datastoreItem xmlns:ds="http://schemas.openxmlformats.org/officeDocument/2006/customXml" ds:itemID="{0AB4DEA2-CBE2-4AE0-A57B-BAE2FCCEF7C2}">
-  <ds:schemaRefs>
-    <ds:schemaRef ds:uri="http://schemas.microsoft.com/sharepoint/v3/contenttype/forms"/>
-  </ds:schemaRefs>
-</ds:datastoreItem>
-</file>
-
-<file path=customXml/itemProps2.xml><?xml version="1.0" encoding="utf-8"?>
 <ds:datastoreItem xmlns:ds="http://schemas.openxmlformats.org/officeDocument/2006/customXml" ds:itemID="{573587D3-EE21-480F-A27F-9FFB8B3E123B}">
   <ds:schemaRefs>
     <ds:schemaRef ds:uri="http://purl.org/dc/elements/1.1/"/>
@@ -18923,6 +18951,14 @@
     <ds:schemaRef ds:uri="http://schemas.microsoft.com/office/2006/metadata/properties"/>
     <ds:schemaRef ds:uri="http://www.w3.org/XML/1998/namespace"/>
     <ds:schemaRef ds:uri="http://purl.org/dc/dcmitype/"/>
+  </ds:schemaRefs>
+</ds:datastoreItem>
+</file>
+
+<file path=customXml/itemProps2.xml><?xml version="1.0" encoding="utf-8"?>
+<ds:datastoreItem xmlns:ds="http://schemas.openxmlformats.org/officeDocument/2006/customXml" ds:itemID="{0AB4DEA2-CBE2-4AE0-A57B-BAE2FCCEF7C2}">
+  <ds:schemaRefs>
+    <ds:schemaRef ds:uri="http://schemas.microsoft.com/sharepoint/v3/contenttype/forms"/>
   </ds:schemaRefs>
 </ds:datastoreItem>
 </file>
